--- a/docs/instrukcja.pptx
+++ b/docs/instrukcja.pptx
@@ -12,11 +12,14 @@
     <p:sldId id="261" r:id="rId6"/>
     <p:sldId id="262" r:id="rId7"/>
     <p:sldId id="263" r:id="rId8"/>
-    <p:sldId id="264" r:id="rId9"/>
-    <p:sldId id="265" r:id="rId10"/>
-    <p:sldId id="266" r:id="rId11"/>
-    <p:sldId id="267" r:id="rId12"/>
-    <p:sldId id="268" r:id="rId13"/>
+    <p:sldId id="270" r:id="rId9"/>
+    <p:sldId id="271" r:id="rId10"/>
+    <p:sldId id="264" r:id="rId11"/>
+    <p:sldId id="265" r:id="rId12"/>
+    <p:sldId id="266" r:id="rId13"/>
+    <p:sldId id="267" r:id="rId14"/>
+    <p:sldId id="269" r:id="rId15"/>
+    <p:sldId id="268" r:id="rId16"/>
   </p:sldIdLst>
   <p:sldSz cx="12192000" cy="6858000"/>
   <p:notesSz cx="6858000" cy="9144000"/>
@@ -115,6 +118,11 @@
       </a:defRPr>
     </a:lvl9pPr>
   </p:defaultTextStyle>
+  <p:extLst>
+    <p:ext uri="{EFAFB233-063F-42B5-8137-9DF3F51BA10A}">
+      <p15:sldGuideLst xmlns:p15="http://schemas.microsoft.com/office/powerpoint/2012/main"/>
+    </p:ext>
+  </p:extLst>
 </p:presentation>
 </file>
 
@@ -265,7 +273,7 @@
           <a:p>
             <a:fld id="{14B7DDE9-ACEC-406D-B2FC-2C8C2AAF0E2A}" type="datetimeFigureOut">
               <a:rPr lang="pl-PL" smtClean="0"/>
-              <a:t>17.10.2021</a:t>
+              <a:t>28.10.2021</a:t>
             </a:fld>
             <a:endParaRPr lang="pl-PL"/>
           </a:p>
@@ -463,7 +471,7 @@
           <a:p>
             <a:fld id="{14B7DDE9-ACEC-406D-B2FC-2C8C2AAF0E2A}" type="datetimeFigureOut">
               <a:rPr lang="pl-PL" smtClean="0"/>
-              <a:t>17.10.2021</a:t>
+              <a:t>28.10.2021</a:t>
             </a:fld>
             <a:endParaRPr lang="pl-PL"/>
           </a:p>
@@ -671,7 +679,7 @@
           <a:p>
             <a:fld id="{14B7DDE9-ACEC-406D-B2FC-2C8C2AAF0E2A}" type="datetimeFigureOut">
               <a:rPr lang="pl-PL" smtClean="0"/>
-              <a:t>17.10.2021</a:t>
+              <a:t>28.10.2021</a:t>
             </a:fld>
             <a:endParaRPr lang="pl-PL"/>
           </a:p>
@@ -869,7 +877,7 @@
           <a:p>
             <a:fld id="{14B7DDE9-ACEC-406D-B2FC-2C8C2AAF0E2A}" type="datetimeFigureOut">
               <a:rPr lang="pl-PL" smtClean="0"/>
-              <a:t>17.10.2021</a:t>
+              <a:t>28.10.2021</a:t>
             </a:fld>
             <a:endParaRPr lang="pl-PL"/>
           </a:p>
@@ -1144,7 +1152,7 @@
           <a:p>
             <a:fld id="{14B7DDE9-ACEC-406D-B2FC-2C8C2AAF0E2A}" type="datetimeFigureOut">
               <a:rPr lang="pl-PL" smtClean="0"/>
-              <a:t>17.10.2021</a:t>
+              <a:t>28.10.2021</a:t>
             </a:fld>
             <a:endParaRPr lang="pl-PL"/>
           </a:p>
@@ -1409,7 +1417,7 @@
           <a:p>
             <a:fld id="{14B7DDE9-ACEC-406D-B2FC-2C8C2AAF0E2A}" type="datetimeFigureOut">
               <a:rPr lang="pl-PL" smtClean="0"/>
-              <a:t>17.10.2021</a:t>
+              <a:t>28.10.2021</a:t>
             </a:fld>
             <a:endParaRPr lang="pl-PL"/>
           </a:p>
@@ -1821,7 +1829,7 @@
           <a:p>
             <a:fld id="{14B7DDE9-ACEC-406D-B2FC-2C8C2AAF0E2A}" type="datetimeFigureOut">
               <a:rPr lang="pl-PL" smtClean="0"/>
-              <a:t>17.10.2021</a:t>
+              <a:t>28.10.2021</a:t>
             </a:fld>
             <a:endParaRPr lang="pl-PL"/>
           </a:p>
@@ -1962,7 +1970,7 @@
           <a:p>
             <a:fld id="{14B7DDE9-ACEC-406D-B2FC-2C8C2AAF0E2A}" type="datetimeFigureOut">
               <a:rPr lang="pl-PL" smtClean="0"/>
-              <a:t>17.10.2021</a:t>
+              <a:t>28.10.2021</a:t>
             </a:fld>
             <a:endParaRPr lang="pl-PL"/>
           </a:p>
@@ -2075,7 +2083,7 @@
           <a:p>
             <a:fld id="{14B7DDE9-ACEC-406D-B2FC-2C8C2AAF0E2A}" type="datetimeFigureOut">
               <a:rPr lang="pl-PL" smtClean="0"/>
-              <a:t>17.10.2021</a:t>
+              <a:t>28.10.2021</a:t>
             </a:fld>
             <a:endParaRPr lang="pl-PL"/>
           </a:p>
@@ -2386,7 +2394,7 @@
           <a:p>
             <a:fld id="{14B7DDE9-ACEC-406D-B2FC-2C8C2AAF0E2A}" type="datetimeFigureOut">
               <a:rPr lang="pl-PL" smtClean="0"/>
-              <a:t>17.10.2021</a:t>
+              <a:t>28.10.2021</a:t>
             </a:fld>
             <a:endParaRPr lang="pl-PL"/>
           </a:p>
@@ -2674,7 +2682,7 @@
           <a:p>
             <a:fld id="{14B7DDE9-ACEC-406D-B2FC-2C8C2AAF0E2A}" type="datetimeFigureOut">
               <a:rPr lang="pl-PL" smtClean="0"/>
-              <a:t>17.10.2021</a:t>
+              <a:t>28.10.2021</a:t>
             </a:fld>
             <a:endParaRPr lang="pl-PL"/>
           </a:p>
@@ -2915,7 +2923,7 @@
           <a:p>
             <a:fld id="{14B7DDE9-ACEC-406D-B2FC-2C8C2AAF0E2A}" type="datetimeFigureOut">
               <a:rPr lang="pl-PL" smtClean="0"/>
-              <a:t>17.10.2021</a:t>
+              <a:t>28.10.2021</a:t>
             </a:fld>
             <a:endParaRPr lang="pl-PL"/>
           </a:p>
@@ -3709,7 +3717,7 @@
           <p:cNvPr id="4" name="Obraz 3">
             <a:extLst>
               <a:ext uri="{FF2B5EF4-FFF2-40B4-BE49-F238E27FC236}">
-                <a16:creationId xmlns:a16="http://schemas.microsoft.com/office/drawing/2014/main" id="{9602C24C-0399-4FFA-B129-231704E96FB7}"/>
+                <a16:creationId xmlns:a16="http://schemas.microsoft.com/office/drawing/2014/main" id="{5E99E619-A3B3-422A-8C7A-B064B9A91684}"/>
               </a:ext>
             </a:extLst>
           </p:cNvPr>
@@ -3726,8 +3734,8 @@
         </p:blipFill>
         <p:spPr>
           <a:xfrm>
-            <a:off x="0" y="410401"/>
-            <a:ext cx="12192000" cy="6037196"/>
+            <a:off x="0" y="363188"/>
+            <a:ext cx="12192000" cy="6131994"/>
           </a:xfrm>
           <a:prstGeom prst="rect">
             <a:avLst/>
@@ -3748,8 +3756,8 @@
         </p:nvSpPr>
         <p:spPr>
           <a:xfrm>
-            <a:off x="0" y="410401"/>
-            <a:ext cx="1971413" cy="982172"/>
+            <a:off x="0" y="361419"/>
+            <a:ext cx="1971413" cy="989209"/>
           </a:xfrm>
           <a:prstGeom prst="rect">
             <a:avLst/>
@@ -3800,8 +3808,8 @@
         </p:nvSpPr>
         <p:spPr>
           <a:xfrm>
-            <a:off x="0" y="410401"/>
-            <a:ext cx="12192000" cy="6037195"/>
+            <a:off x="0" y="361419"/>
+            <a:ext cx="12192000" cy="5477319"/>
           </a:xfrm>
           <a:prstGeom prst="rect">
             <a:avLst/>
@@ -3852,8 +3860,8 @@
         </p:nvSpPr>
         <p:spPr>
           <a:xfrm>
-            <a:off x="-1" y="410400"/>
-            <a:ext cx="1971413" cy="6037196"/>
+            <a:off x="-1" y="362818"/>
+            <a:ext cx="1971413" cy="6133762"/>
           </a:xfrm>
           <a:prstGeom prst="rect">
             <a:avLst/>
@@ -4048,20 +4056,72 @@
       </p:sp>
       <p:sp>
         <p:nvSpPr>
-          <p:cNvPr id="13" name="Prostokąt 12">
-            <a:extLst>
-              <a:ext uri="{FF2B5EF4-FFF2-40B4-BE49-F238E27FC236}">
-                <a16:creationId xmlns:a16="http://schemas.microsoft.com/office/drawing/2014/main" id="{8C8A9D5A-E849-4005-A1B5-7AD6400AAC6A}"/>
-              </a:ext>
-            </a:extLst>
-          </p:cNvPr>
-          <p:cNvSpPr/>
-          <p:nvPr/>
-        </p:nvSpPr>
-        <p:spPr>
-          <a:xfrm>
-            <a:off x="1971412" y="1695252"/>
-            <a:ext cx="10220588" cy="3329754"/>
+          <p:cNvPr id="13" name="Owal 12">
+            <a:extLst>
+              <a:ext uri="{FF2B5EF4-FFF2-40B4-BE49-F238E27FC236}">
+                <a16:creationId xmlns:a16="http://schemas.microsoft.com/office/drawing/2014/main" id="{58460A97-B22B-4B2D-A02C-08C333DFB3BA}"/>
+              </a:ext>
+            </a:extLst>
+          </p:cNvPr>
+          <p:cNvSpPr/>
+          <p:nvPr/>
+        </p:nvSpPr>
+        <p:spPr>
+          <a:xfrm>
+            <a:off x="2903987" y="1937669"/>
+            <a:ext cx="402671" cy="360727"/>
+          </a:xfrm>
+          <a:prstGeom prst="ellipse">
+            <a:avLst/>
+          </a:prstGeom>
+          <a:solidFill>
+            <a:srgbClr val="C00000"/>
+          </a:solidFill>
+        </p:spPr>
+        <p:style>
+          <a:lnRef idx="2">
+            <a:schemeClr val="accent2">
+              <a:shade val="50000"/>
+            </a:schemeClr>
+          </a:lnRef>
+          <a:fillRef idx="1">
+            <a:schemeClr val="accent2"/>
+          </a:fillRef>
+          <a:effectRef idx="0">
+            <a:schemeClr val="accent2"/>
+          </a:effectRef>
+          <a:fontRef idx="minor">
+            <a:schemeClr val="lt1"/>
+          </a:fontRef>
+        </p:style>
+        <p:txBody>
+          <a:bodyPr rtlCol="0" anchor="ctr"/>
+          <a:lstStyle/>
+          <a:p>
+            <a:pPr algn="ctr"/>
+            <a:r>
+              <a:rPr lang="pl-PL"/>
+              <a:t>5</a:t>
+            </a:r>
+          </a:p>
+        </p:txBody>
+      </p:sp>
+      <p:sp>
+        <p:nvSpPr>
+          <p:cNvPr id="15" name="Prostokąt 14">
+            <a:extLst>
+              <a:ext uri="{FF2B5EF4-FFF2-40B4-BE49-F238E27FC236}">
+                <a16:creationId xmlns:a16="http://schemas.microsoft.com/office/drawing/2014/main" id="{FEE4E2BC-F7A5-4030-9F0B-357AC8DB550D}"/>
+              </a:ext>
+            </a:extLst>
+          </p:cNvPr>
+          <p:cNvSpPr/>
+          <p:nvPr/>
+        </p:nvSpPr>
+        <p:spPr>
+          <a:xfrm>
+            <a:off x="3205990" y="2034249"/>
+            <a:ext cx="6793687" cy="1992238"/>
           </a:xfrm>
           <a:prstGeom prst="rect">
             <a:avLst/>
@@ -4100,124 +4160,20 @@
       </p:sp>
       <p:sp>
         <p:nvSpPr>
-          <p:cNvPr id="12" name="Owal 11">
-            <a:extLst>
-              <a:ext uri="{FF2B5EF4-FFF2-40B4-BE49-F238E27FC236}">
-                <a16:creationId xmlns:a16="http://schemas.microsoft.com/office/drawing/2014/main" id="{9279B823-E10D-4FA5-A8B5-8E156EC9D0C5}"/>
-              </a:ext>
-            </a:extLst>
-          </p:cNvPr>
-          <p:cNvSpPr/>
-          <p:nvPr/>
-        </p:nvSpPr>
-        <p:spPr>
-          <a:xfrm>
-            <a:off x="2063689" y="1572936"/>
-            <a:ext cx="402671" cy="360727"/>
-          </a:xfrm>
-          <a:prstGeom prst="ellipse">
-            <a:avLst/>
-          </a:prstGeom>
-          <a:solidFill>
-            <a:srgbClr val="C00000"/>
-          </a:solidFill>
-        </p:spPr>
-        <p:style>
-          <a:lnRef idx="2">
-            <a:schemeClr val="accent2">
-              <a:shade val="50000"/>
-            </a:schemeClr>
-          </a:lnRef>
-          <a:fillRef idx="1">
-            <a:schemeClr val="accent2"/>
-          </a:fillRef>
-          <a:effectRef idx="0">
-            <a:schemeClr val="accent2"/>
-          </a:effectRef>
-          <a:fontRef idx="minor">
-            <a:schemeClr val="lt1"/>
-          </a:fontRef>
-        </p:style>
-        <p:txBody>
-          <a:bodyPr rtlCol="0" anchor="ctr"/>
-          <a:lstStyle/>
-          <a:p>
-            <a:pPr algn="ctr"/>
-            <a:r>
-              <a:rPr lang="pl-PL"/>
-              <a:t>4</a:t>
-            </a:r>
-          </a:p>
-        </p:txBody>
-      </p:sp>
-      <p:sp>
-        <p:nvSpPr>
-          <p:cNvPr id="17" name="Owal 16">
-            <a:extLst>
-              <a:ext uri="{FF2B5EF4-FFF2-40B4-BE49-F238E27FC236}">
-                <a16:creationId xmlns:a16="http://schemas.microsoft.com/office/drawing/2014/main" id="{7BC7A504-F030-4A25-A409-171C855F808A}"/>
-              </a:ext>
-            </a:extLst>
-          </p:cNvPr>
-          <p:cNvSpPr/>
-          <p:nvPr/>
-        </p:nvSpPr>
-        <p:spPr>
-          <a:xfrm>
-            <a:off x="4722292" y="3404719"/>
-            <a:ext cx="402671" cy="360727"/>
-          </a:xfrm>
-          <a:prstGeom prst="ellipse">
-            <a:avLst/>
-          </a:prstGeom>
-          <a:solidFill>
-            <a:srgbClr val="C00000"/>
-          </a:solidFill>
-        </p:spPr>
-        <p:style>
-          <a:lnRef idx="2">
-            <a:schemeClr val="accent2">
-              <a:shade val="50000"/>
-            </a:schemeClr>
-          </a:lnRef>
-          <a:fillRef idx="1">
-            <a:schemeClr val="accent2"/>
-          </a:fillRef>
-          <a:effectRef idx="0">
-            <a:schemeClr val="accent2"/>
-          </a:effectRef>
-          <a:fontRef idx="minor">
-            <a:schemeClr val="lt1"/>
-          </a:fontRef>
-        </p:style>
-        <p:txBody>
-          <a:bodyPr rtlCol="0" anchor="ctr"/>
-          <a:lstStyle/>
-          <a:p>
-            <a:pPr algn="ctr"/>
-            <a:r>
-              <a:rPr lang="pl-PL"/>
-              <a:t>8</a:t>
-            </a:r>
-          </a:p>
-        </p:txBody>
-      </p:sp>
-      <p:sp>
-        <p:nvSpPr>
-          <p:cNvPr id="18" name="Prostokąt 17">
-            <a:extLst>
-              <a:ext uri="{FF2B5EF4-FFF2-40B4-BE49-F238E27FC236}">
-                <a16:creationId xmlns:a16="http://schemas.microsoft.com/office/drawing/2014/main" id="{217D489F-2488-4A18-AEF4-65B32E242F84}"/>
-              </a:ext>
-            </a:extLst>
-          </p:cNvPr>
-          <p:cNvSpPr/>
-          <p:nvPr/>
-        </p:nvSpPr>
-        <p:spPr>
-          <a:xfrm>
-            <a:off x="5018009" y="2096258"/>
-            <a:ext cx="3521984" cy="360727"/>
+          <p:cNvPr id="16" name="Prostokąt 15">
+            <a:extLst>
+              <a:ext uri="{FF2B5EF4-FFF2-40B4-BE49-F238E27FC236}">
+                <a16:creationId xmlns:a16="http://schemas.microsoft.com/office/drawing/2014/main" id="{4E515B4F-462C-40B4-881F-DB9110614D34}"/>
+              </a:ext>
+            </a:extLst>
+          </p:cNvPr>
+          <p:cNvSpPr/>
+          <p:nvPr/>
+        </p:nvSpPr>
+        <p:spPr>
+          <a:xfrm>
+            <a:off x="3407325" y="4026486"/>
+            <a:ext cx="6315515" cy="1400115"/>
           </a:xfrm>
           <a:prstGeom prst="rect">
             <a:avLst/>
@@ -4256,20 +4212,72 @@
       </p:sp>
       <p:sp>
         <p:nvSpPr>
-          <p:cNvPr id="19" name="Prostokąt 18">
-            <a:extLst>
-              <a:ext uri="{FF2B5EF4-FFF2-40B4-BE49-F238E27FC236}">
-                <a16:creationId xmlns:a16="http://schemas.microsoft.com/office/drawing/2014/main" id="{F5E46A25-F131-4834-8F55-72854E9905E7}"/>
-              </a:ext>
-            </a:extLst>
-          </p:cNvPr>
-          <p:cNvSpPr/>
-          <p:nvPr/>
-        </p:nvSpPr>
-        <p:spPr>
-          <a:xfrm>
-            <a:off x="4908952" y="2999401"/>
-            <a:ext cx="3521984" cy="429599"/>
+          <p:cNvPr id="14" name="Owal 13">
+            <a:extLst>
+              <a:ext uri="{FF2B5EF4-FFF2-40B4-BE49-F238E27FC236}">
+                <a16:creationId xmlns:a16="http://schemas.microsoft.com/office/drawing/2014/main" id="{59E216A4-7A2E-46B5-90C3-8A16B46CF662}"/>
+              </a:ext>
+            </a:extLst>
+          </p:cNvPr>
+          <p:cNvSpPr/>
+          <p:nvPr/>
+        </p:nvSpPr>
+        <p:spPr>
+          <a:xfrm>
+            <a:off x="3474438" y="4052192"/>
+            <a:ext cx="402671" cy="360727"/>
+          </a:xfrm>
+          <a:prstGeom prst="ellipse">
+            <a:avLst/>
+          </a:prstGeom>
+          <a:solidFill>
+            <a:srgbClr val="C00000"/>
+          </a:solidFill>
+        </p:spPr>
+        <p:style>
+          <a:lnRef idx="2">
+            <a:schemeClr val="accent2">
+              <a:shade val="50000"/>
+            </a:schemeClr>
+          </a:lnRef>
+          <a:fillRef idx="1">
+            <a:schemeClr val="accent2"/>
+          </a:fillRef>
+          <a:effectRef idx="0">
+            <a:schemeClr val="accent2"/>
+          </a:effectRef>
+          <a:fontRef idx="minor">
+            <a:schemeClr val="lt1"/>
+          </a:fontRef>
+        </p:style>
+        <p:txBody>
+          <a:bodyPr rtlCol="0" anchor="ctr"/>
+          <a:lstStyle/>
+          <a:p>
+            <a:pPr algn="ctr"/>
+            <a:r>
+              <a:rPr lang="pl-PL"/>
+              <a:t>6</a:t>
+            </a:r>
+          </a:p>
+        </p:txBody>
+      </p:sp>
+      <p:sp>
+        <p:nvSpPr>
+          <p:cNvPr id="17" name="Prostokąt 16">
+            <a:extLst>
+              <a:ext uri="{FF2B5EF4-FFF2-40B4-BE49-F238E27FC236}">
+                <a16:creationId xmlns:a16="http://schemas.microsoft.com/office/drawing/2014/main" id="{1300A9F9-1CB4-4F1F-A185-7F2165B4361C}"/>
+              </a:ext>
+            </a:extLst>
+          </p:cNvPr>
+          <p:cNvSpPr/>
+          <p:nvPr/>
+        </p:nvSpPr>
+        <p:spPr>
+          <a:xfrm>
+            <a:off x="2125208" y="1546140"/>
+            <a:ext cx="8293919" cy="4292597"/>
           </a:xfrm>
           <a:prstGeom prst="rect">
             <a:avLst/>
@@ -4308,71 +4316,19 @@
       </p:sp>
       <p:sp>
         <p:nvSpPr>
-          <p:cNvPr id="20" name="Prostokąt 19">
-            <a:extLst>
-              <a:ext uri="{FF2B5EF4-FFF2-40B4-BE49-F238E27FC236}">
-                <a16:creationId xmlns:a16="http://schemas.microsoft.com/office/drawing/2014/main" id="{949503EB-3B83-46E3-B856-C880FD24270B}"/>
-              </a:ext>
-            </a:extLst>
-          </p:cNvPr>
-          <p:cNvSpPr/>
-          <p:nvPr/>
-        </p:nvSpPr>
-        <p:spPr>
-          <a:xfrm>
-            <a:off x="8976220" y="2039584"/>
-            <a:ext cx="3095538" cy="959817"/>
-          </a:xfrm>
-          <a:prstGeom prst="rect">
-            <a:avLst/>
-          </a:prstGeom>
-          <a:noFill/>
-          <a:ln w="38100">
-            <a:solidFill>
-              <a:srgbClr val="C00000"/>
-            </a:solidFill>
-          </a:ln>
-        </p:spPr>
-        <p:style>
-          <a:lnRef idx="2">
-            <a:schemeClr val="accent1">
-              <a:shade val="50000"/>
-            </a:schemeClr>
-          </a:lnRef>
-          <a:fillRef idx="1">
-            <a:schemeClr val="accent1"/>
-          </a:fillRef>
-          <a:effectRef idx="0">
-            <a:schemeClr val="accent1"/>
-          </a:effectRef>
-          <a:fontRef idx="minor">
-            <a:schemeClr val="lt1"/>
-          </a:fontRef>
-        </p:style>
-        <p:txBody>
-          <a:bodyPr rtlCol="0" anchor="ctr"/>
-          <a:lstStyle/>
-          <a:p>
-            <a:pPr algn="ctr"/>
-            <a:endParaRPr lang="pl-PL"/>
-          </a:p>
-        </p:txBody>
-      </p:sp>
-      <p:sp>
-        <p:nvSpPr>
-          <p:cNvPr id="14" name="Owal 13">
-            <a:extLst>
-              <a:ext uri="{FF2B5EF4-FFF2-40B4-BE49-F238E27FC236}">
-                <a16:creationId xmlns:a16="http://schemas.microsoft.com/office/drawing/2014/main" id="{774BDCA0-C025-4322-9D8C-0C72897EC2C1}"/>
-              </a:ext>
-            </a:extLst>
-          </p:cNvPr>
-          <p:cNvSpPr/>
-          <p:nvPr/>
-        </p:nvSpPr>
-        <p:spPr>
-          <a:xfrm>
-            <a:off x="4722292" y="1785646"/>
+          <p:cNvPr id="12" name="Owal 11">
+            <a:extLst>
+              <a:ext uri="{FF2B5EF4-FFF2-40B4-BE49-F238E27FC236}">
+                <a16:creationId xmlns:a16="http://schemas.microsoft.com/office/drawing/2014/main" id="{D608EC4F-3B04-4AE3-A547-F27CEF9F2B70}"/>
+              </a:ext>
+            </a:extLst>
+          </p:cNvPr>
+          <p:cNvSpPr/>
+          <p:nvPr/>
+        </p:nvSpPr>
+        <p:spPr>
+          <a:xfrm>
+            <a:off x="2125208" y="1364892"/>
             <a:ext cx="402671" cy="360727"/>
           </a:xfrm>
           <a:prstGeom prst="ellipse">
@@ -4405,111 +4361,7 @@
             <a:pPr algn="ctr"/>
             <a:r>
               <a:rPr lang="pl-PL"/>
-              <a:t>5</a:t>
-            </a:r>
-          </a:p>
-        </p:txBody>
-      </p:sp>
-      <p:sp>
-        <p:nvSpPr>
-          <p:cNvPr id="15" name="Owal 14">
-            <a:extLst>
-              <a:ext uri="{FF2B5EF4-FFF2-40B4-BE49-F238E27FC236}">
-                <a16:creationId xmlns:a16="http://schemas.microsoft.com/office/drawing/2014/main" id="{05CD3EEE-CA10-41F2-AF6A-ADF551A85D76}"/>
-              </a:ext>
-            </a:extLst>
-          </p:cNvPr>
-          <p:cNvSpPr/>
-          <p:nvPr/>
-        </p:nvSpPr>
-        <p:spPr>
-          <a:xfrm>
-            <a:off x="4722292" y="2690607"/>
-            <a:ext cx="402671" cy="360727"/>
-          </a:xfrm>
-          <a:prstGeom prst="ellipse">
-            <a:avLst/>
-          </a:prstGeom>
-          <a:solidFill>
-            <a:srgbClr val="C00000"/>
-          </a:solidFill>
-        </p:spPr>
-        <p:style>
-          <a:lnRef idx="2">
-            <a:schemeClr val="accent2">
-              <a:shade val="50000"/>
-            </a:schemeClr>
-          </a:lnRef>
-          <a:fillRef idx="1">
-            <a:schemeClr val="accent2"/>
-          </a:fillRef>
-          <a:effectRef idx="0">
-            <a:schemeClr val="accent2"/>
-          </a:effectRef>
-          <a:fontRef idx="minor">
-            <a:schemeClr val="lt1"/>
-          </a:fontRef>
-        </p:style>
-        <p:txBody>
-          <a:bodyPr rtlCol="0" anchor="ctr"/>
-          <a:lstStyle/>
-          <a:p>
-            <a:pPr algn="ctr"/>
-            <a:r>
-              <a:rPr lang="pl-PL"/>
-              <a:t>6</a:t>
-            </a:r>
-          </a:p>
-        </p:txBody>
-      </p:sp>
-      <p:sp>
-        <p:nvSpPr>
-          <p:cNvPr id="16" name="Owal 15">
-            <a:extLst>
-              <a:ext uri="{FF2B5EF4-FFF2-40B4-BE49-F238E27FC236}">
-                <a16:creationId xmlns:a16="http://schemas.microsoft.com/office/drawing/2014/main" id="{C27A5AE7-0814-43FC-97C5-B2C0789C1457}"/>
-              </a:ext>
-            </a:extLst>
-          </p:cNvPr>
-          <p:cNvSpPr/>
-          <p:nvPr/>
-        </p:nvSpPr>
-        <p:spPr>
-          <a:xfrm>
-            <a:off x="8749718" y="1786855"/>
-            <a:ext cx="402671" cy="360727"/>
-          </a:xfrm>
-          <a:prstGeom prst="ellipse">
-            <a:avLst/>
-          </a:prstGeom>
-          <a:solidFill>
-            <a:srgbClr val="C00000"/>
-          </a:solidFill>
-        </p:spPr>
-        <p:style>
-          <a:lnRef idx="2">
-            <a:schemeClr val="accent2">
-              <a:shade val="50000"/>
-            </a:schemeClr>
-          </a:lnRef>
-          <a:fillRef idx="1">
-            <a:schemeClr val="accent2"/>
-          </a:fillRef>
-          <a:effectRef idx="0">
-            <a:schemeClr val="accent2"/>
-          </a:effectRef>
-          <a:fontRef idx="minor">
-            <a:schemeClr val="lt1"/>
-          </a:fontRef>
-        </p:style>
-        <p:txBody>
-          <a:bodyPr rtlCol="0" anchor="ctr"/>
-          <a:lstStyle/>
-          <a:p>
-            <a:pPr algn="ctr"/>
-            <a:r>
-              <a:rPr lang="pl-PL"/>
-              <a:t>7</a:t>
+              <a:t>4</a:t>
             </a:r>
           </a:p>
         </p:txBody>
@@ -4517,7 +4369,7 @@
     </p:spTree>
     <p:extLst>
       <p:ext uri="{BB962C8B-B14F-4D97-AF65-F5344CB8AC3E}">
-        <p14:creationId xmlns:p14="http://schemas.microsoft.com/office/powerpoint/2010/main" val="1430500107"/>
+        <p14:creationId xmlns:p14="http://schemas.microsoft.com/office/powerpoint/2010/main" val="3809811575"/>
       </p:ext>
     </p:extLst>
   </p:cSld>
@@ -4549,7 +4401,7 @@
           <p:cNvPr id="4" name="Obraz 3">
             <a:extLst>
               <a:ext uri="{FF2B5EF4-FFF2-40B4-BE49-F238E27FC236}">
-                <a16:creationId xmlns:a16="http://schemas.microsoft.com/office/drawing/2014/main" id="{770FE086-2EBF-4388-B4F4-9815B67B3019}"/>
+                <a16:creationId xmlns:a16="http://schemas.microsoft.com/office/drawing/2014/main" id="{E721BC4A-F3DE-43F2-B8F3-1F36CF1762D8}"/>
               </a:ext>
             </a:extLst>
           </p:cNvPr>
@@ -4566,8 +4418,8 @@
         </p:blipFill>
         <p:spPr>
           <a:xfrm>
-            <a:off x="0" y="363188"/>
-            <a:ext cx="12192000" cy="6131994"/>
+            <a:off x="0" y="361419"/>
+            <a:ext cx="12192000" cy="6135203"/>
           </a:xfrm>
           <a:prstGeom prst="rect">
             <a:avLst/>
@@ -4900,7 +4752,7 @@
         </p:nvSpPr>
         <p:spPr>
           <a:xfrm>
-            <a:off x="10489035" y="675658"/>
+            <a:off x="4452454" y="775280"/>
             <a:ext cx="402671" cy="360727"/>
           </a:xfrm>
           <a:prstGeom prst="ellipse">
@@ -4940,19 +4792,71 @@
       </p:sp>
       <p:sp>
         <p:nvSpPr>
-          <p:cNvPr id="13" name="Owal 12">
-            <a:extLst>
-              <a:ext uri="{FF2B5EF4-FFF2-40B4-BE49-F238E27FC236}">
-                <a16:creationId xmlns:a16="http://schemas.microsoft.com/office/drawing/2014/main" id="{D45DF03F-F915-4A56-A693-33B93226676C}"/>
-              </a:ext>
-            </a:extLst>
-          </p:cNvPr>
-          <p:cNvSpPr/>
-          <p:nvPr/>
-        </p:nvSpPr>
-        <p:spPr>
-          <a:xfrm>
-            <a:off x="2041319" y="2480689"/>
+          <p:cNvPr id="13" name="Prostokąt 12">
+            <a:extLst>
+              <a:ext uri="{FF2B5EF4-FFF2-40B4-BE49-F238E27FC236}">
+                <a16:creationId xmlns:a16="http://schemas.microsoft.com/office/drawing/2014/main" id="{99AD6B7C-45DA-4658-A1B9-D8315DE4CDCE}"/>
+              </a:ext>
+            </a:extLst>
+          </p:cNvPr>
+          <p:cNvSpPr/>
+          <p:nvPr/>
+        </p:nvSpPr>
+        <p:spPr>
+          <a:xfrm>
+            <a:off x="-1" y="361419"/>
+            <a:ext cx="12192001" cy="3648519"/>
+          </a:xfrm>
+          <a:prstGeom prst="rect">
+            <a:avLst/>
+          </a:prstGeom>
+          <a:noFill/>
+          <a:ln w="38100">
+            <a:solidFill>
+              <a:srgbClr val="C00000"/>
+            </a:solidFill>
+          </a:ln>
+        </p:spPr>
+        <p:style>
+          <a:lnRef idx="2">
+            <a:schemeClr val="accent1">
+              <a:shade val="50000"/>
+            </a:schemeClr>
+          </a:lnRef>
+          <a:fillRef idx="1">
+            <a:schemeClr val="accent1"/>
+          </a:fillRef>
+          <a:effectRef idx="0">
+            <a:schemeClr val="accent1"/>
+          </a:effectRef>
+          <a:fontRef idx="minor">
+            <a:schemeClr val="lt1"/>
+          </a:fontRef>
+        </p:style>
+        <p:txBody>
+          <a:bodyPr rtlCol="0" anchor="ctr"/>
+          <a:lstStyle/>
+          <a:p>
+            <a:pPr algn="ctr"/>
+            <a:endParaRPr lang="pl-PL"/>
+          </a:p>
+        </p:txBody>
+      </p:sp>
+      <p:sp>
+        <p:nvSpPr>
+          <p:cNvPr id="16" name="Owal 15">
+            <a:extLst>
+              <a:ext uri="{FF2B5EF4-FFF2-40B4-BE49-F238E27FC236}">
+                <a16:creationId xmlns:a16="http://schemas.microsoft.com/office/drawing/2014/main" id="{078ED556-A047-4BF7-B661-A597A30A1199}"/>
+              </a:ext>
+            </a:extLst>
+          </p:cNvPr>
+          <p:cNvSpPr/>
+          <p:nvPr/>
+        </p:nvSpPr>
+        <p:spPr>
+          <a:xfrm>
+            <a:off x="10322650" y="545284"/>
             <a:ext cx="402671" cy="360727"/>
           </a:xfrm>
           <a:prstGeom prst="ellipse">
@@ -4985,8 +4889,164 @@
             <a:pPr algn="ctr"/>
             <a:r>
               <a:rPr lang="pl-PL"/>
-              <a:t>5</a:t>
-            </a:r>
+              <a:t>7</a:t>
+            </a:r>
+          </a:p>
+        </p:txBody>
+      </p:sp>
+      <p:sp>
+        <p:nvSpPr>
+          <p:cNvPr id="17" name="Prostokąt 16">
+            <a:extLst>
+              <a:ext uri="{FF2B5EF4-FFF2-40B4-BE49-F238E27FC236}">
+                <a16:creationId xmlns:a16="http://schemas.microsoft.com/office/drawing/2014/main" id="{2A4BAB5F-3595-49F8-8E5A-4CCA66695EFD}"/>
+              </a:ext>
+            </a:extLst>
+          </p:cNvPr>
+          <p:cNvSpPr/>
+          <p:nvPr/>
+        </p:nvSpPr>
+        <p:spPr>
+          <a:xfrm>
+            <a:off x="4676859" y="1078331"/>
+            <a:ext cx="4601365" cy="360727"/>
+          </a:xfrm>
+          <a:prstGeom prst="rect">
+            <a:avLst/>
+          </a:prstGeom>
+          <a:noFill/>
+          <a:ln w="38100">
+            <a:solidFill>
+              <a:srgbClr val="C00000"/>
+            </a:solidFill>
+          </a:ln>
+        </p:spPr>
+        <p:style>
+          <a:lnRef idx="2">
+            <a:schemeClr val="accent1">
+              <a:shade val="50000"/>
+            </a:schemeClr>
+          </a:lnRef>
+          <a:fillRef idx="1">
+            <a:schemeClr val="accent1"/>
+          </a:fillRef>
+          <a:effectRef idx="0">
+            <a:schemeClr val="accent1"/>
+          </a:effectRef>
+          <a:fontRef idx="minor">
+            <a:schemeClr val="lt1"/>
+          </a:fontRef>
+        </p:style>
+        <p:txBody>
+          <a:bodyPr rtlCol="0" anchor="ctr"/>
+          <a:lstStyle/>
+          <a:p>
+            <a:pPr algn="ctr"/>
+            <a:endParaRPr lang="pl-PL"/>
+          </a:p>
+        </p:txBody>
+      </p:sp>
+      <p:sp>
+        <p:nvSpPr>
+          <p:cNvPr id="18" name="Prostokąt 17">
+            <a:extLst>
+              <a:ext uri="{FF2B5EF4-FFF2-40B4-BE49-F238E27FC236}">
+                <a16:creationId xmlns:a16="http://schemas.microsoft.com/office/drawing/2014/main" id="{ADE7A393-36FF-49CA-8216-F560AF991C23}"/>
+              </a:ext>
+            </a:extLst>
+          </p:cNvPr>
+          <p:cNvSpPr/>
+          <p:nvPr/>
+        </p:nvSpPr>
+        <p:spPr>
+          <a:xfrm>
+            <a:off x="4676859" y="1875987"/>
+            <a:ext cx="4601365" cy="959492"/>
+          </a:xfrm>
+          <a:prstGeom prst="rect">
+            <a:avLst/>
+          </a:prstGeom>
+          <a:noFill/>
+          <a:ln w="38100">
+            <a:solidFill>
+              <a:srgbClr val="C00000"/>
+            </a:solidFill>
+          </a:ln>
+        </p:spPr>
+        <p:style>
+          <a:lnRef idx="2">
+            <a:schemeClr val="accent1">
+              <a:shade val="50000"/>
+            </a:schemeClr>
+          </a:lnRef>
+          <a:fillRef idx="1">
+            <a:schemeClr val="accent1"/>
+          </a:fillRef>
+          <a:effectRef idx="0">
+            <a:schemeClr val="accent1"/>
+          </a:effectRef>
+          <a:fontRef idx="minor">
+            <a:schemeClr val="lt1"/>
+          </a:fontRef>
+        </p:style>
+        <p:txBody>
+          <a:bodyPr rtlCol="0" anchor="ctr"/>
+          <a:lstStyle/>
+          <a:p>
+            <a:pPr algn="ctr"/>
+            <a:endParaRPr lang="pl-PL"/>
+          </a:p>
+        </p:txBody>
+      </p:sp>
+      <p:sp>
+        <p:nvSpPr>
+          <p:cNvPr id="19" name="Prostokąt 18">
+            <a:extLst>
+              <a:ext uri="{FF2B5EF4-FFF2-40B4-BE49-F238E27FC236}">
+                <a16:creationId xmlns:a16="http://schemas.microsoft.com/office/drawing/2014/main" id="{2553C09D-F4F4-4344-850D-1126FADC38C0}"/>
+              </a:ext>
+            </a:extLst>
+          </p:cNvPr>
+          <p:cNvSpPr/>
+          <p:nvPr/>
+        </p:nvSpPr>
+        <p:spPr>
+          <a:xfrm>
+            <a:off x="4676859" y="2958166"/>
+            <a:ext cx="1419141" cy="360727"/>
+          </a:xfrm>
+          <a:prstGeom prst="rect">
+            <a:avLst/>
+          </a:prstGeom>
+          <a:noFill/>
+          <a:ln w="38100">
+            <a:solidFill>
+              <a:srgbClr val="C00000"/>
+            </a:solidFill>
+          </a:ln>
+        </p:spPr>
+        <p:style>
+          <a:lnRef idx="2">
+            <a:schemeClr val="accent1">
+              <a:shade val="50000"/>
+            </a:schemeClr>
+          </a:lnRef>
+          <a:fillRef idx="1">
+            <a:schemeClr val="accent1"/>
+          </a:fillRef>
+          <a:effectRef idx="0">
+            <a:schemeClr val="accent1"/>
+          </a:effectRef>
+          <a:fontRef idx="minor">
+            <a:schemeClr val="lt1"/>
+          </a:fontRef>
+        </p:style>
+        <p:txBody>
+          <a:bodyPr rtlCol="0" anchor="ctr"/>
+          <a:lstStyle/>
+          <a:p>
+            <a:pPr algn="ctr"/>
+            <a:endParaRPr lang="pl-PL"/>
           </a:p>
         </p:txBody>
       </p:sp>
@@ -4995,16 +5055,16 @@
           <p:cNvPr id="14" name="Owal 13">
             <a:extLst>
               <a:ext uri="{FF2B5EF4-FFF2-40B4-BE49-F238E27FC236}">
-                <a16:creationId xmlns:a16="http://schemas.microsoft.com/office/drawing/2014/main" id="{A6C0C84E-1BF8-40B7-8601-1592B2F2F0BF}"/>
-              </a:ext>
-            </a:extLst>
-          </p:cNvPr>
-          <p:cNvSpPr/>
-          <p:nvPr/>
-        </p:nvSpPr>
-        <p:spPr>
-          <a:xfrm>
-            <a:off x="5557705" y="2480689"/>
+                <a16:creationId xmlns:a16="http://schemas.microsoft.com/office/drawing/2014/main" id="{C0659EC7-B116-4D0B-B473-A76E24D0CA69}"/>
+              </a:ext>
+            </a:extLst>
+          </p:cNvPr>
+          <p:cNvSpPr/>
+          <p:nvPr/>
+        </p:nvSpPr>
+        <p:spPr>
+          <a:xfrm>
+            <a:off x="4462942" y="1580969"/>
             <a:ext cx="402671" cy="360727"/>
           </a:xfrm>
           <a:prstGeom prst="ellipse">
@@ -5037,7 +5097,1427 @@
             <a:pPr algn="ctr"/>
             <a:r>
               <a:rPr lang="pl-PL"/>
+              <a:t>5</a:t>
+            </a:r>
+          </a:p>
+        </p:txBody>
+      </p:sp>
+      <p:sp>
+        <p:nvSpPr>
+          <p:cNvPr id="15" name="Owal 14">
+            <a:extLst>
+              <a:ext uri="{FF2B5EF4-FFF2-40B4-BE49-F238E27FC236}">
+                <a16:creationId xmlns:a16="http://schemas.microsoft.com/office/drawing/2014/main" id="{C985A0CB-847D-4F1F-9BE6-D39F83926123}"/>
+              </a:ext>
+            </a:extLst>
+          </p:cNvPr>
+          <p:cNvSpPr/>
+          <p:nvPr/>
+        </p:nvSpPr>
+        <p:spPr>
+          <a:xfrm>
+            <a:off x="4452453" y="2716459"/>
+            <a:ext cx="402671" cy="360727"/>
+          </a:xfrm>
+          <a:prstGeom prst="ellipse">
+            <a:avLst/>
+          </a:prstGeom>
+          <a:solidFill>
+            <a:srgbClr val="C00000"/>
+          </a:solidFill>
+        </p:spPr>
+        <p:style>
+          <a:lnRef idx="2">
+            <a:schemeClr val="accent2">
+              <a:shade val="50000"/>
+            </a:schemeClr>
+          </a:lnRef>
+          <a:fillRef idx="1">
+            <a:schemeClr val="accent2"/>
+          </a:fillRef>
+          <a:effectRef idx="0">
+            <a:schemeClr val="accent2"/>
+          </a:effectRef>
+          <a:fontRef idx="minor">
+            <a:schemeClr val="lt1"/>
+          </a:fontRef>
+        </p:style>
+        <p:txBody>
+          <a:bodyPr rtlCol="0" anchor="ctr"/>
+          <a:lstStyle/>
+          <a:p>
+            <a:pPr algn="ctr"/>
+            <a:r>
+              <a:rPr lang="pl-PL"/>
               <a:t>6</a:t>
+            </a:r>
+          </a:p>
+        </p:txBody>
+      </p:sp>
+      <p:sp>
+        <p:nvSpPr>
+          <p:cNvPr id="20" name="Prostokąt 19">
+            <a:extLst>
+              <a:ext uri="{FF2B5EF4-FFF2-40B4-BE49-F238E27FC236}">
+                <a16:creationId xmlns:a16="http://schemas.microsoft.com/office/drawing/2014/main" id="{870EA9D1-DAB9-4FD9-A588-562015EC9DD8}"/>
+              </a:ext>
+            </a:extLst>
+          </p:cNvPr>
+          <p:cNvSpPr/>
+          <p:nvPr/>
+        </p:nvSpPr>
+        <p:spPr>
+          <a:xfrm>
+            <a:off x="10577119" y="752379"/>
+            <a:ext cx="1360412" cy="959492"/>
+          </a:xfrm>
+          <a:prstGeom prst="rect">
+            <a:avLst/>
+          </a:prstGeom>
+          <a:noFill/>
+          <a:ln w="38100">
+            <a:solidFill>
+              <a:srgbClr val="C00000"/>
+            </a:solidFill>
+          </a:ln>
+        </p:spPr>
+        <p:style>
+          <a:lnRef idx="2">
+            <a:schemeClr val="accent1">
+              <a:shade val="50000"/>
+            </a:schemeClr>
+          </a:lnRef>
+          <a:fillRef idx="1">
+            <a:schemeClr val="accent1"/>
+          </a:fillRef>
+          <a:effectRef idx="0">
+            <a:schemeClr val="accent1"/>
+          </a:effectRef>
+          <a:fontRef idx="minor">
+            <a:schemeClr val="lt1"/>
+          </a:fontRef>
+        </p:style>
+        <p:txBody>
+          <a:bodyPr rtlCol="0" anchor="ctr"/>
+          <a:lstStyle/>
+          <a:p>
+            <a:pPr algn="ctr"/>
+            <a:endParaRPr lang="pl-PL"/>
+          </a:p>
+        </p:txBody>
+      </p:sp>
+    </p:spTree>
+    <p:extLst>
+      <p:ext uri="{BB962C8B-B14F-4D97-AF65-F5344CB8AC3E}">
+        <p14:creationId xmlns:p14="http://schemas.microsoft.com/office/powerpoint/2010/main" val="2296116465"/>
+      </p:ext>
+    </p:extLst>
+  </p:cSld>
+  <p:clrMapOvr>
+    <a:masterClrMapping/>
+  </p:clrMapOvr>
+</p:sld>
+</file>
+
+<file path=ppt/slides/slide12.xml><?xml version="1.0" encoding="utf-8"?>
+<p:sld xmlns:a="http://schemas.openxmlformats.org/drawingml/2006/main" xmlns:r="http://schemas.openxmlformats.org/officeDocument/2006/relationships" xmlns:p="http://schemas.openxmlformats.org/presentationml/2006/main">
+  <p:cSld>
+    <p:spTree>
+      <p:nvGrpSpPr>
+        <p:cNvPr id="1" name=""/>
+        <p:cNvGrpSpPr/>
+        <p:nvPr/>
+      </p:nvGrpSpPr>
+      <p:grpSpPr>
+        <a:xfrm>
+          <a:off x="0" y="0"/>
+          <a:ext cx="0" cy="0"/>
+          <a:chOff x="0" y="0"/>
+          <a:chExt cx="0" cy="0"/>
+        </a:xfrm>
+      </p:grpSpPr>
+      <p:pic>
+        <p:nvPicPr>
+          <p:cNvPr id="4" name="Obraz 3">
+            <a:extLst>
+              <a:ext uri="{FF2B5EF4-FFF2-40B4-BE49-F238E27FC236}">
+                <a16:creationId xmlns:a16="http://schemas.microsoft.com/office/drawing/2014/main" id="{9602C24C-0399-4FFA-B129-231704E96FB7}"/>
+              </a:ext>
+            </a:extLst>
+          </p:cNvPr>
+          <p:cNvPicPr>
+            <a:picLocks noChangeAspect="1"/>
+          </p:cNvPicPr>
+          <p:nvPr/>
+        </p:nvPicPr>
+        <p:blipFill>
+          <a:blip r:embed="rId2"/>
+          <a:stretch>
+            <a:fillRect/>
+          </a:stretch>
+        </p:blipFill>
+        <p:spPr>
+          <a:xfrm>
+            <a:off x="0" y="410401"/>
+            <a:ext cx="12192000" cy="6037196"/>
+          </a:xfrm>
+          <a:prstGeom prst="rect">
+            <a:avLst/>
+          </a:prstGeom>
+        </p:spPr>
+      </p:pic>
+      <p:sp>
+        <p:nvSpPr>
+          <p:cNvPr id="6" name="Prostokąt 5">
+            <a:extLst>
+              <a:ext uri="{FF2B5EF4-FFF2-40B4-BE49-F238E27FC236}">
+                <a16:creationId xmlns:a16="http://schemas.microsoft.com/office/drawing/2014/main" id="{16F0A95E-C46C-4106-8609-493577FD511F}"/>
+              </a:ext>
+            </a:extLst>
+          </p:cNvPr>
+          <p:cNvSpPr/>
+          <p:nvPr/>
+        </p:nvSpPr>
+        <p:spPr>
+          <a:xfrm>
+            <a:off x="0" y="410401"/>
+            <a:ext cx="1971413" cy="982172"/>
+          </a:xfrm>
+          <a:prstGeom prst="rect">
+            <a:avLst/>
+          </a:prstGeom>
+          <a:noFill/>
+          <a:ln w="38100">
+            <a:solidFill>
+              <a:srgbClr val="C00000"/>
+            </a:solidFill>
+          </a:ln>
+        </p:spPr>
+        <p:style>
+          <a:lnRef idx="2">
+            <a:schemeClr val="accent1">
+              <a:shade val="50000"/>
+            </a:schemeClr>
+          </a:lnRef>
+          <a:fillRef idx="1">
+            <a:schemeClr val="accent1"/>
+          </a:fillRef>
+          <a:effectRef idx="0">
+            <a:schemeClr val="accent1"/>
+          </a:effectRef>
+          <a:fontRef idx="minor">
+            <a:schemeClr val="lt1"/>
+          </a:fontRef>
+        </p:style>
+        <p:txBody>
+          <a:bodyPr rtlCol="0" anchor="ctr"/>
+          <a:lstStyle/>
+          <a:p>
+            <a:pPr algn="ctr"/>
+            <a:endParaRPr lang="pl-PL"/>
+          </a:p>
+        </p:txBody>
+      </p:sp>
+      <p:sp>
+        <p:nvSpPr>
+          <p:cNvPr id="7" name="Prostokąt 6">
+            <a:extLst>
+              <a:ext uri="{FF2B5EF4-FFF2-40B4-BE49-F238E27FC236}">
+                <a16:creationId xmlns:a16="http://schemas.microsoft.com/office/drawing/2014/main" id="{D024C788-6B8C-4925-A384-D8953E6A7AED}"/>
+              </a:ext>
+            </a:extLst>
+          </p:cNvPr>
+          <p:cNvSpPr/>
+          <p:nvPr/>
+        </p:nvSpPr>
+        <p:spPr>
+          <a:xfrm>
+            <a:off x="0" y="410401"/>
+            <a:ext cx="12192000" cy="6037195"/>
+          </a:xfrm>
+          <a:prstGeom prst="rect">
+            <a:avLst/>
+          </a:prstGeom>
+          <a:noFill/>
+          <a:ln w="38100">
+            <a:solidFill>
+              <a:srgbClr val="C00000"/>
+            </a:solidFill>
+          </a:ln>
+        </p:spPr>
+        <p:style>
+          <a:lnRef idx="2">
+            <a:schemeClr val="accent1">
+              <a:shade val="50000"/>
+            </a:schemeClr>
+          </a:lnRef>
+          <a:fillRef idx="1">
+            <a:schemeClr val="accent1"/>
+          </a:fillRef>
+          <a:effectRef idx="0">
+            <a:schemeClr val="accent1"/>
+          </a:effectRef>
+          <a:fontRef idx="minor">
+            <a:schemeClr val="lt1"/>
+          </a:fontRef>
+        </p:style>
+        <p:txBody>
+          <a:bodyPr rtlCol="0" anchor="ctr"/>
+          <a:lstStyle/>
+          <a:p>
+            <a:pPr algn="ctr"/>
+            <a:endParaRPr lang="pl-PL"/>
+          </a:p>
+        </p:txBody>
+      </p:sp>
+      <p:sp>
+        <p:nvSpPr>
+          <p:cNvPr id="8" name="Prostokąt 7">
+            <a:extLst>
+              <a:ext uri="{FF2B5EF4-FFF2-40B4-BE49-F238E27FC236}">
+                <a16:creationId xmlns:a16="http://schemas.microsoft.com/office/drawing/2014/main" id="{16FB46F9-F620-4AD8-A26F-EA222D2A29FD}"/>
+              </a:ext>
+            </a:extLst>
+          </p:cNvPr>
+          <p:cNvSpPr/>
+          <p:nvPr/>
+        </p:nvSpPr>
+        <p:spPr>
+          <a:xfrm>
+            <a:off x="-1" y="410400"/>
+            <a:ext cx="1971413" cy="6037196"/>
+          </a:xfrm>
+          <a:prstGeom prst="rect">
+            <a:avLst/>
+          </a:prstGeom>
+          <a:noFill/>
+          <a:ln w="38100">
+            <a:solidFill>
+              <a:srgbClr val="C00000"/>
+            </a:solidFill>
+          </a:ln>
+        </p:spPr>
+        <p:style>
+          <a:lnRef idx="2">
+            <a:schemeClr val="accent1">
+              <a:shade val="50000"/>
+            </a:schemeClr>
+          </a:lnRef>
+          <a:fillRef idx="1">
+            <a:schemeClr val="accent1"/>
+          </a:fillRef>
+          <a:effectRef idx="0">
+            <a:schemeClr val="accent1"/>
+          </a:effectRef>
+          <a:fontRef idx="minor">
+            <a:schemeClr val="lt1"/>
+          </a:fontRef>
+        </p:style>
+        <p:txBody>
+          <a:bodyPr rtlCol="0" anchor="ctr"/>
+          <a:lstStyle/>
+          <a:p>
+            <a:pPr algn="ctr"/>
+            <a:endParaRPr lang="pl-PL"/>
+          </a:p>
+        </p:txBody>
+      </p:sp>
+      <p:sp>
+        <p:nvSpPr>
+          <p:cNvPr id="9" name="Owal 8">
+            <a:extLst>
+              <a:ext uri="{FF2B5EF4-FFF2-40B4-BE49-F238E27FC236}">
+                <a16:creationId xmlns:a16="http://schemas.microsoft.com/office/drawing/2014/main" id="{BE4091C0-D10F-4949-B109-0A4051D674E0}"/>
+              </a:ext>
+            </a:extLst>
+          </p:cNvPr>
+          <p:cNvSpPr/>
+          <p:nvPr/>
+        </p:nvSpPr>
+        <p:spPr>
+          <a:xfrm>
+            <a:off x="1300294" y="545284"/>
+            <a:ext cx="402671" cy="360727"/>
+          </a:xfrm>
+          <a:prstGeom prst="ellipse">
+            <a:avLst/>
+          </a:prstGeom>
+          <a:solidFill>
+            <a:srgbClr val="C00000"/>
+          </a:solidFill>
+        </p:spPr>
+        <p:style>
+          <a:lnRef idx="2">
+            <a:schemeClr val="accent2">
+              <a:shade val="50000"/>
+            </a:schemeClr>
+          </a:lnRef>
+          <a:fillRef idx="1">
+            <a:schemeClr val="accent2"/>
+          </a:fillRef>
+          <a:effectRef idx="0">
+            <a:schemeClr val="accent2"/>
+          </a:effectRef>
+          <a:fontRef idx="minor">
+            <a:schemeClr val="lt1"/>
+          </a:fontRef>
+        </p:style>
+        <p:txBody>
+          <a:bodyPr rtlCol="0" anchor="ctr"/>
+          <a:lstStyle/>
+          <a:p>
+            <a:pPr algn="ctr"/>
+            <a:r>
+              <a:rPr lang="pl-PL"/>
+              <a:t>1</a:t>
+            </a:r>
+          </a:p>
+        </p:txBody>
+      </p:sp>
+      <p:sp>
+        <p:nvSpPr>
+          <p:cNvPr id="10" name="Owal 9">
+            <a:extLst>
+              <a:ext uri="{FF2B5EF4-FFF2-40B4-BE49-F238E27FC236}">
+                <a16:creationId xmlns:a16="http://schemas.microsoft.com/office/drawing/2014/main" id="{D8DEDFBA-0286-48C5-AD73-5E1C21954FC6}"/>
+              </a:ext>
+            </a:extLst>
+          </p:cNvPr>
+          <p:cNvSpPr/>
+          <p:nvPr/>
+        </p:nvSpPr>
+        <p:spPr>
+          <a:xfrm>
+            <a:off x="1501629" y="1392573"/>
+            <a:ext cx="402671" cy="360727"/>
+          </a:xfrm>
+          <a:prstGeom prst="ellipse">
+            <a:avLst/>
+          </a:prstGeom>
+          <a:solidFill>
+            <a:srgbClr val="C00000"/>
+          </a:solidFill>
+        </p:spPr>
+        <p:style>
+          <a:lnRef idx="2">
+            <a:schemeClr val="accent2">
+              <a:shade val="50000"/>
+            </a:schemeClr>
+          </a:lnRef>
+          <a:fillRef idx="1">
+            <a:schemeClr val="accent2"/>
+          </a:fillRef>
+          <a:effectRef idx="0">
+            <a:schemeClr val="accent2"/>
+          </a:effectRef>
+          <a:fontRef idx="minor">
+            <a:schemeClr val="lt1"/>
+          </a:fontRef>
+        </p:style>
+        <p:txBody>
+          <a:bodyPr rtlCol="0" anchor="ctr"/>
+          <a:lstStyle/>
+          <a:p>
+            <a:pPr algn="ctr"/>
+            <a:r>
+              <a:rPr lang="pl-PL"/>
+              <a:t>2</a:t>
+            </a:r>
+          </a:p>
+        </p:txBody>
+      </p:sp>
+      <p:sp>
+        <p:nvSpPr>
+          <p:cNvPr id="11" name="Owal 10">
+            <a:extLst>
+              <a:ext uri="{FF2B5EF4-FFF2-40B4-BE49-F238E27FC236}">
+                <a16:creationId xmlns:a16="http://schemas.microsoft.com/office/drawing/2014/main" id="{0E7B7507-53E9-4688-94E1-ED40EF460D70}"/>
+              </a:ext>
+            </a:extLst>
+          </p:cNvPr>
+          <p:cNvSpPr/>
+          <p:nvPr/>
+        </p:nvSpPr>
+        <p:spPr>
+          <a:xfrm>
+            <a:off x="2063690" y="675659"/>
+            <a:ext cx="402671" cy="360727"/>
+          </a:xfrm>
+          <a:prstGeom prst="ellipse">
+            <a:avLst/>
+          </a:prstGeom>
+          <a:solidFill>
+            <a:srgbClr val="C00000"/>
+          </a:solidFill>
+        </p:spPr>
+        <p:style>
+          <a:lnRef idx="2">
+            <a:schemeClr val="accent2">
+              <a:shade val="50000"/>
+            </a:schemeClr>
+          </a:lnRef>
+          <a:fillRef idx="1">
+            <a:schemeClr val="accent2"/>
+          </a:fillRef>
+          <a:effectRef idx="0">
+            <a:schemeClr val="accent2"/>
+          </a:effectRef>
+          <a:fontRef idx="minor">
+            <a:schemeClr val="lt1"/>
+          </a:fontRef>
+        </p:style>
+        <p:txBody>
+          <a:bodyPr rtlCol="0" anchor="ctr"/>
+          <a:lstStyle/>
+          <a:p>
+            <a:pPr algn="ctr"/>
+            <a:r>
+              <a:rPr lang="pl-PL"/>
+              <a:t>3</a:t>
+            </a:r>
+          </a:p>
+        </p:txBody>
+      </p:sp>
+      <p:sp>
+        <p:nvSpPr>
+          <p:cNvPr id="13" name="Prostokąt 12">
+            <a:extLst>
+              <a:ext uri="{FF2B5EF4-FFF2-40B4-BE49-F238E27FC236}">
+                <a16:creationId xmlns:a16="http://schemas.microsoft.com/office/drawing/2014/main" id="{8C8A9D5A-E849-4005-A1B5-7AD6400AAC6A}"/>
+              </a:ext>
+            </a:extLst>
+          </p:cNvPr>
+          <p:cNvSpPr/>
+          <p:nvPr/>
+        </p:nvSpPr>
+        <p:spPr>
+          <a:xfrm>
+            <a:off x="1971412" y="1695252"/>
+            <a:ext cx="10220588" cy="3329754"/>
+          </a:xfrm>
+          <a:prstGeom prst="rect">
+            <a:avLst/>
+          </a:prstGeom>
+          <a:noFill/>
+          <a:ln w="38100">
+            <a:solidFill>
+              <a:srgbClr val="C00000"/>
+            </a:solidFill>
+          </a:ln>
+        </p:spPr>
+        <p:style>
+          <a:lnRef idx="2">
+            <a:schemeClr val="accent1">
+              <a:shade val="50000"/>
+            </a:schemeClr>
+          </a:lnRef>
+          <a:fillRef idx="1">
+            <a:schemeClr val="accent1"/>
+          </a:fillRef>
+          <a:effectRef idx="0">
+            <a:schemeClr val="accent1"/>
+          </a:effectRef>
+          <a:fontRef idx="minor">
+            <a:schemeClr val="lt1"/>
+          </a:fontRef>
+        </p:style>
+        <p:txBody>
+          <a:bodyPr rtlCol="0" anchor="ctr"/>
+          <a:lstStyle/>
+          <a:p>
+            <a:pPr algn="ctr"/>
+            <a:endParaRPr lang="pl-PL"/>
+          </a:p>
+        </p:txBody>
+      </p:sp>
+      <p:sp>
+        <p:nvSpPr>
+          <p:cNvPr id="12" name="Owal 11">
+            <a:extLst>
+              <a:ext uri="{FF2B5EF4-FFF2-40B4-BE49-F238E27FC236}">
+                <a16:creationId xmlns:a16="http://schemas.microsoft.com/office/drawing/2014/main" id="{9279B823-E10D-4FA5-A8B5-8E156EC9D0C5}"/>
+              </a:ext>
+            </a:extLst>
+          </p:cNvPr>
+          <p:cNvSpPr/>
+          <p:nvPr/>
+        </p:nvSpPr>
+        <p:spPr>
+          <a:xfrm>
+            <a:off x="2063689" y="1572936"/>
+            <a:ext cx="402671" cy="360727"/>
+          </a:xfrm>
+          <a:prstGeom prst="ellipse">
+            <a:avLst/>
+          </a:prstGeom>
+          <a:solidFill>
+            <a:srgbClr val="C00000"/>
+          </a:solidFill>
+        </p:spPr>
+        <p:style>
+          <a:lnRef idx="2">
+            <a:schemeClr val="accent2">
+              <a:shade val="50000"/>
+            </a:schemeClr>
+          </a:lnRef>
+          <a:fillRef idx="1">
+            <a:schemeClr val="accent2"/>
+          </a:fillRef>
+          <a:effectRef idx="0">
+            <a:schemeClr val="accent2"/>
+          </a:effectRef>
+          <a:fontRef idx="minor">
+            <a:schemeClr val="lt1"/>
+          </a:fontRef>
+        </p:style>
+        <p:txBody>
+          <a:bodyPr rtlCol="0" anchor="ctr"/>
+          <a:lstStyle/>
+          <a:p>
+            <a:pPr algn="ctr"/>
+            <a:r>
+              <a:rPr lang="pl-PL"/>
+              <a:t>4</a:t>
+            </a:r>
+          </a:p>
+        </p:txBody>
+      </p:sp>
+      <p:sp>
+        <p:nvSpPr>
+          <p:cNvPr id="17" name="Owal 16">
+            <a:extLst>
+              <a:ext uri="{FF2B5EF4-FFF2-40B4-BE49-F238E27FC236}">
+                <a16:creationId xmlns:a16="http://schemas.microsoft.com/office/drawing/2014/main" id="{7BC7A504-F030-4A25-A409-171C855F808A}"/>
+              </a:ext>
+            </a:extLst>
+          </p:cNvPr>
+          <p:cNvSpPr/>
+          <p:nvPr/>
+        </p:nvSpPr>
+        <p:spPr>
+          <a:xfrm>
+            <a:off x="4722292" y="3404719"/>
+            <a:ext cx="402671" cy="360727"/>
+          </a:xfrm>
+          <a:prstGeom prst="ellipse">
+            <a:avLst/>
+          </a:prstGeom>
+          <a:solidFill>
+            <a:srgbClr val="C00000"/>
+          </a:solidFill>
+        </p:spPr>
+        <p:style>
+          <a:lnRef idx="2">
+            <a:schemeClr val="accent2">
+              <a:shade val="50000"/>
+            </a:schemeClr>
+          </a:lnRef>
+          <a:fillRef idx="1">
+            <a:schemeClr val="accent2"/>
+          </a:fillRef>
+          <a:effectRef idx="0">
+            <a:schemeClr val="accent2"/>
+          </a:effectRef>
+          <a:fontRef idx="minor">
+            <a:schemeClr val="lt1"/>
+          </a:fontRef>
+        </p:style>
+        <p:txBody>
+          <a:bodyPr rtlCol="0" anchor="ctr"/>
+          <a:lstStyle/>
+          <a:p>
+            <a:pPr algn="ctr"/>
+            <a:r>
+              <a:rPr lang="pl-PL"/>
+              <a:t>8</a:t>
+            </a:r>
+          </a:p>
+        </p:txBody>
+      </p:sp>
+      <p:sp>
+        <p:nvSpPr>
+          <p:cNvPr id="18" name="Prostokąt 17">
+            <a:extLst>
+              <a:ext uri="{FF2B5EF4-FFF2-40B4-BE49-F238E27FC236}">
+                <a16:creationId xmlns:a16="http://schemas.microsoft.com/office/drawing/2014/main" id="{217D489F-2488-4A18-AEF4-65B32E242F84}"/>
+              </a:ext>
+            </a:extLst>
+          </p:cNvPr>
+          <p:cNvSpPr/>
+          <p:nvPr/>
+        </p:nvSpPr>
+        <p:spPr>
+          <a:xfrm>
+            <a:off x="5018009" y="2096258"/>
+            <a:ext cx="3521984" cy="360727"/>
+          </a:xfrm>
+          <a:prstGeom prst="rect">
+            <a:avLst/>
+          </a:prstGeom>
+          <a:noFill/>
+          <a:ln w="38100">
+            <a:solidFill>
+              <a:srgbClr val="C00000"/>
+            </a:solidFill>
+          </a:ln>
+        </p:spPr>
+        <p:style>
+          <a:lnRef idx="2">
+            <a:schemeClr val="accent1">
+              <a:shade val="50000"/>
+            </a:schemeClr>
+          </a:lnRef>
+          <a:fillRef idx="1">
+            <a:schemeClr val="accent1"/>
+          </a:fillRef>
+          <a:effectRef idx="0">
+            <a:schemeClr val="accent1"/>
+          </a:effectRef>
+          <a:fontRef idx="minor">
+            <a:schemeClr val="lt1"/>
+          </a:fontRef>
+        </p:style>
+        <p:txBody>
+          <a:bodyPr rtlCol="0" anchor="ctr"/>
+          <a:lstStyle/>
+          <a:p>
+            <a:pPr algn="ctr"/>
+            <a:endParaRPr lang="pl-PL"/>
+          </a:p>
+        </p:txBody>
+      </p:sp>
+      <p:sp>
+        <p:nvSpPr>
+          <p:cNvPr id="19" name="Prostokąt 18">
+            <a:extLst>
+              <a:ext uri="{FF2B5EF4-FFF2-40B4-BE49-F238E27FC236}">
+                <a16:creationId xmlns:a16="http://schemas.microsoft.com/office/drawing/2014/main" id="{F5E46A25-F131-4834-8F55-72854E9905E7}"/>
+              </a:ext>
+            </a:extLst>
+          </p:cNvPr>
+          <p:cNvSpPr/>
+          <p:nvPr/>
+        </p:nvSpPr>
+        <p:spPr>
+          <a:xfrm>
+            <a:off x="4908952" y="2999401"/>
+            <a:ext cx="3521984" cy="429599"/>
+          </a:xfrm>
+          <a:prstGeom prst="rect">
+            <a:avLst/>
+          </a:prstGeom>
+          <a:noFill/>
+          <a:ln w="38100">
+            <a:solidFill>
+              <a:srgbClr val="C00000"/>
+            </a:solidFill>
+          </a:ln>
+        </p:spPr>
+        <p:style>
+          <a:lnRef idx="2">
+            <a:schemeClr val="accent1">
+              <a:shade val="50000"/>
+            </a:schemeClr>
+          </a:lnRef>
+          <a:fillRef idx="1">
+            <a:schemeClr val="accent1"/>
+          </a:fillRef>
+          <a:effectRef idx="0">
+            <a:schemeClr val="accent1"/>
+          </a:effectRef>
+          <a:fontRef idx="minor">
+            <a:schemeClr val="lt1"/>
+          </a:fontRef>
+        </p:style>
+        <p:txBody>
+          <a:bodyPr rtlCol="0" anchor="ctr"/>
+          <a:lstStyle/>
+          <a:p>
+            <a:pPr algn="ctr"/>
+            <a:endParaRPr lang="pl-PL"/>
+          </a:p>
+        </p:txBody>
+      </p:sp>
+      <p:sp>
+        <p:nvSpPr>
+          <p:cNvPr id="20" name="Prostokąt 19">
+            <a:extLst>
+              <a:ext uri="{FF2B5EF4-FFF2-40B4-BE49-F238E27FC236}">
+                <a16:creationId xmlns:a16="http://schemas.microsoft.com/office/drawing/2014/main" id="{949503EB-3B83-46E3-B856-C880FD24270B}"/>
+              </a:ext>
+            </a:extLst>
+          </p:cNvPr>
+          <p:cNvSpPr/>
+          <p:nvPr/>
+        </p:nvSpPr>
+        <p:spPr>
+          <a:xfrm>
+            <a:off x="8976220" y="2039584"/>
+            <a:ext cx="3095538" cy="959817"/>
+          </a:xfrm>
+          <a:prstGeom prst="rect">
+            <a:avLst/>
+          </a:prstGeom>
+          <a:noFill/>
+          <a:ln w="38100">
+            <a:solidFill>
+              <a:srgbClr val="C00000"/>
+            </a:solidFill>
+          </a:ln>
+        </p:spPr>
+        <p:style>
+          <a:lnRef idx="2">
+            <a:schemeClr val="accent1">
+              <a:shade val="50000"/>
+            </a:schemeClr>
+          </a:lnRef>
+          <a:fillRef idx="1">
+            <a:schemeClr val="accent1"/>
+          </a:fillRef>
+          <a:effectRef idx="0">
+            <a:schemeClr val="accent1"/>
+          </a:effectRef>
+          <a:fontRef idx="minor">
+            <a:schemeClr val="lt1"/>
+          </a:fontRef>
+        </p:style>
+        <p:txBody>
+          <a:bodyPr rtlCol="0" anchor="ctr"/>
+          <a:lstStyle/>
+          <a:p>
+            <a:pPr algn="ctr"/>
+            <a:endParaRPr lang="pl-PL"/>
+          </a:p>
+        </p:txBody>
+      </p:sp>
+      <p:sp>
+        <p:nvSpPr>
+          <p:cNvPr id="14" name="Owal 13">
+            <a:extLst>
+              <a:ext uri="{FF2B5EF4-FFF2-40B4-BE49-F238E27FC236}">
+                <a16:creationId xmlns:a16="http://schemas.microsoft.com/office/drawing/2014/main" id="{774BDCA0-C025-4322-9D8C-0C72897EC2C1}"/>
+              </a:ext>
+            </a:extLst>
+          </p:cNvPr>
+          <p:cNvSpPr/>
+          <p:nvPr/>
+        </p:nvSpPr>
+        <p:spPr>
+          <a:xfrm>
+            <a:off x="4722292" y="1785646"/>
+            <a:ext cx="402671" cy="360727"/>
+          </a:xfrm>
+          <a:prstGeom prst="ellipse">
+            <a:avLst/>
+          </a:prstGeom>
+          <a:solidFill>
+            <a:srgbClr val="C00000"/>
+          </a:solidFill>
+        </p:spPr>
+        <p:style>
+          <a:lnRef idx="2">
+            <a:schemeClr val="accent2">
+              <a:shade val="50000"/>
+            </a:schemeClr>
+          </a:lnRef>
+          <a:fillRef idx="1">
+            <a:schemeClr val="accent2"/>
+          </a:fillRef>
+          <a:effectRef idx="0">
+            <a:schemeClr val="accent2"/>
+          </a:effectRef>
+          <a:fontRef idx="minor">
+            <a:schemeClr val="lt1"/>
+          </a:fontRef>
+        </p:style>
+        <p:txBody>
+          <a:bodyPr rtlCol="0" anchor="ctr"/>
+          <a:lstStyle/>
+          <a:p>
+            <a:pPr algn="ctr"/>
+            <a:r>
+              <a:rPr lang="pl-PL"/>
+              <a:t>5</a:t>
+            </a:r>
+          </a:p>
+        </p:txBody>
+      </p:sp>
+      <p:sp>
+        <p:nvSpPr>
+          <p:cNvPr id="15" name="Owal 14">
+            <a:extLst>
+              <a:ext uri="{FF2B5EF4-FFF2-40B4-BE49-F238E27FC236}">
+                <a16:creationId xmlns:a16="http://schemas.microsoft.com/office/drawing/2014/main" id="{05CD3EEE-CA10-41F2-AF6A-ADF551A85D76}"/>
+              </a:ext>
+            </a:extLst>
+          </p:cNvPr>
+          <p:cNvSpPr/>
+          <p:nvPr/>
+        </p:nvSpPr>
+        <p:spPr>
+          <a:xfrm>
+            <a:off x="4722292" y="2690607"/>
+            <a:ext cx="402671" cy="360727"/>
+          </a:xfrm>
+          <a:prstGeom prst="ellipse">
+            <a:avLst/>
+          </a:prstGeom>
+          <a:solidFill>
+            <a:srgbClr val="C00000"/>
+          </a:solidFill>
+        </p:spPr>
+        <p:style>
+          <a:lnRef idx="2">
+            <a:schemeClr val="accent2">
+              <a:shade val="50000"/>
+            </a:schemeClr>
+          </a:lnRef>
+          <a:fillRef idx="1">
+            <a:schemeClr val="accent2"/>
+          </a:fillRef>
+          <a:effectRef idx="0">
+            <a:schemeClr val="accent2"/>
+          </a:effectRef>
+          <a:fontRef idx="minor">
+            <a:schemeClr val="lt1"/>
+          </a:fontRef>
+        </p:style>
+        <p:txBody>
+          <a:bodyPr rtlCol="0" anchor="ctr"/>
+          <a:lstStyle/>
+          <a:p>
+            <a:pPr algn="ctr"/>
+            <a:r>
+              <a:rPr lang="pl-PL"/>
+              <a:t>6</a:t>
+            </a:r>
+          </a:p>
+        </p:txBody>
+      </p:sp>
+      <p:sp>
+        <p:nvSpPr>
+          <p:cNvPr id="16" name="Owal 15">
+            <a:extLst>
+              <a:ext uri="{FF2B5EF4-FFF2-40B4-BE49-F238E27FC236}">
+                <a16:creationId xmlns:a16="http://schemas.microsoft.com/office/drawing/2014/main" id="{C27A5AE7-0814-43FC-97C5-B2C0789C1457}"/>
+              </a:ext>
+            </a:extLst>
+          </p:cNvPr>
+          <p:cNvSpPr/>
+          <p:nvPr/>
+        </p:nvSpPr>
+        <p:spPr>
+          <a:xfrm>
+            <a:off x="8749718" y="1786855"/>
+            <a:ext cx="402671" cy="360727"/>
+          </a:xfrm>
+          <a:prstGeom prst="ellipse">
+            <a:avLst/>
+          </a:prstGeom>
+          <a:solidFill>
+            <a:srgbClr val="C00000"/>
+          </a:solidFill>
+        </p:spPr>
+        <p:style>
+          <a:lnRef idx="2">
+            <a:schemeClr val="accent2">
+              <a:shade val="50000"/>
+            </a:schemeClr>
+          </a:lnRef>
+          <a:fillRef idx="1">
+            <a:schemeClr val="accent2"/>
+          </a:fillRef>
+          <a:effectRef idx="0">
+            <a:schemeClr val="accent2"/>
+          </a:effectRef>
+          <a:fontRef idx="minor">
+            <a:schemeClr val="lt1"/>
+          </a:fontRef>
+        </p:style>
+        <p:txBody>
+          <a:bodyPr rtlCol="0" anchor="ctr"/>
+          <a:lstStyle/>
+          <a:p>
+            <a:pPr algn="ctr"/>
+            <a:r>
+              <a:rPr lang="pl-PL"/>
+              <a:t>7</a:t>
+            </a:r>
+          </a:p>
+        </p:txBody>
+      </p:sp>
+    </p:spTree>
+    <p:extLst>
+      <p:ext uri="{BB962C8B-B14F-4D97-AF65-F5344CB8AC3E}">
+        <p14:creationId xmlns:p14="http://schemas.microsoft.com/office/powerpoint/2010/main" val="1430500107"/>
+      </p:ext>
+    </p:extLst>
+  </p:cSld>
+  <p:clrMapOvr>
+    <a:masterClrMapping/>
+  </p:clrMapOvr>
+</p:sld>
+</file>
+
+<file path=ppt/slides/slide13.xml><?xml version="1.0" encoding="utf-8"?>
+<p:sld xmlns:a="http://schemas.openxmlformats.org/drawingml/2006/main" xmlns:r="http://schemas.openxmlformats.org/officeDocument/2006/relationships" xmlns:p="http://schemas.openxmlformats.org/presentationml/2006/main">
+  <p:cSld>
+    <p:spTree>
+      <p:nvGrpSpPr>
+        <p:cNvPr id="1" name=""/>
+        <p:cNvGrpSpPr/>
+        <p:nvPr/>
+      </p:nvGrpSpPr>
+      <p:grpSpPr>
+        <a:xfrm>
+          <a:off x="0" y="0"/>
+          <a:ext cx="0" cy="0"/>
+          <a:chOff x="0" y="0"/>
+          <a:chExt cx="0" cy="0"/>
+        </a:xfrm>
+      </p:grpSpPr>
+      <p:pic>
+        <p:nvPicPr>
+          <p:cNvPr id="3" name="Obraz 2">
+            <a:extLst>
+              <a:ext uri="{FF2B5EF4-FFF2-40B4-BE49-F238E27FC236}">
+                <a16:creationId xmlns:a16="http://schemas.microsoft.com/office/drawing/2014/main" id="{945E9DEA-9DCA-40F5-BB8E-D74FE87E07CC}"/>
+              </a:ext>
+            </a:extLst>
+          </p:cNvPr>
+          <p:cNvPicPr>
+            <a:picLocks noChangeAspect="1"/>
+          </p:cNvPicPr>
+          <p:nvPr/>
+        </p:nvPicPr>
+        <p:blipFill>
+          <a:blip r:embed="rId2"/>
+          <a:stretch>
+            <a:fillRect/>
+          </a:stretch>
+        </p:blipFill>
+        <p:spPr>
+          <a:xfrm>
+            <a:off x="0" y="356511"/>
+            <a:ext cx="12192000" cy="6144977"/>
+          </a:xfrm>
+          <a:prstGeom prst="rect">
+            <a:avLst/>
+          </a:prstGeom>
+        </p:spPr>
+      </p:pic>
+      <p:sp>
+        <p:nvSpPr>
+          <p:cNvPr id="6" name="Prostokąt 5">
+            <a:extLst>
+              <a:ext uri="{FF2B5EF4-FFF2-40B4-BE49-F238E27FC236}">
+                <a16:creationId xmlns:a16="http://schemas.microsoft.com/office/drawing/2014/main" id="{16F0A95E-C46C-4106-8609-493577FD511F}"/>
+              </a:ext>
+            </a:extLst>
+          </p:cNvPr>
+          <p:cNvSpPr/>
+          <p:nvPr/>
+        </p:nvSpPr>
+        <p:spPr>
+          <a:xfrm>
+            <a:off x="0" y="361419"/>
+            <a:ext cx="1971413" cy="989209"/>
+          </a:xfrm>
+          <a:prstGeom prst="rect">
+            <a:avLst/>
+          </a:prstGeom>
+          <a:noFill/>
+          <a:ln w="38100">
+            <a:solidFill>
+              <a:srgbClr val="C00000"/>
+            </a:solidFill>
+          </a:ln>
+        </p:spPr>
+        <p:style>
+          <a:lnRef idx="2">
+            <a:schemeClr val="accent1">
+              <a:shade val="50000"/>
+            </a:schemeClr>
+          </a:lnRef>
+          <a:fillRef idx="1">
+            <a:schemeClr val="accent1"/>
+          </a:fillRef>
+          <a:effectRef idx="0">
+            <a:schemeClr val="accent1"/>
+          </a:effectRef>
+          <a:fontRef idx="minor">
+            <a:schemeClr val="lt1"/>
+          </a:fontRef>
+        </p:style>
+        <p:txBody>
+          <a:bodyPr rtlCol="0" anchor="ctr"/>
+          <a:lstStyle/>
+          <a:p>
+            <a:pPr algn="ctr"/>
+            <a:endParaRPr lang="pl-PL"/>
+          </a:p>
+        </p:txBody>
+      </p:sp>
+      <p:sp>
+        <p:nvSpPr>
+          <p:cNvPr id="7" name="Prostokąt 6">
+            <a:extLst>
+              <a:ext uri="{FF2B5EF4-FFF2-40B4-BE49-F238E27FC236}">
+                <a16:creationId xmlns:a16="http://schemas.microsoft.com/office/drawing/2014/main" id="{D024C788-6B8C-4925-A384-D8953E6A7AED}"/>
+              </a:ext>
+            </a:extLst>
+          </p:cNvPr>
+          <p:cNvSpPr/>
+          <p:nvPr/>
+        </p:nvSpPr>
+        <p:spPr>
+          <a:xfrm>
+            <a:off x="0" y="361419"/>
+            <a:ext cx="12192000" cy="6135161"/>
+          </a:xfrm>
+          <a:prstGeom prst="rect">
+            <a:avLst/>
+          </a:prstGeom>
+          <a:noFill/>
+          <a:ln w="38100">
+            <a:solidFill>
+              <a:srgbClr val="C00000"/>
+            </a:solidFill>
+          </a:ln>
+        </p:spPr>
+        <p:style>
+          <a:lnRef idx="2">
+            <a:schemeClr val="accent1">
+              <a:shade val="50000"/>
+            </a:schemeClr>
+          </a:lnRef>
+          <a:fillRef idx="1">
+            <a:schemeClr val="accent1"/>
+          </a:fillRef>
+          <a:effectRef idx="0">
+            <a:schemeClr val="accent1"/>
+          </a:effectRef>
+          <a:fontRef idx="minor">
+            <a:schemeClr val="lt1"/>
+          </a:fontRef>
+        </p:style>
+        <p:txBody>
+          <a:bodyPr rtlCol="0" anchor="ctr"/>
+          <a:lstStyle/>
+          <a:p>
+            <a:pPr algn="ctr"/>
+            <a:endParaRPr lang="pl-PL"/>
+          </a:p>
+        </p:txBody>
+      </p:sp>
+      <p:sp>
+        <p:nvSpPr>
+          <p:cNvPr id="8" name="Prostokąt 7">
+            <a:extLst>
+              <a:ext uri="{FF2B5EF4-FFF2-40B4-BE49-F238E27FC236}">
+                <a16:creationId xmlns:a16="http://schemas.microsoft.com/office/drawing/2014/main" id="{16FB46F9-F620-4AD8-A26F-EA222D2A29FD}"/>
+              </a:ext>
+            </a:extLst>
+          </p:cNvPr>
+          <p:cNvSpPr/>
+          <p:nvPr/>
+        </p:nvSpPr>
+        <p:spPr>
+          <a:xfrm>
+            <a:off x="-1" y="362818"/>
+            <a:ext cx="1971413" cy="6133762"/>
+          </a:xfrm>
+          <a:prstGeom prst="rect">
+            <a:avLst/>
+          </a:prstGeom>
+          <a:noFill/>
+          <a:ln w="38100">
+            <a:solidFill>
+              <a:srgbClr val="C00000"/>
+            </a:solidFill>
+          </a:ln>
+        </p:spPr>
+        <p:style>
+          <a:lnRef idx="2">
+            <a:schemeClr val="accent1">
+              <a:shade val="50000"/>
+            </a:schemeClr>
+          </a:lnRef>
+          <a:fillRef idx="1">
+            <a:schemeClr val="accent1"/>
+          </a:fillRef>
+          <a:effectRef idx="0">
+            <a:schemeClr val="accent1"/>
+          </a:effectRef>
+          <a:fontRef idx="minor">
+            <a:schemeClr val="lt1"/>
+          </a:fontRef>
+        </p:style>
+        <p:txBody>
+          <a:bodyPr rtlCol="0" anchor="ctr"/>
+          <a:lstStyle/>
+          <a:p>
+            <a:pPr algn="ctr"/>
+            <a:endParaRPr lang="pl-PL"/>
+          </a:p>
+        </p:txBody>
+      </p:sp>
+      <p:sp>
+        <p:nvSpPr>
+          <p:cNvPr id="11" name="Owal 10">
+            <a:extLst>
+              <a:ext uri="{FF2B5EF4-FFF2-40B4-BE49-F238E27FC236}">
+                <a16:creationId xmlns:a16="http://schemas.microsoft.com/office/drawing/2014/main" id="{0E7B7507-53E9-4688-94E1-ED40EF460D70}"/>
+              </a:ext>
+            </a:extLst>
+          </p:cNvPr>
+          <p:cNvSpPr/>
+          <p:nvPr/>
+        </p:nvSpPr>
+        <p:spPr>
+          <a:xfrm>
+            <a:off x="2063690" y="675659"/>
+            <a:ext cx="402671" cy="360727"/>
+          </a:xfrm>
+          <a:prstGeom prst="ellipse">
+            <a:avLst/>
+          </a:prstGeom>
+          <a:solidFill>
+            <a:srgbClr val="C00000"/>
+          </a:solidFill>
+        </p:spPr>
+        <p:style>
+          <a:lnRef idx="2">
+            <a:schemeClr val="accent2">
+              <a:shade val="50000"/>
+            </a:schemeClr>
+          </a:lnRef>
+          <a:fillRef idx="1">
+            <a:schemeClr val="accent2"/>
+          </a:fillRef>
+          <a:effectRef idx="0">
+            <a:schemeClr val="accent2"/>
+          </a:effectRef>
+          <a:fontRef idx="minor">
+            <a:schemeClr val="lt1"/>
+          </a:fontRef>
+        </p:style>
+        <p:txBody>
+          <a:bodyPr rtlCol="0" anchor="ctr"/>
+          <a:lstStyle/>
+          <a:p>
+            <a:pPr algn="ctr"/>
+            <a:r>
+              <a:rPr lang="pl-PL"/>
+              <a:t>1</a:t>
+            </a:r>
+          </a:p>
+        </p:txBody>
+      </p:sp>
+      <p:sp>
+        <p:nvSpPr>
+          <p:cNvPr id="12" name="Owal 11">
+            <a:extLst>
+              <a:ext uri="{FF2B5EF4-FFF2-40B4-BE49-F238E27FC236}">
+                <a16:creationId xmlns:a16="http://schemas.microsoft.com/office/drawing/2014/main" id="{9279B823-E10D-4FA5-A8B5-8E156EC9D0C5}"/>
+              </a:ext>
+            </a:extLst>
+          </p:cNvPr>
+          <p:cNvSpPr/>
+          <p:nvPr/>
+        </p:nvSpPr>
+        <p:spPr>
+          <a:xfrm>
+            <a:off x="10489035" y="675658"/>
+            <a:ext cx="402671" cy="360727"/>
+          </a:xfrm>
+          <a:prstGeom prst="ellipse">
+            <a:avLst/>
+          </a:prstGeom>
+          <a:solidFill>
+            <a:srgbClr val="C00000"/>
+          </a:solidFill>
+        </p:spPr>
+        <p:style>
+          <a:lnRef idx="2">
+            <a:schemeClr val="accent2">
+              <a:shade val="50000"/>
+            </a:schemeClr>
+          </a:lnRef>
+          <a:fillRef idx="1">
+            <a:schemeClr val="accent2"/>
+          </a:fillRef>
+          <a:effectRef idx="0">
+            <a:schemeClr val="accent2"/>
+          </a:effectRef>
+          <a:fontRef idx="minor">
+            <a:schemeClr val="lt1"/>
+          </a:fontRef>
+        </p:style>
+        <p:txBody>
+          <a:bodyPr rtlCol="0" anchor="ctr"/>
+          <a:lstStyle/>
+          <a:p>
+            <a:pPr algn="ctr"/>
+            <a:r>
+              <a:rPr lang="pl-PL"/>
+              <a:t>2</a:t>
+            </a:r>
+          </a:p>
+        </p:txBody>
+      </p:sp>
+      <p:sp>
+        <p:nvSpPr>
+          <p:cNvPr id="13" name="Owal 12">
+            <a:extLst>
+              <a:ext uri="{FF2B5EF4-FFF2-40B4-BE49-F238E27FC236}">
+                <a16:creationId xmlns:a16="http://schemas.microsoft.com/office/drawing/2014/main" id="{D45DF03F-F915-4A56-A693-33B93226676C}"/>
+              </a:ext>
+            </a:extLst>
+          </p:cNvPr>
+          <p:cNvSpPr/>
+          <p:nvPr/>
+        </p:nvSpPr>
+        <p:spPr>
+          <a:xfrm>
+            <a:off x="2041319" y="2480689"/>
+            <a:ext cx="402671" cy="360727"/>
+          </a:xfrm>
+          <a:prstGeom prst="ellipse">
+            <a:avLst/>
+          </a:prstGeom>
+          <a:solidFill>
+            <a:srgbClr val="C00000"/>
+          </a:solidFill>
+        </p:spPr>
+        <p:style>
+          <a:lnRef idx="2">
+            <a:schemeClr val="accent2">
+              <a:shade val="50000"/>
+            </a:schemeClr>
+          </a:lnRef>
+          <a:fillRef idx="1">
+            <a:schemeClr val="accent2"/>
+          </a:fillRef>
+          <a:effectRef idx="0">
+            <a:schemeClr val="accent2"/>
+          </a:effectRef>
+          <a:fontRef idx="minor">
+            <a:schemeClr val="lt1"/>
+          </a:fontRef>
+        </p:style>
+        <p:txBody>
+          <a:bodyPr rtlCol="0" anchor="ctr"/>
+          <a:lstStyle/>
+          <a:p>
+            <a:pPr algn="ctr"/>
+            <a:r>
+              <a:rPr lang="pl-PL"/>
+              <a:t>3</a:t>
+            </a:r>
+          </a:p>
+        </p:txBody>
+      </p:sp>
+      <p:sp>
+        <p:nvSpPr>
+          <p:cNvPr id="14" name="Owal 13">
+            <a:extLst>
+              <a:ext uri="{FF2B5EF4-FFF2-40B4-BE49-F238E27FC236}">
+                <a16:creationId xmlns:a16="http://schemas.microsoft.com/office/drawing/2014/main" id="{A6C0C84E-1BF8-40B7-8601-1592B2F2F0BF}"/>
+              </a:ext>
+            </a:extLst>
+          </p:cNvPr>
+          <p:cNvSpPr/>
+          <p:nvPr/>
+        </p:nvSpPr>
+        <p:spPr>
+          <a:xfrm>
+            <a:off x="5557705" y="2480689"/>
+            <a:ext cx="402671" cy="360727"/>
+          </a:xfrm>
+          <a:prstGeom prst="ellipse">
+            <a:avLst/>
+          </a:prstGeom>
+          <a:solidFill>
+            <a:srgbClr val="C00000"/>
+          </a:solidFill>
+        </p:spPr>
+        <p:style>
+          <a:lnRef idx="2">
+            <a:schemeClr val="accent2">
+              <a:shade val="50000"/>
+            </a:schemeClr>
+          </a:lnRef>
+          <a:fillRef idx="1">
+            <a:schemeClr val="accent2"/>
+          </a:fillRef>
+          <a:effectRef idx="0">
+            <a:schemeClr val="accent2"/>
+          </a:effectRef>
+          <a:fontRef idx="minor">
+            <a:schemeClr val="lt1"/>
+          </a:fontRef>
+        </p:style>
+        <p:txBody>
+          <a:bodyPr rtlCol="0" anchor="ctr"/>
+          <a:lstStyle/>
+          <a:p>
+            <a:pPr algn="ctr"/>
+            <a:r>
+              <a:rPr lang="pl-PL"/>
+              <a:t>4</a:t>
+            </a:r>
+          </a:p>
+        </p:txBody>
+      </p:sp>
+      <p:sp>
+        <p:nvSpPr>
+          <p:cNvPr id="15" name="Owal 14">
+            <a:extLst>
+              <a:ext uri="{FF2B5EF4-FFF2-40B4-BE49-F238E27FC236}">
+                <a16:creationId xmlns:a16="http://schemas.microsoft.com/office/drawing/2014/main" id="{89BA9539-1396-49DD-ADE7-4C3DF3384028}"/>
+              </a:ext>
+            </a:extLst>
+          </p:cNvPr>
+          <p:cNvSpPr/>
+          <p:nvPr/>
+        </p:nvSpPr>
+        <p:spPr>
+          <a:xfrm>
+            <a:off x="10489034" y="5569236"/>
+            <a:ext cx="402671" cy="360727"/>
+          </a:xfrm>
+          <a:prstGeom prst="ellipse">
+            <a:avLst/>
+          </a:prstGeom>
+          <a:solidFill>
+            <a:srgbClr val="C00000"/>
+          </a:solidFill>
+        </p:spPr>
+        <p:style>
+          <a:lnRef idx="2">
+            <a:schemeClr val="accent2">
+              <a:shade val="50000"/>
+            </a:schemeClr>
+          </a:lnRef>
+          <a:fillRef idx="1">
+            <a:schemeClr val="accent2"/>
+          </a:fillRef>
+          <a:effectRef idx="0">
+            <a:schemeClr val="accent2"/>
+          </a:effectRef>
+          <a:fontRef idx="minor">
+            <a:schemeClr val="lt1"/>
+          </a:fontRef>
+        </p:style>
+        <p:txBody>
+          <a:bodyPr rtlCol="0" anchor="ctr"/>
+          <a:lstStyle/>
+          <a:p>
+            <a:pPr algn="ctr"/>
+            <a:r>
+              <a:rPr lang="pl-PL"/>
+              <a:t>5</a:t>
             </a:r>
           </a:p>
         </p:txBody>
@@ -5055,7 +6535,587 @@
 </p:sld>
 </file>
 
-<file path=ppt/slides/slide12.xml><?xml version="1.0" encoding="utf-8"?>
+<file path=ppt/slides/slide14.xml><?xml version="1.0" encoding="utf-8"?>
+<p:sld xmlns:a="http://schemas.openxmlformats.org/drawingml/2006/main" xmlns:r="http://schemas.openxmlformats.org/officeDocument/2006/relationships" xmlns:p="http://schemas.openxmlformats.org/presentationml/2006/main">
+  <p:cSld>
+    <p:spTree>
+      <p:nvGrpSpPr>
+        <p:cNvPr id="1" name=""/>
+        <p:cNvGrpSpPr/>
+        <p:nvPr/>
+      </p:nvGrpSpPr>
+      <p:grpSpPr>
+        <a:xfrm>
+          <a:off x="0" y="0"/>
+          <a:ext cx="0" cy="0"/>
+          <a:chOff x="0" y="0"/>
+          <a:chExt cx="0" cy="0"/>
+        </a:xfrm>
+      </p:grpSpPr>
+      <p:pic>
+        <p:nvPicPr>
+          <p:cNvPr id="4" name="Obraz 3">
+            <a:extLst>
+              <a:ext uri="{FF2B5EF4-FFF2-40B4-BE49-F238E27FC236}">
+                <a16:creationId xmlns:a16="http://schemas.microsoft.com/office/drawing/2014/main" id="{1AECE878-B7DB-4017-A93D-CB9D834AB9CB}"/>
+              </a:ext>
+            </a:extLst>
+          </p:cNvPr>
+          <p:cNvPicPr>
+            <a:picLocks noChangeAspect="1"/>
+          </p:cNvPicPr>
+          <p:nvPr/>
+        </p:nvPicPr>
+        <p:blipFill>
+          <a:blip r:embed="rId2"/>
+          <a:stretch>
+            <a:fillRect/>
+          </a:stretch>
+        </p:blipFill>
+        <p:spPr>
+          <a:xfrm>
+            <a:off x="0" y="356485"/>
+            <a:ext cx="12192000" cy="6145029"/>
+          </a:xfrm>
+          <a:prstGeom prst="rect">
+            <a:avLst/>
+          </a:prstGeom>
+        </p:spPr>
+      </p:pic>
+      <p:sp>
+        <p:nvSpPr>
+          <p:cNvPr id="6" name="Prostokąt 5">
+            <a:extLst>
+              <a:ext uri="{FF2B5EF4-FFF2-40B4-BE49-F238E27FC236}">
+                <a16:creationId xmlns:a16="http://schemas.microsoft.com/office/drawing/2014/main" id="{16F0A95E-C46C-4106-8609-493577FD511F}"/>
+              </a:ext>
+            </a:extLst>
+          </p:cNvPr>
+          <p:cNvSpPr/>
+          <p:nvPr/>
+        </p:nvSpPr>
+        <p:spPr>
+          <a:xfrm>
+            <a:off x="0" y="361419"/>
+            <a:ext cx="1971413" cy="989209"/>
+          </a:xfrm>
+          <a:prstGeom prst="rect">
+            <a:avLst/>
+          </a:prstGeom>
+          <a:noFill/>
+          <a:ln w="38100">
+            <a:solidFill>
+              <a:srgbClr val="C00000"/>
+            </a:solidFill>
+          </a:ln>
+        </p:spPr>
+        <p:style>
+          <a:lnRef idx="2">
+            <a:schemeClr val="accent1">
+              <a:shade val="50000"/>
+            </a:schemeClr>
+          </a:lnRef>
+          <a:fillRef idx="1">
+            <a:schemeClr val="accent1"/>
+          </a:fillRef>
+          <a:effectRef idx="0">
+            <a:schemeClr val="accent1"/>
+          </a:effectRef>
+          <a:fontRef idx="minor">
+            <a:schemeClr val="lt1"/>
+          </a:fontRef>
+        </p:style>
+        <p:txBody>
+          <a:bodyPr rtlCol="0" anchor="ctr"/>
+          <a:lstStyle/>
+          <a:p>
+            <a:pPr algn="ctr"/>
+            <a:endParaRPr lang="pl-PL"/>
+          </a:p>
+        </p:txBody>
+      </p:sp>
+      <p:sp>
+        <p:nvSpPr>
+          <p:cNvPr id="7" name="Prostokąt 6">
+            <a:extLst>
+              <a:ext uri="{FF2B5EF4-FFF2-40B4-BE49-F238E27FC236}">
+                <a16:creationId xmlns:a16="http://schemas.microsoft.com/office/drawing/2014/main" id="{D024C788-6B8C-4925-A384-D8953E6A7AED}"/>
+              </a:ext>
+            </a:extLst>
+          </p:cNvPr>
+          <p:cNvSpPr/>
+          <p:nvPr/>
+        </p:nvSpPr>
+        <p:spPr>
+          <a:xfrm>
+            <a:off x="0" y="361419"/>
+            <a:ext cx="12192000" cy="6135161"/>
+          </a:xfrm>
+          <a:prstGeom prst="rect">
+            <a:avLst/>
+          </a:prstGeom>
+          <a:noFill/>
+          <a:ln w="38100">
+            <a:solidFill>
+              <a:srgbClr val="C00000"/>
+            </a:solidFill>
+          </a:ln>
+        </p:spPr>
+        <p:style>
+          <a:lnRef idx="2">
+            <a:schemeClr val="accent1">
+              <a:shade val="50000"/>
+            </a:schemeClr>
+          </a:lnRef>
+          <a:fillRef idx="1">
+            <a:schemeClr val="accent1"/>
+          </a:fillRef>
+          <a:effectRef idx="0">
+            <a:schemeClr val="accent1"/>
+          </a:effectRef>
+          <a:fontRef idx="minor">
+            <a:schemeClr val="lt1"/>
+          </a:fontRef>
+        </p:style>
+        <p:txBody>
+          <a:bodyPr rtlCol="0" anchor="ctr"/>
+          <a:lstStyle/>
+          <a:p>
+            <a:pPr algn="ctr"/>
+            <a:endParaRPr lang="pl-PL"/>
+          </a:p>
+        </p:txBody>
+      </p:sp>
+      <p:sp>
+        <p:nvSpPr>
+          <p:cNvPr id="8" name="Prostokąt 7">
+            <a:extLst>
+              <a:ext uri="{FF2B5EF4-FFF2-40B4-BE49-F238E27FC236}">
+                <a16:creationId xmlns:a16="http://schemas.microsoft.com/office/drawing/2014/main" id="{16FB46F9-F620-4AD8-A26F-EA222D2A29FD}"/>
+              </a:ext>
+            </a:extLst>
+          </p:cNvPr>
+          <p:cNvSpPr/>
+          <p:nvPr/>
+        </p:nvSpPr>
+        <p:spPr>
+          <a:xfrm>
+            <a:off x="-1" y="362818"/>
+            <a:ext cx="1971413" cy="6133762"/>
+          </a:xfrm>
+          <a:prstGeom prst="rect">
+            <a:avLst/>
+          </a:prstGeom>
+          <a:noFill/>
+          <a:ln w="38100">
+            <a:solidFill>
+              <a:srgbClr val="C00000"/>
+            </a:solidFill>
+          </a:ln>
+        </p:spPr>
+        <p:style>
+          <a:lnRef idx="2">
+            <a:schemeClr val="accent1">
+              <a:shade val="50000"/>
+            </a:schemeClr>
+          </a:lnRef>
+          <a:fillRef idx="1">
+            <a:schemeClr val="accent1"/>
+          </a:fillRef>
+          <a:effectRef idx="0">
+            <a:schemeClr val="accent1"/>
+          </a:effectRef>
+          <a:fontRef idx="minor">
+            <a:schemeClr val="lt1"/>
+          </a:fontRef>
+        </p:style>
+        <p:txBody>
+          <a:bodyPr rtlCol="0" anchor="ctr"/>
+          <a:lstStyle/>
+          <a:p>
+            <a:pPr algn="ctr"/>
+            <a:endParaRPr lang="pl-PL"/>
+          </a:p>
+        </p:txBody>
+      </p:sp>
+      <p:sp>
+        <p:nvSpPr>
+          <p:cNvPr id="9" name="Owal 8">
+            <a:extLst>
+              <a:ext uri="{FF2B5EF4-FFF2-40B4-BE49-F238E27FC236}">
+                <a16:creationId xmlns:a16="http://schemas.microsoft.com/office/drawing/2014/main" id="{BE4091C0-D10F-4949-B109-0A4051D674E0}"/>
+              </a:ext>
+            </a:extLst>
+          </p:cNvPr>
+          <p:cNvSpPr/>
+          <p:nvPr/>
+        </p:nvSpPr>
+        <p:spPr>
+          <a:xfrm>
+            <a:off x="1300294" y="545284"/>
+            <a:ext cx="402671" cy="360727"/>
+          </a:xfrm>
+          <a:prstGeom prst="ellipse">
+            <a:avLst/>
+          </a:prstGeom>
+          <a:solidFill>
+            <a:srgbClr val="C00000"/>
+          </a:solidFill>
+        </p:spPr>
+        <p:style>
+          <a:lnRef idx="2">
+            <a:schemeClr val="accent2">
+              <a:shade val="50000"/>
+            </a:schemeClr>
+          </a:lnRef>
+          <a:fillRef idx="1">
+            <a:schemeClr val="accent2"/>
+          </a:fillRef>
+          <a:effectRef idx="0">
+            <a:schemeClr val="accent2"/>
+          </a:effectRef>
+          <a:fontRef idx="minor">
+            <a:schemeClr val="lt1"/>
+          </a:fontRef>
+        </p:style>
+        <p:txBody>
+          <a:bodyPr rtlCol="0" anchor="ctr"/>
+          <a:lstStyle/>
+          <a:p>
+            <a:pPr algn="ctr"/>
+            <a:r>
+              <a:rPr lang="pl-PL"/>
+              <a:t>1</a:t>
+            </a:r>
+          </a:p>
+        </p:txBody>
+      </p:sp>
+      <p:sp>
+        <p:nvSpPr>
+          <p:cNvPr id="10" name="Owal 9">
+            <a:extLst>
+              <a:ext uri="{FF2B5EF4-FFF2-40B4-BE49-F238E27FC236}">
+                <a16:creationId xmlns:a16="http://schemas.microsoft.com/office/drawing/2014/main" id="{D8DEDFBA-0286-48C5-AD73-5E1C21954FC6}"/>
+              </a:ext>
+            </a:extLst>
+          </p:cNvPr>
+          <p:cNvSpPr/>
+          <p:nvPr/>
+        </p:nvSpPr>
+        <p:spPr>
+          <a:xfrm>
+            <a:off x="1501629" y="1392573"/>
+            <a:ext cx="402671" cy="360727"/>
+          </a:xfrm>
+          <a:prstGeom prst="ellipse">
+            <a:avLst/>
+          </a:prstGeom>
+          <a:solidFill>
+            <a:srgbClr val="C00000"/>
+          </a:solidFill>
+        </p:spPr>
+        <p:style>
+          <a:lnRef idx="2">
+            <a:schemeClr val="accent2">
+              <a:shade val="50000"/>
+            </a:schemeClr>
+          </a:lnRef>
+          <a:fillRef idx="1">
+            <a:schemeClr val="accent2"/>
+          </a:fillRef>
+          <a:effectRef idx="0">
+            <a:schemeClr val="accent2"/>
+          </a:effectRef>
+          <a:fontRef idx="minor">
+            <a:schemeClr val="lt1"/>
+          </a:fontRef>
+        </p:style>
+        <p:txBody>
+          <a:bodyPr rtlCol="0" anchor="ctr"/>
+          <a:lstStyle/>
+          <a:p>
+            <a:pPr algn="ctr"/>
+            <a:r>
+              <a:rPr lang="pl-PL"/>
+              <a:t>2</a:t>
+            </a:r>
+          </a:p>
+        </p:txBody>
+      </p:sp>
+      <p:sp>
+        <p:nvSpPr>
+          <p:cNvPr id="11" name="Owal 10">
+            <a:extLst>
+              <a:ext uri="{FF2B5EF4-FFF2-40B4-BE49-F238E27FC236}">
+                <a16:creationId xmlns:a16="http://schemas.microsoft.com/office/drawing/2014/main" id="{0E7B7507-53E9-4688-94E1-ED40EF460D70}"/>
+              </a:ext>
+            </a:extLst>
+          </p:cNvPr>
+          <p:cNvSpPr/>
+          <p:nvPr/>
+        </p:nvSpPr>
+        <p:spPr>
+          <a:xfrm>
+            <a:off x="2063690" y="675659"/>
+            <a:ext cx="402671" cy="360727"/>
+          </a:xfrm>
+          <a:prstGeom prst="ellipse">
+            <a:avLst/>
+          </a:prstGeom>
+          <a:solidFill>
+            <a:srgbClr val="C00000"/>
+          </a:solidFill>
+        </p:spPr>
+        <p:style>
+          <a:lnRef idx="2">
+            <a:schemeClr val="accent2">
+              <a:shade val="50000"/>
+            </a:schemeClr>
+          </a:lnRef>
+          <a:fillRef idx="1">
+            <a:schemeClr val="accent2"/>
+          </a:fillRef>
+          <a:effectRef idx="0">
+            <a:schemeClr val="accent2"/>
+          </a:effectRef>
+          <a:fontRef idx="minor">
+            <a:schemeClr val="lt1"/>
+          </a:fontRef>
+        </p:style>
+        <p:txBody>
+          <a:bodyPr rtlCol="0" anchor="ctr"/>
+          <a:lstStyle/>
+          <a:p>
+            <a:pPr algn="ctr"/>
+            <a:r>
+              <a:rPr lang="pl-PL"/>
+              <a:t>3</a:t>
+            </a:r>
+          </a:p>
+        </p:txBody>
+      </p:sp>
+      <p:sp>
+        <p:nvSpPr>
+          <p:cNvPr id="12" name="Owal 11">
+            <a:extLst>
+              <a:ext uri="{FF2B5EF4-FFF2-40B4-BE49-F238E27FC236}">
+                <a16:creationId xmlns:a16="http://schemas.microsoft.com/office/drawing/2014/main" id="{9279B823-E10D-4FA5-A8B5-8E156EC9D0C5}"/>
+              </a:ext>
+            </a:extLst>
+          </p:cNvPr>
+          <p:cNvSpPr/>
+          <p:nvPr/>
+        </p:nvSpPr>
+        <p:spPr>
+          <a:xfrm>
+            <a:off x="10489035" y="675658"/>
+            <a:ext cx="402671" cy="360727"/>
+          </a:xfrm>
+          <a:prstGeom prst="ellipse">
+            <a:avLst/>
+          </a:prstGeom>
+          <a:solidFill>
+            <a:srgbClr val="C00000"/>
+          </a:solidFill>
+        </p:spPr>
+        <p:style>
+          <a:lnRef idx="2">
+            <a:schemeClr val="accent2">
+              <a:shade val="50000"/>
+            </a:schemeClr>
+          </a:lnRef>
+          <a:fillRef idx="1">
+            <a:schemeClr val="accent2"/>
+          </a:fillRef>
+          <a:effectRef idx="0">
+            <a:schemeClr val="accent2"/>
+          </a:effectRef>
+          <a:fontRef idx="minor">
+            <a:schemeClr val="lt1"/>
+          </a:fontRef>
+        </p:style>
+        <p:txBody>
+          <a:bodyPr rtlCol="0" anchor="ctr"/>
+          <a:lstStyle/>
+          <a:p>
+            <a:pPr algn="ctr"/>
+            <a:r>
+              <a:rPr lang="pl-PL"/>
+              <a:t>4</a:t>
+            </a:r>
+          </a:p>
+        </p:txBody>
+      </p:sp>
+      <p:sp>
+        <p:nvSpPr>
+          <p:cNvPr id="13" name="Owal 12">
+            <a:extLst>
+              <a:ext uri="{FF2B5EF4-FFF2-40B4-BE49-F238E27FC236}">
+                <a16:creationId xmlns:a16="http://schemas.microsoft.com/office/drawing/2014/main" id="{D45DF03F-F915-4A56-A693-33B93226676C}"/>
+              </a:ext>
+            </a:extLst>
+          </p:cNvPr>
+          <p:cNvSpPr/>
+          <p:nvPr/>
+        </p:nvSpPr>
+        <p:spPr>
+          <a:xfrm>
+            <a:off x="2041319" y="2480689"/>
+            <a:ext cx="402671" cy="360727"/>
+          </a:xfrm>
+          <a:prstGeom prst="ellipse">
+            <a:avLst/>
+          </a:prstGeom>
+          <a:solidFill>
+            <a:srgbClr val="C00000"/>
+          </a:solidFill>
+        </p:spPr>
+        <p:style>
+          <a:lnRef idx="2">
+            <a:schemeClr val="accent2">
+              <a:shade val="50000"/>
+            </a:schemeClr>
+          </a:lnRef>
+          <a:fillRef idx="1">
+            <a:schemeClr val="accent2"/>
+          </a:fillRef>
+          <a:effectRef idx="0">
+            <a:schemeClr val="accent2"/>
+          </a:effectRef>
+          <a:fontRef idx="minor">
+            <a:schemeClr val="lt1"/>
+          </a:fontRef>
+        </p:style>
+        <p:txBody>
+          <a:bodyPr rtlCol="0" anchor="ctr"/>
+          <a:lstStyle/>
+          <a:p>
+            <a:pPr algn="ctr"/>
+            <a:r>
+              <a:rPr lang="pl-PL"/>
+              <a:t>5</a:t>
+            </a:r>
+          </a:p>
+        </p:txBody>
+      </p:sp>
+      <p:sp>
+        <p:nvSpPr>
+          <p:cNvPr id="14" name="Owal 13">
+            <a:extLst>
+              <a:ext uri="{FF2B5EF4-FFF2-40B4-BE49-F238E27FC236}">
+                <a16:creationId xmlns:a16="http://schemas.microsoft.com/office/drawing/2014/main" id="{A6C0C84E-1BF8-40B7-8601-1592B2F2F0BF}"/>
+              </a:ext>
+            </a:extLst>
+          </p:cNvPr>
+          <p:cNvSpPr/>
+          <p:nvPr/>
+        </p:nvSpPr>
+        <p:spPr>
+          <a:xfrm>
+            <a:off x="5557705" y="2480689"/>
+            <a:ext cx="402671" cy="360727"/>
+          </a:xfrm>
+          <a:prstGeom prst="ellipse">
+            <a:avLst/>
+          </a:prstGeom>
+          <a:solidFill>
+            <a:srgbClr val="C00000"/>
+          </a:solidFill>
+        </p:spPr>
+        <p:style>
+          <a:lnRef idx="2">
+            <a:schemeClr val="accent2">
+              <a:shade val="50000"/>
+            </a:schemeClr>
+          </a:lnRef>
+          <a:fillRef idx="1">
+            <a:schemeClr val="accent2"/>
+          </a:fillRef>
+          <a:effectRef idx="0">
+            <a:schemeClr val="accent2"/>
+          </a:effectRef>
+          <a:fontRef idx="minor">
+            <a:schemeClr val="lt1"/>
+          </a:fontRef>
+        </p:style>
+        <p:txBody>
+          <a:bodyPr rtlCol="0" anchor="ctr"/>
+          <a:lstStyle/>
+          <a:p>
+            <a:pPr algn="ctr"/>
+            <a:r>
+              <a:rPr lang="pl-PL"/>
+              <a:t>6</a:t>
+            </a:r>
+          </a:p>
+        </p:txBody>
+      </p:sp>
+      <p:sp>
+        <p:nvSpPr>
+          <p:cNvPr id="15" name="Owal 14">
+            <a:extLst>
+              <a:ext uri="{FF2B5EF4-FFF2-40B4-BE49-F238E27FC236}">
+                <a16:creationId xmlns:a16="http://schemas.microsoft.com/office/drawing/2014/main" id="{89BA9539-1396-49DD-ADE7-4C3DF3384028}"/>
+              </a:ext>
+            </a:extLst>
+          </p:cNvPr>
+          <p:cNvSpPr/>
+          <p:nvPr/>
+        </p:nvSpPr>
+        <p:spPr>
+          <a:xfrm>
+            <a:off x="10489034" y="4663225"/>
+            <a:ext cx="402671" cy="360727"/>
+          </a:xfrm>
+          <a:prstGeom prst="ellipse">
+            <a:avLst/>
+          </a:prstGeom>
+          <a:solidFill>
+            <a:srgbClr val="C00000"/>
+          </a:solidFill>
+        </p:spPr>
+        <p:style>
+          <a:lnRef idx="2">
+            <a:schemeClr val="accent2">
+              <a:shade val="50000"/>
+            </a:schemeClr>
+          </a:lnRef>
+          <a:fillRef idx="1">
+            <a:schemeClr val="accent2"/>
+          </a:fillRef>
+          <a:effectRef idx="0">
+            <a:schemeClr val="accent2"/>
+          </a:effectRef>
+          <a:fontRef idx="minor">
+            <a:schemeClr val="lt1"/>
+          </a:fontRef>
+        </p:style>
+        <p:txBody>
+          <a:bodyPr rtlCol="0" anchor="ctr"/>
+          <a:lstStyle/>
+          <a:p>
+            <a:pPr algn="ctr"/>
+            <a:r>
+              <a:rPr lang="pl-PL"/>
+              <a:t>7</a:t>
+            </a:r>
+          </a:p>
+        </p:txBody>
+      </p:sp>
+    </p:spTree>
+    <p:extLst>
+      <p:ext uri="{BB962C8B-B14F-4D97-AF65-F5344CB8AC3E}">
+        <p14:creationId xmlns:p14="http://schemas.microsoft.com/office/powerpoint/2010/main" val="3512685534"/>
+      </p:ext>
+    </p:extLst>
+  </p:cSld>
+  <p:clrMapOvr>
+    <a:masterClrMapping/>
+  </p:clrMapOvr>
+</p:sld>
+</file>
+
+<file path=ppt/slides/slide15.xml><?xml version="1.0" encoding="utf-8"?>
 <p:sld xmlns:a="http://schemas.openxmlformats.org/drawingml/2006/main" xmlns:r="http://schemas.openxmlformats.org/officeDocument/2006/relationships" xmlns:p="http://schemas.openxmlformats.org/presentationml/2006/main">
   <p:cSld>
     <p:spTree>
@@ -7815,7 +9875,7 @@
           <p:cNvPr id="4" name="Obraz 3">
             <a:extLst>
               <a:ext uri="{FF2B5EF4-FFF2-40B4-BE49-F238E27FC236}">
-                <a16:creationId xmlns:a16="http://schemas.microsoft.com/office/drawing/2014/main" id="{5E99E619-A3B3-422A-8C7A-B064B9A91684}"/>
+                <a16:creationId xmlns:a16="http://schemas.microsoft.com/office/drawing/2014/main" id="{7920C8E0-BE7B-48FF-AECB-E531D77CA345}"/>
               </a:ext>
             </a:extLst>
           </p:cNvPr>
@@ -7832,8 +9892,8 @@
         </p:blipFill>
         <p:spPr>
           <a:xfrm>
-            <a:off x="0" y="363188"/>
-            <a:ext cx="12192000" cy="6131994"/>
+            <a:off x="0" y="385871"/>
+            <a:ext cx="12192000" cy="6086257"/>
           </a:xfrm>
           <a:prstGeom prst="rect">
             <a:avLst/>
@@ -7907,7 +9967,7 @@
         <p:spPr>
           <a:xfrm>
             <a:off x="0" y="361419"/>
-            <a:ext cx="12192000" cy="5477319"/>
+            <a:ext cx="12192000" cy="6135161"/>
           </a:xfrm>
           <a:prstGeom prst="rect">
             <a:avLst/>
@@ -8154,19 +10214,19 @@
       </p:sp>
       <p:sp>
         <p:nvSpPr>
-          <p:cNvPr id="13" name="Owal 12">
-            <a:extLst>
-              <a:ext uri="{FF2B5EF4-FFF2-40B4-BE49-F238E27FC236}">
-                <a16:creationId xmlns:a16="http://schemas.microsoft.com/office/drawing/2014/main" id="{58460A97-B22B-4B2D-A02C-08C333DFB3BA}"/>
-              </a:ext>
-            </a:extLst>
-          </p:cNvPr>
-          <p:cNvSpPr/>
-          <p:nvPr/>
-        </p:nvSpPr>
-        <p:spPr>
-          <a:xfrm>
-            <a:off x="2903987" y="1937669"/>
+          <p:cNvPr id="12" name="Owal 11">
+            <a:extLst>
+              <a:ext uri="{FF2B5EF4-FFF2-40B4-BE49-F238E27FC236}">
+                <a16:creationId xmlns:a16="http://schemas.microsoft.com/office/drawing/2014/main" id="{9279B823-E10D-4FA5-A8B5-8E156EC9D0C5}"/>
+              </a:ext>
+            </a:extLst>
+          </p:cNvPr>
+          <p:cNvSpPr/>
+          <p:nvPr/>
+        </p:nvSpPr>
+        <p:spPr>
+          <a:xfrm>
+            <a:off x="2063690" y="3452069"/>
             <a:ext cx="402671" cy="360727"/>
           </a:xfrm>
           <a:prstGeom prst="ellipse">
@@ -8199,266 +10259,6 @@
             <a:pPr algn="ctr"/>
             <a:r>
               <a:rPr lang="pl-PL"/>
-              <a:t>5</a:t>
-            </a:r>
-          </a:p>
-        </p:txBody>
-      </p:sp>
-      <p:sp>
-        <p:nvSpPr>
-          <p:cNvPr id="15" name="Prostokąt 14">
-            <a:extLst>
-              <a:ext uri="{FF2B5EF4-FFF2-40B4-BE49-F238E27FC236}">
-                <a16:creationId xmlns:a16="http://schemas.microsoft.com/office/drawing/2014/main" id="{FEE4E2BC-F7A5-4030-9F0B-357AC8DB550D}"/>
-              </a:ext>
-            </a:extLst>
-          </p:cNvPr>
-          <p:cNvSpPr/>
-          <p:nvPr/>
-        </p:nvSpPr>
-        <p:spPr>
-          <a:xfrm>
-            <a:off x="3205990" y="2034249"/>
-            <a:ext cx="6793687" cy="1992238"/>
-          </a:xfrm>
-          <a:prstGeom prst="rect">
-            <a:avLst/>
-          </a:prstGeom>
-          <a:noFill/>
-          <a:ln w="38100">
-            <a:solidFill>
-              <a:srgbClr val="C00000"/>
-            </a:solidFill>
-          </a:ln>
-        </p:spPr>
-        <p:style>
-          <a:lnRef idx="2">
-            <a:schemeClr val="accent1">
-              <a:shade val="50000"/>
-            </a:schemeClr>
-          </a:lnRef>
-          <a:fillRef idx="1">
-            <a:schemeClr val="accent1"/>
-          </a:fillRef>
-          <a:effectRef idx="0">
-            <a:schemeClr val="accent1"/>
-          </a:effectRef>
-          <a:fontRef idx="minor">
-            <a:schemeClr val="lt1"/>
-          </a:fontRef>
-        </p:style>
-        <p:txBody>
-          <a:bodyPr rtlCol="0" anchor="ctr"/>
-          <a:lstStyle/>
-          <a:p>
-            <a:pPr algn="ctr"/>
-            <a:endParaRPr lang="pl-PL"/>
-          </a:p>
-        </p:txBody>
-      </p:sp>
-      <p:sp>
-        <p:nvSpPr>
-          <p:cNvPr id="16" name="Prostokąt 15">
-            <a:extLst>
-              <a:ext uri="{FF2B5EF4-FFF2-40B4-BE49-F238E27FC236}">
-                <a16:creationId xmlns:a16="http://schemas.microsoft.com/office/drawing/2014/main" id="{4E515B4F-462C-40B4-881F-DB9110614D34}"/>
-              </a:ext>
-            </a:extLst>
-          </p:cNvPr>
-          <p:cNvSpPr/>
-          <p:nvPr/>
-        </p:nvSpPr>
-        <p:spPr>
-          <a:xfrm>
-            <a:off x="3407325" y="4026486"/>
-            <a:ext cx="6315515" cy="1400115"/>
-          </a:xfrm>
-          <a:prstGeom prst="rect">
-            <a:avLst/>
-          </a:prstGeom>
-          <a:noFill/>
-          <a:ln w="38100">
-            <a:solidFill>
-              <a:srgbClr val="C00000"/>
-            </a:solidFill>
-          </a:ln>
-        </p:spPr>
-        <p:style>
-          <a:lnRef idx="2">
-            <a:schemeClr val="accent1">
-              <a:shade val="50000"/>
-            </a:schemeClr>
-          </a:lnRef>
-          <a:fillRef idx="1">
-            <a:schemeClr val="accent1"/>
-          </a:fillRef>
-          <a:effectRef idx="0">
-            <a:schemeClr val="accent1"/>
-          </a:effectRef>
-          <a:fontRef idx="minor">
-            <a:schemeClr val="lt1"/>
-          </a:fontRef>
-        </p:style>
-        <p:txBody>
-          <a:bodyPr rtlCol="0" anchor="ctr"/>
-          <a:lstStyle/>
-          <a:p>
-            <a:pPr algn="ctr"/>
-            <a:endParaRPr lang="pl-PL"/>
-          </a:p>
-        </p:txBody>
-      </p:sp>
-      <p:sp>
-        <p:nvSpPr>
-          <p:cNvPr id="14" name="Owal 13">
-            <a:extLst>
-              <a:ext uri="{FF2B5EF4-FFF2-40B4-BE49-F238E27FC236}">
-                <a16:creationId xmlns:a16="http://schemas.microsoft.com/office/drawing/2014/main" id="{59E216A4-7A2E-46B5-90C3-8A16B46CF662}"/>
-              </a:ext>
-            </a:extLst>
-          </p:cNvPr>
-          <p:cNvSpPr/>
-          <p:nvPr/>
-        </p:nvSpPr>
-        <p:spPr>
-          <a:xfrm>
-            <a:off x="3474438" y="4052192"/>
-            <a:ext cx="402671" cy="360727"/>
-          </a:xfrm>
-          <a:prstGeom prst="ellipse">
-            <a:avLst/>
-          </a:prstGeom>
-          <a:solidFill>
-            <a:srgbClr val="C00000"/>
-          </a:solidFill>
-        </p:spPr>
-        <p:style>
-          <a:lnRef idx="2">
-            <a:schemeClr val="accent2">
-              <a:shade val="50000"/>
-            </a:schemeClr>
-          </a:lnRef>
-          <a:fillRef idx="1">
-            <a:schemeClr val="accent2"/>
-          </a:fillRef>
-          <a:effectRef idx="0">
-            <a:schemeClr val="accent2"/>
-          </a:effectRef>
-          <a:fontRef idx="minor">
-            <a:schemeClr val="lt1"/>
-          </a:fontRef>
-        </p:style>
-        <p:txBody>
-          <a:bodyPr rtlCol="0" anchor="ctr"/>
-          <a:lstStyle/>
-          <a:p>
-            <a:pPr algn="ctr"/>
-            <a:r>
-              <a:rPr lang="pl-PL"/>
-              <a:t>6</a:t>
-            </a:r>
-          </a:p>
-        </p:txBody>
-      </p:sp>
-      <p:sp>
-        <p:nvSpPr>
-          <p:cNvPr id="17" name="Prostokąt 16">
-            <a:extLst>
-              <a:ext uri="{FF2B5EF4-FFF2-40B4-BE49-F238E27FC236}">
-                <a16:creationId xmlns:a16="http://schemas.microsoft.com/office/drawing/2014/main" id="{1300A9F9-1CB4-4F1F-A185-7F2165B4361C}"/>
-              </a:ext>
-            </a:extLst>
-          </p:cNvPr>
-          <p:cNvSpPr/>
-          <p:nvPr/>
-        </p:nvSpPr>
-        <p:spPr>
-          <a:xfrm>
-            <a:off x="2125208" y="1546140"/>
-            <a:ext cx="8293919" cy="4292597"/>
-          </a:xfrm>
-          <a:prstGeom prst="rect">
-            <a:avLst/>
-          </a:prstGeom>
-          <a:noFill/>
-          <a:ln w="38100">
-            <a:solidFill>
-              <a:srgbClr val="C00000"/>
-            </a:solidFill>
-          </a:ln>
-        </p:spPr>
-        <p:style>
-          <a:lnRef idx="2">
-            <a:schemeClr val="accent1">
-              <a:shade val="50000"/>
-            </a:schemeClr>
-          </a:lnRef>
-          <a:fillRef idx="1">
-            <a:schemeClr val="accent1"/>
-          </a:fillRef>
-          <a:effectRef idx="0">
-            <a:schemeClr val="accent1"/>
-          </a:effectRef>
-          <a:fontRef idx="minor">
-            <a:schemeClr val="lt1"/>
-          </a:fontRef>
-        </p:style>
-        <p:txBody>
-          <a:bodyPr rtlCol="0" anchor="ctr"/>
-          <a:lstStyle/>
-          <a:p>
-            <a:pPr algn="ctr"/>
-            <a:endParaRPr lang="pl-PL"/>
-          </a:p>
-        </p:txBody>
-      </p:sp>
-      <p:sp>
-        <p:nvSpPr>
-          <p:cNvPr id="12" name="Owal 11">
-            <a:extLst>
-              <a:ext uri="{FF2B5EF4-FFF2-40B4-BE49-F238E27FC236}">
-                <a16:creationId xmlns:a16="http://schemas.microsoft.com/office/drawing/2014/main" id="{D608EC4F-3B04-4AE3-A547-F27CEF9F2B70}"/>
-              </a:ext>
-            </a:extLst>
-          </p:cNvPr>
-          <p:cNvSpPr/>
-          <p:nvPr/>
-        </p:nvSpPr>
-        <p:spPr>
-          <a:xfrm>
-            <a:off x="2125208" y="1364892"/>
-            <a:ext cx="402671" cy="360727"/>
-          </a:xfrm>
-          <a:prstGeom prst="ellipse">
-            <a:avLst/>
-          </a:prstGeom>
-          <a:solidFill>
-            <a:srgbClr val="C00000"/>
-          </a:solidFill>
-        </p:spPr>
-        <p:style>
-          <a:lnRef idx="2">
-            <a:schemeClr val="accent2">
-              <a:shade val="50000"/>
-            </a:schemeClr>
-          </a:lnRef>
-          <a:fillRef idx="1">
-            <a:schemeClr val="accent2"/>
-          </a:fillRef>
-          <a:effectRef idx="0">
-            <a:schemeClr val="accent2"/>
-          </a:effectRef>
-          <a:fontRef idx="minor">
-            <a:schemeClr val="lt1"/>
-          </a:fontRef>
-        </p:style>
-        <p:txBody>
-          <a:bodyPr rtlCol="0" anchor="ctr"/>
-          <a:lstStyle/>
-          <a:p>
-            <a:pPr algn="ctr"/>
-            <a:r>
-              <a:rPr lang="pl-PL"/>
               <a:t>4</a:t>
             </a:r>
           </a:p>
@@ -8467,7 +10267,7 @@
     </p:spTree>
     <p:extLst>
       <p:ext uri="{BB962C8B-B14F-4D97-AF65-F5344CB8AC3E}">
-        <p14:creationId xmlns:p14="http://schemas.microsoft.com/office/powerpoint/2010/main" val="3809811575"/>
+        <p14:creationId xmlns:p14="http://schemas.microsoft.com/office/powerpoint/2010/main" val="1242660478"/>
       </p:ext>
     </p:extLst>
   </p:cSld>
@@ -8499,7 +10299,7 @@
           <p:cNvPr id="4" name="Obraz 3">
             <a:extLst>
               <a:ext uri="{FF2B5EF4-FFF2-40B4-BE49-F238E27FC236}">
-                <a16:creationId xmlns:a16="http://schemas.microsoft.com/office/drawing/2014/main" id="{E721BC4A-F3DE-43F2-B8F3-1F36CF1762D8}"/>
+                <a16:creationId xmlns:a16="http://schemas.microsoft.com/office/drawing/2014/main" id="{9C370A7C-5151-4973-A7F4-10EF0B8D3AA2}"/>
               </a:ext>
             </a:extLst>
           </p:cNvPr>
@@ -8516,8 +10316,8 @@
         </p:blipFill>
         <p:spPr>
           <a:xfrm>
-            <a:off x="0" y="361419"/>
-            <a:ext cx="12192000" cy="6135203"/>
+            <a:off x="0" y="382622"/>
+            <a:ext cx="12192000" cy="6092756"/>
           </a:xfrm>
           <a:prstGeom prst="rect">
             <a:avLst/>
@@ -8850,7 +10650,7 @@
         </p:nvSpPr>
         <p:spPr>
           <a:xfrm>
-            <a:off x="4452454" y="775280"/>
+            <a:off x="2063690" y="3477236"/>
             <a:ext cx="402671" cy="360727"/>
           </a:xfrm>
           <a:prstGeom prst="ellipse">
@@ -8888,426 +10688,10 @@
           </a:p>
         </p:txBody>
       </p:sp>
-      <p:sp>
-        <p:nvSpPr>
-          <p:cNvPr id="13" name="Prostokąt 12">
-            <a:extLst>
-              <a:ext uri="{FF2B5EF4-FFF2-40B4-BE49-F238E27FC236}">
-                <a16:creationId xmlns:a16="http://schemas.microsoft.com/office/drawing/2014/main" id="{99AD6B7C-45DA-4658-A1B9-D8315DE4CDCE}"/>
-              </a:ext>
-            </a:extLst>
-          </p:cNvPr>
-          <p:cNvSpPr/>
-          <p:nvPr/>
-        </p:nvSpPr>
-        <p:spPr>
-          <a:xfrm>
-            <a:off x="-1" y="361419"/>
-            <a:ext cx="12192001" cy="3648519"/>
-          </a:xfrm>
-          <a:prstGeom prst="rect">
-            <a:avLst/>
-          </a:prstGeom>
-          <a:noFill/>
-          <a:ln w="38100">
-            <a:solidFill>
-              <a:srgbClr val="C00000"/>
-            </a:solidFill>
-          </a:ln>
-        </p:spPr>
-        <p:style>
-          <a:lnRef idx="2">
-            <a:schemeClr val="accent1">
-              <a:shade val="50000"/>
-            </a:schemeClr>
-          </a:lnRef>
-          <a:fillRef idx="1">
-            <a:schemeClr val="accent1"/>
-          </a:fillRef>
-          <a:effectRef idx="0">
-            <a:schemeClr val="accent1"/>
-          </a:effectRef>
-          <a:fontRef idx="minor">
-            <a:schemeClr val="lt1"/>
-          </a:fontRef>
-        </p:style>
-        <p:txBody>
-          <a:bodyPr rtlCol="0" anchor="ctr"/>
-          <a:lstStyle/>
-          <a:p>
-            <a:pPr algn="ctr"/>
-            <a:endParaRPr lang="pl-PL"/>
-          </a:p>
-        </p:txBody>
-      </p:sp>
-      <p:sp>
-        <p:nvSpPr>
-          <p:cNvPr id="16" name="Owal 15">
-            <a:extLst>
-              <a:ext uri="{FF2B5EF4-FFF2-40B4-BE49-F238E27FC236}">
-                <a16:creationId xmlns:a16="http://schemas.microsoft.com/office/drawing/2014/main" id="{078ED556-A047-4BF7-B661-A597A30A1199}"/>
-              </a:ext>
-            </a:extLst>
-          </p:cNvPr>
-          <p:cNvSpPr/>
-          <p:nvPr/>
-        </p:nvSpPr>
-        <p:spPr>
-          <a:xfrm>
-            <a:off x="10322650" y="545284"/>
-            <a:ext cx="402671" cy="360727"/>
-          </a:xfrm>
-          <a:prstGeom prst="ellipse">
-            <a:avLst/>
-          </a:prstGeom>
-          <a:solidFill>
-            <a:srgbClr val="C00000"/>
-          </a:solidFill>
-        </p:spPr>
-        <p:style>
-          <a:lnRef idx="2">
-            <a:schemeClr val="accent2">
-              <a:shade val="50000"/>
-            </a:schemeClr>
-          </a:lnRef>
-          <a:fillRef idx="1">
-            <a:schemeClr val="accent2"/>
-          </a:fillRef>
-          <a:effectRef idx="0">
-            <a:schemeClr val="accent2"/>
-          </a:effectRef>
-          <a:fontRef idx="minor">
-            <a:schemeClr val="lt1"/>
-          </a:fontRef>
-        </p:style>
-        <p:txBody>
-          <a:bodyPr rtlCol="0" anchor="ctr"/>
-          <a:lstStyle/>
-          <a:p>
-            <a:pPr algn="ctr"/>
-            <a:r>
-              <a:rPr lang="pl-PL"/>
-              <a:t>7</a:t>
-            </a:r>
-          </a:p>
-        </p:txBody>
-      </p:sp>
-      <p:sp>
-        <p:nvSpPr>
-          <p:cNvPr id="17" name="Prostokąt 16">
-            <a:extLst>
-              <a:ext uri="{FF2B5EF4-FFF2-40B4-BE49-F238E27FC236}">
-                <a16:creationId xmlns:a16="http://schemas.microsoft.com/office/drawing/2014/main" id="{2A4BAB5F-3595-49F8-8E5A-4CCA66695EFD}"/>
-              </a:ext>
-            </a:extLst>
-          </p:cNvPr>
-          <p:cNvSpPr/>
-          <p:nvPr/>
-        </p:nvSpPr>
-        <p:spPr>
-          <a:xfrm>
-            <a:off x="4676859" y="1078331"/>
-            <a:ext cx="4601365" cy="360727"/>
-          </a:xfrm>
-          <a:prstGeom prst="rect">
-            <a:avLst/>
-          </a:prstGeom>
-          <a:noFill/>
-          <a:ln w="38100">
-            <a:solidFill>
-              <a:srgbClr val="C00000"/>
-            </a:solidFill>
-          </a:ln>
-        </p:spPr>
-        <p:style>
-          <a:lnRef idx="2">
-            <a:schemeClr val="accent1">
-              <a:shade val="50000"/>
-            </a:schemeClr>
-          </a:lnRef>
-          <a:fillRef idx="1">
-            <a:schemeClr val="accent1"/>
-          </a:fillRef>
-          <a:effectRef idx="0">
-            <a:schemeClr val="accent1"/>
-          </a:effectRef>
-          <a:fontRef idx="minor">
-            <a:schemeClr val="lt1"/>
-          </a:fontRef>
-        </p:style>
-        <p:txBody>
-          <a:bodyPr rtlCol="0" anchor="ctr"/>
-          <a:lstStyle/>
-          <a:p>
-            <a:pPr algn="ctr"/>
-            <a:endParaRPr lang="pl-PL"/>
-          </a:p>
-        </p:txBody>
-      </p:sp>
-      <p:sp>
-        <p:nvSpPr>
-          <p:cNvPr id="18" name="Prostokąt 17">
-            <a:extLst>
-              <a:ext uri="{FF2B5EF4-FFF2-40B4-BE49-F238E27FC236}">
-                <a16:creationId xmlns:a16="http://schemas.microsoft.com/office/drawing/2014/main" id="{ADE7A393-36FF-49CA-8216-F560AF991C23}"/>
-              </a:ext>
-            </a:extLst>
-          </p:cNvPr>
-          <p:cNvSpPr/>
-          <p:nvPr/>
-        </p:nvSpPr>
-        <p:spPr>
-          <a:xfrm>
-            <a:off x="4676859" y="1875987"/>
-            <a:ext cx="4601365" cy="959492"/>
-          </a:xfrm>
-          <a:prstGeom prst="rect">
-            <a:avLst/>
-          </a:prstGeom>
-          <a:noFill/>
-          <a:ln w="38100">
-            <a:solidFill>
-              <a:srgbClr val="C00000"/>
-            </a:solidFill>
-          </a:ln>
-        </p:spPr>
-        <p:style>
-          <a:lnRef idx="2">
-            <a:schemeClr val="accent1">
-              <a:shade val="50000"/>
-            </a:schemeClr>
-          </a:lnRef>
-          <a:fillRef idx="1">
-            <a:schemeClr val="accent1"/>
-          </a:fillRef>
-          <a:effectRef idx="0">
-            <a:schemeClr val="accent1"/>
-          </a:effectRef>
-          <a:fontRef idx="minor">
-            <a:schemeClr val="lt1"/>
-          </a:fontRef>
-        </p:style>
-        <p:txBody>
-          <a:bodyPr rtlCol="0" anchor="ctr"/>
-          <a:lstStyle/>
-          <a:p>
-            <a:pPr algn="ctr"/>
-            <a:endParaRPr lang="pl-PL"/>
-          </a:p>
-        </p:txBody>
-      </p:sp>
-      <p:sp>
-        <p:nvSpPr>
-          <p:cNvPr id="19" name="Prostokąt 18">
-            <a:extLst>
-              <a:ext uri="{FF2B5EF4-FFF2-40B4-BE49-F238E27FC236}">
-                <a16:creationId xmlns:a16="http://schemas.microsoft.com/office/drawing/2014/main" id="{2553C09D-F4F4-4344-850D-1126FADC38C0}"/>
-              </a:ext>
-            </a:extLst>
-          </p:cNvPr>
-          <p:cNvSpPr/>
-          <p:nvPr/>
-        </p:nvSpPr>
-        <p:spPr>
-          <a:xfrm>
-            <a:off x="4676859" y="2958166"/>
-            <a:ext cx="1419141" cy="360727"/>
-          </a:xfrm>
-          <a:prstGeom prst="rect">
-            <a:avLst/>
-          </a:prstGeom>
-          <a:noFill/>
-          <a:ln w="38100">
-            <a:solidFill>
-              <a:srgbClr val="C00000"/>
-            </a:solidFill>
-          </a:ln>
-        </p:spPr>
-        <p:style>
-          <a:lnRef idx="2">
-            <a:schemeClr val="accent1">
-              <a:shade val="50000"/>
-            </a:schemeClr>
-          </a:lnRef>
-          <a:fillRef idx="1">
-            <a:schemeClr val="accent1"/>
-          </a:fillRef>
-          <a:effectRef idx="0">
-            <a:schemeClr val="accent1"/>
-          </a:effectRef>
-          <a:fontRef idx="minor">
-            <a:schemeClr val="lt1"/>
-          </a:fontRef>
-        </p:style>
-        <p:txBody>
-          <a:bodyPr rtlCol="0" anchor="ctr"/>
-          <a:lstStyle/>
-          <a:p>
-            <a:pPr algn="ctr"/>
-            <a:endParaRPr lang="pl-PL"/>
-          </a:p>
-        </p:txBody>
-      </p:sp>
-      <p:sp>
-        <p:nvSpPr>
-          <p:cNvPr id="14" name="Owal 13">
-            <a:extLst>
-              <a:ext uri="{FF2B5EF4-FFF2-40B4-BE49-F238E27FC236}">
-                <a16:creationId xmlns:a16="http://schemas.microsoft.com/office/drawing/2014/main" id="{C0659EC7-B116-4D0B-B473-A76E24D0CA69}"/>
-              </a:ext>
-            </a:extLst>
-          </p:cNvPr>
-          <p:cNvSpPr/>
-          <p:nvPr/>
-        </p:nvSpPr>
-        <p:spPr>
-          <a:xfrm>
-            <a:off x="4462942" y="1580969"/>
-            <a:ext cx="402671" cy="360727"/>
-          </a:xfrm>
-          <a:prstGeom prst="ellipse">
-            <a:avLst/>
-          </a:prstGeom>
-          <a:solidFill>
-            <a:srgbClr val="C00000"/>
-          </a:solidFill>
-        </p:spPr>
-        <p:style>
-          <a:lnRef idx="2">
-            <a:schemeClr val="accent2">
-              <a:shade val="50000"/>
-            </a:schemeClr>
-          </a:lnRef>
-          <a:fillRef idx="1">
-            <a:schemeClr val="accent2"/>
-          </a:fillRef>
-          <a:effectRef idx="0">
-            <a:schemeClr val="accent2"/>
-          </a:effectRef>
-          <a:fontRef idx="minor">
-            <a:schemeClr val="lt1"/>
-          </a:fontRef>
-        </p:style>
-        <p:txBody>
-          <a:bodyPr rtlCol="0" anchor="ctr"/>
-          <a:lstStyle/>
-          <a:p>
-            <a:pPr algn="ctr"/>
-            <a:r>
-              <a:rPr lang="pl-PL"/>
-              <a:t>5</a:t>
-            </a:r>
-          </a:p>
-        </p:txBody>
-      </p:sp>
-      <p:sp>
-        <p:nvSpPr>
-          <p:cNvPr id="15" name="Owal 14">
-            <a:extLst>
-              <a:ext uri="{FF2B5EF4-FFF2-40B4-BE49-F238E27FC236}">
-                <a16:creationId xmlns:a16="http://schemas.microsoft.com/office/drawing/2014/main" id="{C985A0CB-847D-4F1F-9BE6-D39F83926123}"/>
-              </a:ext>
-            </a:extLst>
-          </p:cNvPr>
-          <p:cNvSpPr/>
-          <p:nvPr/>
-        </p:nvSpPr>
-        <p:spPr>
-          <a:xfrm>
-            <a:off x="4452453" y="2716459"/>
-            <a:ext cx="402671" cy="360727"/>
-          </a:xfrm>
-          <a:prstGeom prst="ellipse">
-            <a:avLst/>
-          </a:prstGeom>
-          <a:solidFill>
-            <a:srgbClr val="C00000"/>
-          </a:solidFill>
-        </p:spPr>
-        <p:style>
-          <a:lnRef idx="2">
-            <a:schemeClr val="accent2">
-              <a:shade val="50000"/>
-            </a:schemeClr>
-          </a:lnRef>
-          <a:fillRef idx="1">
-            <a:schemeClr val="accent2"/>
-          </a:fillRef>
-          <a:effectRef idx="0">
-            <a:schemeClr val="accent2"/>
-          </a:effectRef>
-          <a:fontRef idx="minor">
-            <a:schemeClr val="lt1"/>
-          </a:fontRef>
-        </p:style>
-        <p:txBody>
-          <a:bodyPr rtlCol="0" anchor="ctr"/>
-          <a:lstStyle/>
-          <a:p>
-            <a:pPr algn="ctr"/>
-            <a:r>
-              <a:rPr lang="pl-PL"/>
-              <a:t>6</a:t>
-            </a:r>
-          </a:p>
-        </p:txBody>
-      </p:sp>
-      <p:sp>
-        <p:nvSpPr>
-          <p:cNvPr id="20" name="Prostokąt 19">
-            <a:extLst>
-              <a:ext uri="{FF2B5EF4-FFF2-40B4-BE49-F238E27FC236}">
-                <a16:creationId xmlns:a16="http://schemas.microsoft.com/office/drawing/2014/main" id="{870EA9D1-DAB9-4FD9-A588-562015EC9DD8}"/>
-              </a:ext>
-            </a:extLst>
-          </p:cNvPr>
-          <p:cNvSpPr/>
-          <p:nvPr/>
-        </p:nvSpPr>
-        <p:spPr>
-          <a:xfrm>
-            <a:off x="10577119" y="752379"/>
-            <a:ext cx="1360412" cy="959492"/>
-          </a:xfrm>
-          <a:prstGeom prst="rect">
-            <a:avLst/>
-          </a:prstGeom>
-          <a:noFill/>
-          <a:ln w="38100">
-            <a:solidFill>
-              <a:srgbClr val="C00000"/>
-            </a:solidFill>
-          </a:ln>
-        </p:spPr>
-        <p:style>
-          <a:lnRef idx="2">
-            <a:schemeClr val="accent1">
-              <a:shade val="50000"/>
-            </a:schemeClr>
-          </a:lnRef>
-          <a:fillRef idx="1">
-            <a:schemeClr val="accent1"/>
-          </a:fillRef>
-          <a:effectRef idx="0">
-            <a:schemeClr val="accent1"/>
-          </a:effectRef>
-          <a:fontRef idx="minor">
-            <a:schemeClr val="lt1"/>
-          </a:fontRef>
-        </p:style>
-        <p:txBody>
-          <a:bodyPr rtlCol="0" anchor="ctr"/>
-          <a:lstStyle/>
-          <a:p>
-            <a:pPr algn="ctr"/>
-            <a:endParaRPr lang="pl-PL"/>
-          </a:p>
-        </p:txBody>
-      </p:sp>
     </p:spTree>
     <p:extLst>
       <p:ext uri="{BB962C8B-B14F-4D97-AF65-F5344CB8AC3E}">
-        <p14:creationId xmlns:p14="http://schemas.microsoft.com/office/powerpoint/2010/main" val="2296116465"/>
+        <p14:creationId xmlns:p14="http://schemas.microsoft.com/office/powerpoint/2010/main" val="2124321504"/>
       </p:ext>
     </p:extLst>
   </p:cSld>

--- a/docs/instrukcja.pptx
+++ b/docs/instrukcja.pptx
@@ -13,13 +13,14 @@
     <p:sldId id="262" r:id="rId7"/>
     <p:sldId id="263" r:id="rId8"/>
     <p:sldId id="270" r:id="rId9"/>
-    <p:sldId id="271" r:id="rId10"/>
+    <p:sldId id="272" r:id="rId10"/>
     <p:sldId id="264" r:id="rId11"/>
-    <p:sldId id="265" r:id="rId12"/>
-    <p:sldId id="266" r:id="rId13"/>
-    <p:sldId id="267" r:id="rId14"/>
-    <p:sldId id="269" r:id="rId15"/>
-    <p:sldId id="268" r:id="rId16"/>
+    <p:sldId id="271" r:id="rId12"/>
+    <p:sldId id="265" r:id="rId13"/>
+    <p:sldId id="266" r:id="rId14"/>
+    <p:sldId id="267" r:id="rId15"/>
+    <p:sldId id="269" r:id="rId16"/>
+    <p:sldId id="268" r:id="rId17"/>
   </p:sldIdLst>
   <p:sldSz cx="12192000" cy="6858000"/>
   <p:notesSz cx="6858000" cy="9144000"/>
@@ -273,7 +274,7 @@
           <a:p>
             <a:fld id="{14B7DDE9-ACEC-406D-B2FC-2C8C2AAF0E2A}" type="datetimeFigureOut">
               <a:rPr lang="pl-PL" smtClean="0"/>
-              <a:t>28.10.2021</a:t>
+              <a:t>07.11.2021</a:t>
             </a:fld>
             <a:endParaRPr lang="pl-PL"/>
           </a:p>
@@ -471,7 +472,7 @@
           <a:p>
             <a:fld id="{14B7DDE9-ACEC-406D-B2FC-2C8C2AAF0E2A}" type="datetimeFigureOut">
               <a:rPr lang="pl-PL" smtClean="0"/>
-              <a:t>28.10.2021</a:t>
+              <a:t>07.11.2021</a:t>
             </a:fld>
             <a:endParaRPr lang="pl-PL"/>
           </a:p>
@@ -679,7 +680,7 @@
           <a:p>
             <a:fld id="{14B7DDE9-ACEC-406D-B2FC-2C8C2AAF0E2A}" type="datetimeFigureOut">
               <a:rPr lang="pl-PL" smtClean="0"/>
-              <a:t>28.10.2021</a:t>
+              <a:t>07.11.2021</a:t>
             </a:fld>
             <a:endParaRPr lang="pl-PL"/>
           </a:p>
@@ -877,7 +878,7 @@
           <a:p>
             <a:fld id="{14B7DDE9-ACEC-406D-B2FC-2C8C2AAF0E2A}" type="datetimeFigureOut">
               <a:rPr lang="pl-PL" smtClean="0"/>
-              <a:t>28.10.2021</a:t>
+              <a:t>07.11.2021</a:t>
             </a:fld>
             <a:endParaRPr lang="pl-PL"/>
           </a:p>
@@ -1152,7 +1153,7 @@
           <a:p>
             <a:fld id="{14B7DDE9-ACEC-406D-B2FC-2C8C2AAF0E2A}" type="datetimeFigureOut">
               <a:rPr lang="pl-PL" smtClean="0"/>
-              <a:t>28.10.2021</a:t>
+              <a:t>07.11.2021</a:t>
             </a:fld>
             <a:endParaRPr lang="pl-PL"/>
           </a:p>
@@ -1417,7 +1418,7 @@
           <a:p>
             <a:fld id="{14B7DDE9-ACEC-406D-B2FC-2C8C2AAF0E2A}" type="datetimeFigureOut">
               <a:rPr lang="pl-PL" smtClean="0"/>
-              <a:t>28.10.2021</a:t>
+              <a:t>07.11.2021</a:t>
             </a:fld>
             <a:endParaRPr lang="pl-PL"/>
           </a:p>
@@ -1829,7 +1830,7 @@
           <a:p>
             <a:fld id="{14B7DDE9-ACEC-406D-B2FC-2C8C2AAF0E2A}" type="datetimeFigureOut">
               <a:rPr lang="pl-PL" smtClean="0"/>
-              <a:t>28.10.2021</a:t>
+              <a:t>07.11.2021</a:t>
             </a:fld>
             <a:endParaRPr lang="pl-PL"/>
           </a:p>
@@ -1970,7 +1971,7 @@
           <a:p>
             <a:fld id="{14B7DDE9-ACEC-406D-B2FC-2C8C2AAF0E2A}" type="datetimeFigureOut">
               <a:rPr lang="pl-PL" smtClean="0"/>
-              <a:t>28.10.2021</a:t>
+              <a:t>07.11.2021</a:t>
             </a:fld>
             <a:endParaRPr lang="pl-PL"/>
           </a:p>
@@ -2083,7 +2084,7 @@
           <a:p>
             <a:fld id="{14B7DDE9-ACEC-406D-B2FC-2C8C2AAF0E2A}" type="datetimeFigureOut">
               <a:rPr lang="pl-PL" smtClean="0"/>
-              <a:t>28.10.2021</a:t>
+              <a:t>07.11.2021</a:t>
             </a:fld>
             <a:endParaRPr lang="pl-PL"/>
           </a:p>
@@ -2394,7 +2395,7 @@
           <a:p>
             <a:fld id="{14B7DDE9-ACEC-406D-B2FC-2C8C2AAF0E2A}" type="datetimeFigureOut">
               <a:rPr lang="pl-PL" smtClean="0"/>
-              <a:t>28.10.2021</a:t>
+              <a:t>07.11.2021</a:t>
             </a:fld>
             <a:endParaRPr lang="pl-PL"/>
           </a:p>
@@ -2682,7 +2683,7 @@
           <a:p>
             <a:fld id="{14B7DDE9-ACEC-406D-B2FC-2C8C2AAF0E2A}" type="datetimeFigureOut">
               <a:rPr lang="pl-PL" smtClean="0"/>
-              <a:t>28.10.2021</a:t>
+              <a:t>07.11.2021</a:t>
             </a:fld>
             <a:endParaRPr lang="pl-PL"/>
           </a:p>
@@ -2923,7 +2924,7 @@
           <a:p>
             <a:fld id="{14B7DDE9-ACEC-406D-B2FC-2C8C2AAF0E2A}" type="datetimeFigureOut">
               <a:rPr lang="pl-PL" smtClean="0"/>
-              <a:t>28.10.2021</a:t>
+              <a:t>07.11.2021</a:t>
             </a:fld>
             <a:endParaRPr lang="pl-PL"/>
           </a:p>
@@ -3714,10 +3715,10 @@
       </p:grpSpPr>
       <p:pic>
         <p:nvPicPr>
-          <p:cNvPr id="4" name="Obraz 3">
-            <a:extLst>
-              <a:ext uri="{FF2B5EF4-FFF2-40B4-BE49-F238E27FC236}">
-                <a16:creationId xmlns:a16="http://schemas.microsoft.com/office/drawing/2014/main" id="{5E99E619-A3B3-422A-8C7A-B064B9A91684}"/>
+          <p:cNvPr id="3" name="Obraz 2">
+            <a:extLst>
+              <a:ext uri="{FF2B5EF4-FFF2-40B4-BE49-F238E27FC236}">
+                <a16:creationId xmlns:a16="http://schemas.microsoft.com/office/drawing/2014/main" id="{89360955-30A2-41CD-801D-06EAFA2FE619}"/>
               </a:ext>
             </a:extLst>
           </p:cNvPr>
@@ -3734,8 +3735,8 @@
         </p:blipFill>
         <p:spPr>
           <a:xfrm>
-            <a:off x="0" y="363188"/>
-            <a:ext cx="12192000" cy="6131994"/>
+            <a:off x="1904300" y="0"/>
+            <a:ext cx="10282854" cy="6858000"/>
           </a:xfrm>
           <a:prstGeom prst="rect">
             <a:avLst/>
@@ -3744,162 +3745,6 @@
       </p:pic>
       <p:sp>
         <p:nvSpPr>
-          <p:cNvPr id="6" name="Prostokąt 5">
-            <a:extLst>
-              <a:ext uri="{FF2B5EF4-FFF2-40B4-BE49-F238E27FC236}">
-                <a16:creationId xmlns:a16="http://schemas.microsoft.com/office/drawing/2014/main" id="{16F0A95E-C46C-4106-8609-493577FD511F}"/>
-              </a:ext>
-            </a:extLst>
-          </p:cNvPr>
-          <p:cNvSpPr/>
-          <p:nvPr/>
-        </p:nvSpPr>
-        <p:spPr>
-          <a:xfrm>
-            <a:off x="0" y="361419"/>
-            <a:ext cx="1971413" cy="989209"/>
-          </a:xfrm>
-          <a:prstGeom prst="rect">
-            <a:avLst/>
-          </a:prstGeom>
-          <a:noFill/>
-          <a:ln w="38100">
-            <a:solidFill>
-              <a:srgbClr val="C00000"/>
-            </a:solidFill>
-          </a:ln>
-        </p:spPr>
-        <p:style>
-          <a:lnRef idx="2">
-            <a:schemeClr val="accent1">
-              <a:shade val="50000"/>
-            </a:schemeClr>
-          </a:lnRef>
-          <a:fillRef idx="1">
-            <a:schemeClr val="accent1"/>
-          </a:fillRef>
-          <a:effectRef idx="0">
-            <a:schemeClr val="accent1"/>
-          </a:effectRef>
-          <a:fontRef idx="minor">
-            <a:schemeClr val="lt1"/>
-          </a:fontRef>
-        </p:style>
-        <p:txBody>
-          <a:bodyPr rtlCol="0" anchor="ctr"/>
-          <a:lstStyle/>
-          <a:p>
-            <a:pPr algn="ctr"/>
-            <a:endParaRPr lang="pl-PL"/>
-          </a:p>
-        </p:txBody>
-      </p:sp>
-      <p:sp>
-        <p:nvSpPr>
-          <p:cNvPr id="7" name="Prostokąt 6">
-            <a:extLst>
-              <a:ext uri="{FF2B5EF4-FFF2-40B4-BE49-F238E27FC236}">
-                <a16:creationId xmlns:a16="http://schemas.microsoft.com/office/drawing/2014/main" id="{D024C788-6B8C-4925-A384-D8953E6A7AED}"/>
-              </a:ext>
-            </a:extLst>
-          </p:cNvPr>
-          <p:cNvSpPr/>
-          <p:nvPr/>
-        </p:nvSpPr>
-        <p:spPr>
-          <a:xfrm>
-            <a:off x="0" y="361419"/>
-            <a:ext cx="12192000" cy="5477319"/>
-          </a:xfrm>
-          <a:prstGeom prst="rect">
-            <a:avLst/>
-          </a:prstGeom>
-          <a:noFill/>
-          <a:ln w="38100">
-            <a:solidFill>
-              <a:srgbClr val="C00000"/>
-            </a:solidFill>
-          </a:ln>
-        </p:spPr>
-        <p:style>
-          <a:lnRef idx="2">
-            <a:schemeClr val="accent1">
-              <a:shade val="50000"/>
-            </a:schemeClr>
-          </a:lnRef>
-          <a:fillRef idx="1">
-            <a:schemeClr val="accent1"/>
-          </a:fillRef>
-          <a:effectRef idx="0">
-            <a:schemeClr val="accent1"/>
-          </a:effectRef>
-          <a:fontRef idx="minor">
-            <a:schemeClr val="lt1"/>
-          </a:fontRef>
-        </p:style>
-        <p:txBody>
-          <a:bodyPr rtlCol="0" anchor="ctr"/>
-          <a:lstStyle/>
-          <a:p>
-            <a:pPr algn="ctr"/>
-            <a:endParaRPr lang="pl-PL"/>
-          </a:p>
-        </p:txBody>
-      </p:sp>
-      <p:sp>
-        <p:nvSpPr>
-          <p:cNvPr id="8" name="Prostokąt 7">
-            <a:extLst>
-              <a:ext uri="{FF2B5EF4-FFF2-40B4-BE49-F238E27FC236}">
-                <a16:creationId xmlns:a16="http://schemas.microsoft.com/office/drawing/2014/main" id="{16FB46F9-F620-4AD8-A26F-EA222D2A29FD}"/>
-              </a:ext>
-            </a:extLst>
-          </p:cNvPr>
-          <p:cNvSpPr/>
-          <p:nvPr/>
-        </p:nvSpPr>
-        <p:spPr>
-          <a:xfrm>
-            <a:off x="-1" y="362818"/>
-            <a:ext cx="1971413" cy="6133762"/>
-          </a:xfrm>
-          <a:prstGeom prst="rect">
-            <a:avLst/>
-          </a:prstGeom>
-          <a:noFill/>
-          <a:ln w="38100">
-            <a:solidFill>
-              <a:srgbClr val="C00000"/>
-            </a:solidFill>
-          </a:ln>
-        </p:spPr>
-        <p:style>
-          <a:lnRef idx="2">
-            <a:schemeClr val="accent1">
-              <a:shade val="50000"/>
-            </a:schemeClr>
-          </a:lnRef>
-          <a:fillRef idx="1">
-            <a:schemeClr val="accent1"/>
-          </a:fillRef>
-          <a:effectRef idx="0">
-            <a:schemeClr val="accent1"/>
-          </a:effectRef>
-          <a:fontRef idx="minor">
-            <a:schemeClr val="lt1"/>
-          </a:fontRef>
-        </p:style>
-        <p:txBody>
-          <a:bodyPr rtlCol="0" anchor="ctr"/>
-          <a:lstStyle/>
-          <a:p>
-            <a:pPr algn="ctr"/>
-            <a:endParaRPr lang="pl-PL"/>
-          </a:p>
-        </p:txBody>
-      </p:sp>
-      <p:sp>
-        <p:nvSpPr>
           <p:cNvPr id="9" name="Owal 8">
             <a:extLst>
               <a:ext uri="{FF2B5EF4-FFF2-40B4-BE49-F238E27FC236}">
@@ -3912,7 +3757,7 @@
         </p:nvSpPr>
         <p:spPr>
           <a:xfrm>
-            <a:off x="1300294" y="545284"/>
+            <a:off x="1904300" y="155196"/>
             <a:ext cx="402671" cy="360727"/>
           </a:xfrm>
           <a:prstGeom prst="ellipse">
@@ -3964,7 +3809,7 @@
         </p:nvSpPr>
         <p:spPr>
           <a:xfrm>
-            <a:off x="1501629" y="1392573"/>
+            <a:off x="2015979" y="1516398"/>
             <a:ext cx="402671" cy="360727"/>
           </a:xfrm>
           <a:prstGeom prst="ellipse">
@@ -4004,19 +3849,19 @@
       </p:sp>
       <p:sp>
         <p:nvSpPr>
-          <p:cNvPr id="11" name="Owal 10">
-            <a:extLst>
-              <a:ext uri="{FF2B5EF4-FFF2-40B4-BE49-F238E27FC236}">
-                <a16:creationId xmlns:a16="http://schemas.microsoft.com/office/drawing/2014/main" id="{0E7B7507-53E9-4688-94E1-ED40EF460D70}"/>
-              </a:ext>
-            </a:extLst>
-          </p:cNvPr>
-          <p:cNvSpPr/>
-          <p:nvPr/>
-        </p:nvSpPr>
-        <p:spPr>
-          <a:xfrm>
-            <a:off x="2063690" y="675659"/>
+          <p:cNvPr id="18" name="Owal 17">
+            <a:extLst>
+              <a:ext uri="{FF2B5EF4-FFF2-40B4-BE49-F238E27FC236}">
+                <a16:creationId xmlns:a16="http://schemas.microsoft.com/office/drawing/2014/main" id="{8EC7032F-4B94-478F-8DB3-DC0C84D6CF66}"/>
+              </a:ext>
+            </a:extLst>
+          </p:cNvPr>
+          <p:cNvSpPr/>
+          <p:nvPr/>
+        </p:nvSpPr>
+        <p:spPr>
+          <a:xfrm>
+            <a:off x="2701779" y="2306973"/>
             <a:ext cx="402671" cy="360727"/>
           </a:xfrm>
           <a:prstGeom prst="ellipse">
@@ -4056,19 +3901,19 @@
       </p:sp>
       <p:sp>
         <p:nvSpPr>
-          <p:cNvPr id="13" name="Owal 12">
-            <a:extLst>
-              <a:ext uri="{FF2B5EF4-FFF2-40B4-BE49-F238E27FC236}">
-                <a16:creationId xmlns:a16="http://schemas.microsoft.com/office/drawing/2014/main" id="{58460A97-B22B-4B2D-A02C-08C333DFB3BA}"/>
-              </a:ext>
-            </a:extLst>
-          </p:cNvPr>
-          <p:cNvSpPr/>
-          <p:nvPr/>
-        </p:nvSpPr>
-        <p:spPr>
-          <a:xfrm>
-            <a:off x="2903987" y="1937669"/>
+          <p:cNvPr id="19" name="Owal 18">
+            <a:extLst>
+              <a:ext uri="{FF2B5EF4-FFF2-40B4-BE49-F238E27FC236}">
+                <a16:creationId xmlns:a16="http://schemas.microsoft.com/office/drawing/2014/main" id="{F177CA2B-0980-4F5C-8EE5-B300CAE4C74D}"/>
+              </a:ext>
+            </a:extLst>
+          </p:cNvPr>
+          <p:cNvSpPr/>
+          <p:nvPr/>
+        </p:nvSpPr>
+        <p:spPr>
+          <a:xfrm>
+            <a:off x="7396141" y="2306972"/>
             <a:ext cx="402671" cy="360727"/>
           </a:xfrm>
           <a:prstGeom prst="ellipse">
@@ -4101,130 +3946,26 @@
             <a:pPr algn="ctr"/>
             <a:r>
               <a:rPr lang="pl-PL"/>
-              <a:t>5</a:t>
-            </a:r>
-          </a:p>
-        </p:txBody>
-      </p:sp>
-      <p:sp>
-        <p:nvSpPr>
-          <p:cNvPr id="15" name="Prostokąt 14">
-            <a:extLst>
-              <a:ext uri="{FF2B5EF4-FFF2-40B4-BE49-F238E27FC236}">
-                <a16:creationId xmlns:a16="http://schemas.microsoft.com/office/drawing/2014/main" id="{FEE4E2BC-F7A5-4030-9F0B-357AC8DB550D}"/>
-              </a:ext>
-            </a:extLst>
-          </p:cNvPr>
-          <p:cNvSpPr/>
-          <p:nvPr/>
-        </p:nvSpPr>
-        <p:spPr>
-          <a:xfrm>
-            <a:off x="3205990" y="2034249"/>
-            <a:ext cx="6793687" cy="1992238"/>
-          </a:xfrm>
-          <a:prstGeom prst="rect">
-            <a:avLst/>
-          </a:prstGeom>
-          <a:noFill/>
-          <a:ln w="38100">
-            <a:solidFill>
-              <a:srgbClr val="C00000"/>
-            </a:solidFill>
-          </a:ln>
-        </p:spPr>
-        <p:style>
-          <a:lnRef idx="2">
-            <a:schemeClr val="accent1">
-              <a:shade val="50000"/>
-            </a:schemeClr>
-          </a:lnRef>
-          <a:fillRef idx="1">
-            <a:schemeClr val="accent1"/>
-          </a:fillRef>
-          <a:effectRef idx="0">
-            <a:schemeClr val="accent1"/>
-          </a:effectRef>
-          <a:fontRef idx="minor">
-            <a:schemeClr val="lt1"/>
-          </a:fontRef>
-        </p:style>
-        <p:txBody>
-          <a:bodyPr rtlCol="0" anchor="ctr"/>
-          <a:lstStyle/>
-          <a:p>
-            <a:pPr algn="ctr"/>
-            <a:endParaRPr lang="pl-PL"/>
-          </a:p>
-        </p:txBody>
-      </p:sp>
-      <p:sp>
-        <p:nvSpPr>
-          <p:cNvPr id="16" name="Prostokąt 15">
-            <a:extLst>
-              <a:ext uri="{FF2B5EF4-FFF2-40B4-BE49-F238E27FC236}">
-                <a16:creationId xmlns:a16="http://schemas.microsoft.com/office/drawing/2014/main" id="{4E515B4F-462C-40B4-881F-DB9110614D34}"/>
-              </a:ext>
-            </a:extLst>
-          </p:cNvPr>
-          <p:cNvSpPr/>
-          <p:nvPr/>
-        </p:nvSpPr>
-        <p:spPr>
-          <a:xfrm>
-            <a:off x="3407325" y="4026486"/>
-            <a:ext cx="6315515" cy="1400115"/>
-          </a:xfrm>
-          <a:prstGeom prst="rect">
-            <a:avLst/>
-          </a:prstGeom>
-          <a:noFill/>
-          <a:ln w="38100">
-            <a:solidFill>
-              <a:srgbClr val="C00000"/>
-            </a:solidFill>
-          </a:ln>
-        </p:spPr>
-        <p:style>
-          <a:lnRef idx="2">
-            <a:schemeClr val="accent1">
-              <a:shade val="50000"/>
-            </a:schemeClr>
-          </a:lnRef>
-          <a:fillRef idx="1">
-            <a:schemeClr val="accent1"/>
-          </a:fillRef>
-          <a:effectRef idx="0">
-            <a:schemeClr val="accent1"/>
-          </a:effectRef>
-          <a:fontRef idx="minor">
-            <a:schemeClr val="lt1"/>
-          </a:fontRef>
-        </p:style>
-        <p:txBody>
-          <a:bodyPr rtlCol="0" anchor="ctr"/>
-          <a:lstStyle/>
-          <a:p>
-            <a:pPr algn="ctr"/>
-            <a:endParaRPr lang="pl-PL"/>
-          </a:p>
-        </p:txBody>
-      </p:sp>
-      <p:sp>
-        <p:nvSpPr>
-          <p:cNvPr id="14" name="Owal 13">
-            <a:extLst>
-              <a:ext uri="{FF2B5EF4-FFF2-40B4-BE49-F238E27FC236}">
-                <a16:creationId xmlns:a16="http://schemas.microsoft.com/office/drawing/2014/main" id="{59E216A4-7A2E-46B5-90C3-8A16B46CF662}"/>
-              </a:ext>
-            </a:extLst>
-          </p:cNvPr>
-          <p:cNvSpPr/>
-          <p:nvPr/>
-        </p:nvSpPr>
-        <p:spPr>
-          <a:xfrm>
-            <a:off x="3474438" y="4052192"/>
+              <a:t>4</a:t>
+            </a:r>
+          </a:p>
+        </p:txBody>
+      </p:sp>
+      <p:sp>
+        <p:nvSpPr>
+          <p:cNvPr id="20" name="Owal 19">
+            <a:extLst>
+              <a:ext uri="{FF2B5EF4-FFF2-40B4-BE49-F238E27FC236}">
+                <a16:creationId xmlns:a16="http://schemas.microsoft.com/office/drawing/2014/main" id="{7AE23127-0424-43AA-A1F9-5A461B2F379A}"/>
+              </a:ext>
+            </a:extLst>
+          </p:cNvPr>
+          <p:cNvSpPr/>
+          <p:nvPr/>
+        </p:nvSpPr>
+        <p:spPr>
+          <a:xfrm>
+            <a:off x="1904300" y="6040772"/>
             <a:ext cx="402671" cy="360727"/>
           </a:xfrm>
           <a:prstGeom prst="ellipse">
@@ -4257,78 +3998,26 @@
             <a:pPr algn="ctr"/>
             <a:r>
               <a:rPr lang="pl-PL"/>
-              <a:t>6</a:t>
-            </a:r>
-          </a:p>
-        </p:txBody>
-      </p:sp>
-      <p:sp>
-        <p:nvSpPr>
-          <p:cNvPr id="17" name="Prostokąt 16">
-            <a:extLst>
-              <a:ext uri="{FF2B5EF4-FFF2-40B4-BE49-F238E27FC236}">
-                <a16:creationId xmlns:a16="http://schemas.microsoft.com/office/drawing/2014/main" id="{1300A9F9-1CB4-4F1F-A185-7F2165B4361C}"/>
-              </a:ext>
-            </a:extLst>
-          </p:cNvPr>
-          <p:cNvSpPr/>
-          <p:nvPr/>
-        </p:nvSpPr>
-        <p:spPr>
-          <a:xfrm>
-            <a:off x="2125208" y="1546140"/>
-            <a:ext cx="8293919" cy="4292597"/>
-          </a:xfrm>
-          <a:prstGeom prst="rect">
-            <a:avLst/>
-          </a:prstGeom>
-          <a:noFill/>
-          <a:ln w="38100">
-            <a:solidFill>
-              <a:srgbClr val="C00000"/>
-            </a:solidFill>
-          </a:ln>
-        </p:spPr>
-        <p:style>
-          <a:lnRef idx="2">
-            <a:schemeClr val="accent1">
-              <a:shade val="50000"/>
-            </a:schemeClr>
-          </a:lnRef>
-          <a:fillRef idx="1">
-            <a:schemeClr val="accent1"/>
-          </a:fillRef>
-          <a:effectRef idx="0">
-            <a:schemeClr val="accent1"/>
-          </a:effectRef>
-          <a:fontRef idx="minor">
-            <a:schemeClr val="lt1"/>
-          </a:fontRef>
-        </p:style>
-        <p:txBody>
-          <a:bodyPr rtlCol="0" anchor="ctr"/>
-          <a:lstStyle/>
-          <a:p>
-            <a:pPr algn="ctr"/>
-            <a:endParaRPr lang="pl-PL"/>
-          </a:p>
-        </p:txBody>
-      </p:sp>
-      <p:sp>
-        <p:nvSpPr>
-          <p:cNvPr id="12" name="Owal 11">
-            <a:extLst>
-              <a:ext uri="{FF2B5EF4-FFF2-40B4-BE49-F238E27FC236}">
-                <a16:creationId xmlns:a16="http://schemas.microsoft.com/office/drawing/2014/main" id="{D608EC4F-3B04-4AE3-A547-F27CEF9F2B70}"/>
-              </a:ext>
-            </a:extLst>
-          </p:cNvPr>
-          <p:cNvSpPr/>
-          <p:nvPr/>
-        </p:nvSpPr>
-        <p:spPr>
-          <a:xfrm>
-            <a:off x="2125208" y="1364892"/>
+              <a:t>7</a:t>
+            </a:r>
+          </a:p>
+        </p:txBody>
+      </p:sp>
+      <p:sp>
+        <p:nvSpPr>
+          <p:cNvPr id="21" name="Owal 20">
+            <a:extLst>
+              <a:ext uri="{FF2B5EF4-FFF2-40B4-BE49-F238E27FC236}">
+                <a16:creationId xmlns:a16="http://schemas.microsoft.com/office/drawing/2014/main" id="{300CB760-F27B-478B-8130-34770C0DF86B}"/>
+              </a:ext>
+            </a:extLst>
+          </p:cNvPr>
+          <p:cNvSpPr/>
+          <p:nvPr/>
+        </p:nvSpPr>
+        <p:spPr>
+          <a:xfrm>
+            <a:off x="2701779" y="5459747"/>
             <a:ext cx="402671" cy="360727"/>
           </a:xfrm>
           <a:prstGeom prst="ellipse">
@@ -4361,7 +4050,59 @@
             <a:pPr algn="ctr"/>
             <a:r>
               <a:rPr lang="pl-PL"/>
-              <a:t>4</a:t>
+              <a:t>5</a:t>
+            </a:r>
+          </a:p>
+        </p:txBody>
+      </p:sp>
+      <p:sp>
+        <p:nvSpPr>
+          <p:cNvPr id="22" name="Owal 21">
+            <a:extLst>
+              <a:ext uri="{FF2B5EF4-FFF2-40B4-BE49-F238E27FC236}">
+                <a16:creationId xmlns:a16="http://schemas.microsoft.com/office/drawing/2014/main" id="{4D262350-6453-478D-A555-D56124A6D1AA}"/>
+              </a:ext>
+            </a:extLst>
+          </p:cNvPr>
+          <p:cNvSpPr/>
+          <p:nvPr/>
+        </p:nvSpPr>
+        <p:spPr>
+          <a:xfrm>
+            <a:off x="7396140" y="5032520"/>
+            <a:ext cx="402671" cy="360727"/>
+          </a:xfrm>
+          <a:prstGeom prst="ellipse">
+            <a:avLst/>
+          </a:prstGeom>
+          <a:solidFill>
+            <a:srgbClr val="C00000"/>
+          </a:solidFill>
+        </p:spPr>
+        <p:style>
+          <a:lnRef idx="2">
+            <a:schemeClr val="accent2">
+              <a:shade val="50000"/>
+            </a:schemeClr>
+          </a:lnRef>
+          <a:fillRef idx="1">
+            <a:schemeClr val="accent2"/>
+          </a:fillRef>
+          <a:effectRef idx="0">
+            <a:schemeClr val="accent2"/>
+          </a:effectRef>
+          <a:fontRef idx="minor">
+            <a:schemeClr val="lt1"/>
+          </a:fontRef>
+        </p:style>
+        <p:txBody>
+          <a:bodyPr rtlCol="0" anchor="ctr"/>
+          <a:lstStyle/>
+          <a:p>
+            <a:pPr algn="ctr"/>
+            <a:r>
+              <a:rPr lang="pl-PL"/>
+              <a:t>6</a:t>
             </a:r>
           </a:p>
         </p:txBody>
@@ -4396,12 +4137,62 @@
           <a:chExt cx="0" cy="0"/>
         </a:xfrm>
       </p:grpSpPr>
+      <p:sp>
+        <p:nvSpPr>
+          <p:cNvPr id="2" name="Tytuł 1">
+            <a:extLst>
+              <a:ext uri="{FF2B5EF4-FFF2-40B4-BE49-F238E27FC236}">
+                <a16:creationId xmlns:a16="http://schemas.microsoft.com/office/drawing/2014/main" id="{14734B81-9BC2-4E79-89D4-9A40EB3FA2B8}"/>
+              </a:ext>
+            </a:extLst>
+          </p:cNvPr>
+          <p:cNvSpPr>
+            <a:spLocks noGrp="1"/>
+          </p:cNvSpPr>
+          <p:nvPr>
+            <p:ph type="title"/>
+          </p:nvPr>
+        </p:nvSpPr>
+        <p:spPr/>
+        <p:txBody>
+          <a:bodyPr/>
+          <a:lstStyle/>
+          <a:p>
+            <a:endParaRPr lang="pl-PL"/>
+          </a:p>
+        </p:txBody>
+      </p:sp>
+      <p:sp>
+        <p:nvSpPr>
+          <p:cNvPr id="3" name="Symbol zastępczy zawartości 2">
+            <a:extLst>
+              <a:ext uri="{FF2B5EF4-FFF2-40B4-BE49-F238E27FC236}">
+                <a16:creationId xmlns:a16="http://schemas.microsoft.com/office/drawing/2014/main" id="{14F506CE-9270-4969-A21E-8F2B369E8D91}"/>
+              </a:ext>
+            </a:extLst>
+          </p:cNvPr>
+          <p:cNvSpPr>
+            <a:spLocks noGrp="1"/>
+          </p:cNvSpPr>
+          <p:nvPr>
+            <p:ph idx="1"/>
+          </p:nvPr>
+        </p:nvSpPr>
+        <p:spPr/>
+        <p:txBody>
+          <a:bodyPr/>
+          <a:lstStyle/>
+          <a:p>
+            <a:endParaRPr lang="pl-PL"/>
+          </a:p>
+        </p:txBody>
+      </p:sp>
       <p:pic>
         <p:nvPicPr>
-          <p:cNvPr id="4" name="Obraz 3">
-            <a:extLst>
-              <a:ext uri="{FF2B5EF4-FFF2-40B4-BE49-F238E27FC236}">
-                <a16:creationId xmlns:a16="http://schemas.microsoft.com/office/drawing/2014/main" id="{E721BC4A-F3DE-43F2-B8F3-1F36CF1762D8}"/>
+          <p:cNvPr id="5" name="Obraz 4">
+            <a:extLst>
+              <a:ext uri="{FF2B5EF4-FFF2-40B4-BE49-F238E27FC236}">
+                <a16:creationId xmlns:a16="http://schemas.microsoft.com/office/drawing/2014/main" id="{BD116E84-042A-4496-874E-5E879D75A13F}"/>
               </a:ext>
             </a:extLst>
           </p:cNvPr>
@@ -4418,8 +4209,8 @@
         </p:blipFill>
         <p:spPr>
           <a:xfrm>
-            <a:off x="0" y="361419"/>
-            <a:ext cx="12192000" cy="6135203"/>
+            <a:off x="0" y="434874"/>
+            <a:ext cx="12192000" cy="5988251"/>
           </a:xfrm>
           <a:prstGeom prst="rect">
             <a:avLst/>
@@ -4428,175 +4219,19 @@
       </p:pic>
       <p:sp>
         <p:nvSpPr>
-          <p:cNvPr id="6" name="Prostokąt 5">
-            <a:extLst>
-              <a:ext uri="{FF2B5EF4-FFF2-40B4-BE49-F238E27FC236}">
-                <a16:creationId xmlns:a16="http://schemas.microsoft.com/office/drawing/2014/main" id="{16F0A95E-C46C-4106-8609-493577FD511F}"/>
-              </a:ext>
-            </a:extLst>
-          </p:cNvPr>
-          <p:cNvSpPr/>
-          <p:nvPr/>
-        </p:nvSpPr>
-        <p:spPr>
-          <a:xfrm>
-            <a:off x="0" y="361419"/>
-            <a:ext cx="1971413" cy="989209"/>
-          </a:xfrm>
-          <a:prstGeom prst="rect">
-            <a:avLst/>
-          </a:prstGeom>
-          <a:noFill/>
-          <a:ln w="38100">
-            <a:solidFill>
-              <a:srgbClr val="C00000"/>
-            </a:solidFill>
-          </a:ln>
-        </p:spPr>
-        <p:style>
-          <a:lnRef idx="2">
-            <a:schemeClr val="accent1">
-              <a:shade val="50000"/>
-            </a:schemeClr>
-          </a:lnRef>
-          <a:fillRef idx="1">
-            <a:schemeClr val="accent1"/>
-          </a:fillRef>
-          <a:effectRef idx="0">
-            <a:schemeClr val="accent1"/>
-          </a:effectRef>
-          <a:fontRef idx="minor">
-            <a:schemeClr val="lt1"/>
-          </a:fontRef>
-        </p:style>
-        <p:txBody>
-          <a:bodyPr rtlCol="0" anchor="ctr"/>
-          <a:lstStyle/>
-          <a:p>
-            <a:pPr algn="ctr"/>
-            <a:endParaRPr lang="pl-PL"/>
-          </a:p>
-        </p:txBody>
-      </p:sp>
-      <p:sp>
-        <p:nvSpPr>
-          <p:cNvPr id="7" name="Prostokąt 6">
-            <a:extLst>
-              <a:ext uri="{FF2B5EF4-FFF2-40B4-BE49-F238E27FC236}">
-                <a16:creationId xmlns:a16="http://schemas.microsoft.com/office/drawing/2014/main" id="{D024C788-6B8C-4925-A384-D8953E6A7AED}"/>
-              </a:ext>
-            </a:extLst>
-          </p:cNvPr>
-          <p:cNvSpPr/>
-          <p:nvPr/>
-        </p:nvSpPr>
-        <p:spPr>
-          <a:xfrm>
-            <a:off x="0" y="361419"/>
-            <a:ext cx="12192000" cy="6135161"/>
-          </a:xfrm>
-          <a:prstGeom prst="rect">
-            <a:avLst/>
-          </a:prstGeom>
-          <a:noFill/>
-          <a:ln w="38100">
-            <a:solidFill>
-              <a:srgbClr val="C00000"/>
-            </a:solidFill>
-          </a:ln>
-        </p:spPr>
-        <p:style>
-          <a:lnRef idx="2">
-            <a:schemeClr val="accent1">
-              <a:shade val="50000"/>
-            </a:schemeClr>
-          </a:lnRef>
-          <a:fillRef idx="1">
-            <a:schemeClr val="accent1"/>
-          </a:fillRef>
-          <a:effectRef idx="0">
-            <a:schemeClr val="accent1"/>
-          </a:effectRef>
-          <a:fontRef idx="minor">
-            <a:schemeClr val="lt1"/>
-          </a:fontRef>
-        </p:style>
-        <p:txBody>
-          <a:bodyPr rtlCol="0" anchor="ctr"/>
-          <a:lstStyle/>
-          <a:p>
-            <a:pPr algn="ctr"/>
-            <a:endParaRPr lang="pl-PL"/>
-          </a:p>
-        </p:txBody>
-      </p:sp>
-      <p:sp>
-        <p:nvSpPr>
-          <p:cNvPr id="8" name="Prostokąt 7">
-            <a:extLst>
-              <a:ext uri="{FF2B5EF4-FFF2-40B4-BE49-F238E27FC236}">
-                <a16:creationId xmlns:a16="http://schemas.microsoft.com/office/drawing/2014/main" id="{16FB46F9-F620-4AD8-A26F-EA222D2A29FD}"/>
-              </a:ext>
-            </a:extLst>
-          </p:cNvPr>
-          <p:cNvSpPr/>
-          <p:nvPr/>
-        </p:nvSpPr>
-        <p:spPr>
-          <a:xfrm>
-            <a:off x="-1" y="362818"/>
-            <a:ext cx="1971413" cy="6133762"/>
-          </a:xfrm>
-          <a:prstGeom prst="rect">
-            <a:avLst/>
-          </a:prstGeom>
-          <a:noFill/>
-          <a:ln w="38100">
-            <a:solidFill>
-              <a:srgbClr val="C00000"/>
-            </a:solidFill>
-          </a:ln>
-        </p:spPr>
-        <p:style>
-          <a:lnRef idx="2">
-            <a:schemeClr val="accent1">
-              <a:shade val="50000"/>
-            </a:schemeClr>
-          </a:lnRef>
-          <a:fillRef idx="1">
-            <a:schemeClr val="accent1"/>
-          </a:fillRef>
-          <a:effectRef idx="0">
-            <a:schemeClr val="accent1"/>
-          </a:effectRef>
-          <a:fontRef idx="minor">
-            <a:schemeClr val="lt1"/>
-          </a:fontRef>
-        </p:style>
-        <p:txBody>
-          <a:bodyPr rtlCol="0" anchor="ctr"/>
-          <a:lstStyle/>
-          <a:p>
-            <a:pPr algn="ctr"/>
-            <a:endParaRPr lang="pl-PL"/>
-          </a:p>
-        </p:txBody>
-      </p:sp>
-      <p:sp>
-        <p:nvSpPr>
-          <p:cNvPr id="9" name="Owal 8">
-            <a:extLst>
-              <a:ext uri="{FF2B5EF4-FFF2-40B4-BE49-F238E27FC236}">
-                <a16:creationId xmlns:a16="http://schemas.microsoft.com/office/drawing/2014/main" id="{BE4091C0-D10F-4949-B109-0A4051D674E0}"/>
-              </a:ext>
-            </a:extLst>
-          </p:cNvPr>
-          <p:cNvSpPr/>
-          <p:nvPr/>
-        </p:nvSpPr>
-        <p:spPr>
-          <a:xfrm>
-            <a:off x="1300294" y="545284"/>
+          <p:cNvPr id="6" name="Owal 5">
+            <a:extLst>
+              <a:ext uri="{FF2B5EF4-FFF2-40B4-BE49-F238E27FC236}">
+                <a16:creationId xmlns:a16="http://schemas.microsoft.com/office/drawing/2014/main" id="{A275390A-283D-4763-BAF9-540BD9C1A136}"/>
+              </a:ext>
+            </a:extLst>
+          </p:cNvPr>
+          <p:cNvSpPr/>
+          <p:nvPr/>
+        </p:nvSpPr>
+        <p:spPr>
+          <a:xfrm>
+            <a:off x="3510094" y="2993209"/>
             <a:ext cx="402671" cy="360727"/>
           </a:xfrm>
           <a:prstGeom prst="ellipse">
@@ -4636,19 +4271,19 @@
       </p:sp>
       <p:sp>
         <p:nvSpPr>
-          <p:cNvPr id="10" name="Owal 9">
-            <a:extLst>
-              <a:ext uri="{FF2B5EF4-FFF2-40B4-BE49-F238E27FC236}">
-                <a16:creationId xmlns:a16="http://schemas.microsoft.com/office/drawing/2014/main" id="{D8DEDFBA-0286-48C5-AD73-5E1C21954FC6}"/>
-              </a:ext>
-            </a:extLst>
-          </p:cNvPr>
-          <p:cNvSpPr/>
-          <p:nvPr/>
-        </p:nvSpPr>
-        <p:spPr>
-          <a:xfrm>
-            <a:off x="1501629" y="1392573"/>
+          <p:cNvPr id="7" name="Owal 6">
+            <a:extLst>
+              <a:ext uri="{FF2B5EF4-FFF2-40B4-BE49-F238E27FC236}">
+                <a16:creationId xmlns:a16="http://schemas.microsoft.com/office/drawing/2014/main" id="{4FC0E834-749C-4702-82F7-9EEBC04C7988}"/>
+              </a:ext>
+            </a:extLst>
+          </p:cNvPr>
+          <p:cNvSpPr/>
+          <p:nvPr/>
+        </p:nvSpPr>
+        <p:spPr>
+          <a:xfrm>
+            <a:off x="7101019" y="2993208"/>
             <a:ext cx="402671" cy="360727"/>
           </a:xfrm>
           <a:prstGeom prst="ellipse">
@@ -4688,19 +4323,19 @@
       </p:sp>
       <p:sp>
         <p:nvSpPr>
-          <p:cNvPr id="11" name="Owal 10">
-            <a:extLst>
-              <a:ext uri="{FF2B5EF4-FFF2-40B4-BE49-F238E27FC236}">
-                <a16:creationId xmlns:a16="http://schemas.microsoft.com/office/drawing/2014/main" id="{0E7B7507-53E9-4688-94E1-ED40EF460D70}"/>
-              </a:ext>
-            </a:extLst>
-          </p:cNvPr>
-          <p:cNvSpPr/>
-          <p:nvPr/>
-        </p:nvSpPr>
-        <p:spPr>
-          <a:xfrm>
-            <a:off x="2063690" y="675659"/>
+          <p:cNvPr id="8" name="Owal 7">
+            <a:extLst>
+              <a:ext uri="{FF2B5EF4-FFF2-40B4-BE49-F238E27FC236}">
+                <a16:creationId xmlns:a16="http://schemas.microsoft.com/office/drawing/2014/main" id="{EB431EEB-AB1E-43B8-BF2B-2A15401BD88F}"/>
+              </a:ext>
+            </a:extLst>
+          </p:cNvPr>
+          <p:cNvSpPr/>
+          <p:nvPr/>
+        </p:nvSpPr>
+        <p:spPr>
+          <a:xfrm>
+            <a:off x="2786194" y="4526733"/>
             <a:ext cx="402671" cy="360727"/>
           </a:xfrm>
           <a:prstGeom prst="ellipse">
@@ -4738,478 +4373,10 @@
           </a:p>
         </p:txBody>
       </p:sp>
-      <p:sp>
-        <p:nvSpPr>
-          <p:cNvPr id="12" name="Owal 11">
-            <a:extLst>
-              <a:ext uri="{FF2B5EF4-FFF2-40B4-BE49-F238E27FC236}">
-                <a16:creationId xmlns:a16="http://schemas.microsoft.com/office/drawing/2014/main" id="{9279B823-E10D-4FA5-A8B5-8E156EC9D0C5}"/>
-              </a:ext>
-            </a:extLst>
-          </p:cNvPr>
-          <p:cNvSpPr/>
-          <p:nvPr/>
-        </p:nvSpPr>
-        <p:spPr>
-          <a:xfrm>
-            <a:off x="4452454" y="775280"/>
-            <a:ext cx="402671" cy="360727"/>
-          </a:xfrm>
-          <a:prstGeom prst="ellipse">
-            <a:avLst/>
-          </a:prstGeom>
-          <a:solidFill>
-            <a:srgbClr val="C00000"/>
-          </a:solidFill>
-        </p:spPr>
-        <p:style>
-          <a:lnRef idx="2">
-            <a:schemeClr val="accent2">
-              <a:shade val="50000"/>
-            </a:schemeClr>
-          </a:lnRef>
-          <a:fillRef idx="1">
-            <a:schemeClr val="accent2"/>
-          </a:fillRef>
-          <a:effectRef idx="0">
-            <a:schemeClr val="accent2"/>
-          </a:effectRef>
-          <a:fontRef idx="minor">
-            <a:schemeClr val="lt1"/>
-          </a:fontRef>
-        </p:style>
-        <p:txBody>
-          <a:bodyPr rtlCol="0" anchor="ctr"/>
-          <a:lstStyle/>
-          <a:p>
-            <a:pPr algn="ctr"/>
-            <a:r>
-              <a:rPr lang="pl-PL"/>
-              <a:t>4</a:t>
-            </a:r>
-          </a:p>
-        </p:txBody>
-      </p:sp>
-      <p:sp>
-        <p:nvSpPr>
-          <p:cNvPr id="13" name="Prostokąt 12">
-            <a:extLst>
-              <a:ext uri="{FF2B5EF4-FFF2-40B4-BE49-F238E27FC236}">
-                <a16:creationId xmlns:a16="http://schemas.microsoft.com/office/drawing/2014/main" id="{99AD6B7C-45DA-4658-A1B9-D8315DE4CDCE}"/>
-              </a:ext>
-            </a:extLst>
-          </p:cNvPr>
-          <p:cNvSpPr/>
-          <p:nvPr/>
-        </p:nvSpPr>
-        <p:spPr>
-          <a:xfrm>
-            <a:off x="-1" y="361419"/>
-            <a:ext cx="12192001" cy="3648519"/>
-          </a:xfrm>
-          <a:prstGeom prst="rect">
-            <a:avLst/>
-          </a:prstGeom>
-          <a:noFill/>
-          <a:ln w="38100">
-            <a:solidFill>
-              <a:srgbClr val="C00000"/>
-            </a:solidFill>
-          </a:ln>
-        </p:spPr>
-        <p:style>
-          <a:lnRef idx="2">
-            <a:schemeClr val="accent1">
-              <a:shade val="50000"/>
-            </a:schemeClr>
-          </a:lnRef>
-          <a:fillRef idx="1">
-            <a:schemeClr val="accent1"/>
-          </a:fillRef>
-          <a:effectRef idx="0">
-            <a:schemeClr val="accent1"/>
-          </a:effectRef>
-          <a:fontRef idx="minor">
-            <a:schemeClr val="lt1"/>
-          </a:fontRef>
-        </p:style>
-        <p:txBody>
-          <a:bodyPr rtlCol="0" anchor="ctr"/>
-          <a:lstStyle/>
-          <a:p>
-            <a:pPr algn="ctr"/>
-            <a:endParaRPr lang="pl-PL"/>
-          </a:p>
-        </p:txBody>
-      </p:sp>
-      <p:sp>
-        <p:nvSpPr>
-          <p:cNvPr id="16" name="Owal 15">
-            <a:extLst>
-              <a:ext uri="{FF2B5EF4-FFF2-40B4-BE49-F238E27FC236}">
-                <a16:creationId xmlns:a16="http://schemas.microsoft.com/office/drawing/2014/main" id="{078ED556-A047-4BF7-B661-A597A30A1199}"/>
-              </a:ext>
-            </a:extLst>
-          </p:cNvPr>
-          <p:cNvSpPr/>
-          <p:nvPr/>
-        </p:nvSpPr>
-        <p:spPr>
-          <a:xfrm>
-            <a:off x="10322650" y="545284"/>
-            <a:ext cx="402671" cy="360727"/>
-          </a:xfrm>
-          <a:prstGeom prst="ellipse">
-            <a:avLst/>
-          </a:prstGeom>
-          <a:solidFill>
-            <a:srgbClr val="C00000"/>
-          </a:solidFill>
-        </p:spPr>
-        <p:style>
-          <a:lnRef idx="2">
-            <a:schemeClr val="accent2">
-              <a:shade val="50000"/>
-            </a:schemeClr>
-          </a:lnRef>
-          <a:fillRef idx="1">
-            <a:schemeClr val="accent2"/>
-          </a:fillRef>
-          <a:effectRef idx="0">
-            <a:schemeClr val="accent2"/>
-          </a:effectRef>
-          <a:fontRef idx="minor">
-            <a:schemeClr val="lt1"/>
-          </a:fontRef>
-        </p:style>
-        <p:txBody>
-          <a:bodyPr rtlCol="0" anchor="ctr"/>
-          <a:lstStyle/>
-          <a:p>
-            <a:pPr algn="ctr"/>
-            <a:r>
-              <a:rPr lang="pl-PL"/>
-              <a:t>7</a:t>
-            </a:r>
-          </a:p>
-        </p:txBody>
-      </p:sp>
-      <p:sp>
-        <p:nvSpPr>
-          <p:cNvPr id="17" name="Prostokąt 16">
-            <a:extLst>
-              <a:ext uri="{FF2B5EF4-FFF2-40B4-BE49-F238E27FC236}">
-                <a16:creationId xmlns:a16="http://schemas.microsoft.com/office/drawing/2014/main" id="{2A4BAB5F-3595-49F8-8E5A-4CCA66695EFD}"/>
-              </a:ext>
-            </a:extLst>
-          </p:cNvPr>
-          <p:cNvSpPr/>
-          <p:nvPr/>
-        </p:nvSpPr>
-        <p:spPr>
-          <a:xfrm>
-            <a:off x="4676859" y="1078331"/>
-            <a:ext cx="4601365" cy="360727"/>
-          </a:xfrm>
-          <a:prstGeom prst="rect">
-            <a:avLst/>
-          </a:prstGeom>
-          <a:noFill/>
-          <a:ln w="38100">
-            <a:solidFill>
-              <a:srgbClr val="C00000"/>
-            </a:solidFill>
-          </a:ln>
-        </p:spPr>
-        <p:style>
-          <a:lnRef idx="2">
-            <a:schemeClr val="accent1">
-              <a:shade val="50000"/>
-            </a:schemeClr>
-          </a:lnRef>
-          <a:fillRef idx="1">
-            <a:schemeClr val="accent1"/>
-          </a:fillRef>
-          <a:effectRef idx="0">
-            <a:schemeClr val="accent1"/>
-          </a:effectRef>
-          <a:fontRef idx="minor">
-            <a:schemeClr val="lt1"/>
-          </a:fontRef>
-        </p:style>
-        <p:txBody>
-          <a:bodyPr rtlCol="0" anchor="ctr"/>
-          <a:lstStyle/>
-          <a:p>
-            <a:pPr algn="ctr"/>
-            <a:endParaRPr lang="pl-PL"/>
-          </a:p>
-        </p:txBody>
-      </p:sp>
-      <p:sp>
-        <p:nvSpPr>
-          <p:cNvPr id="18" name="Prostokąt 17">
-            <a:extLst>
-              <a:ext uri="{FF2B5EF4-FFF2-40B4-BE49-F238E27FC236}">
-                <a16:creationId xmlns:a16="http://schemas.microsoft.com/office/drawing/2014/main" id="{ADE7A393-36FF-49CA-8216-F560AF991C23}"/>
-              </a:ext>
-            </a:extLst>
-          </p:cNvPr>
-          <p:cNvSpPr/>
-          <p:nvPr/>
-        </p:nvSpPr>
-        <p:spPr>
-          <a:xfrm>
-            <a:off x="4676859" y="1875987"/>
-            <a:ext cx="4601365" cy="959492"/>
-          </a:xfrm>
-          <a:prstGeom prst="rect">
-            <a:avLst/>
-          </a:prstGeom>
-          <a:noFill/>
-          <a:ln w="38100">
-            <a:solidFill>
-              <a:srgbClr val="C00000"/>
-            </a:solidFill>
-          </a:ln>
-        </p:spPr>
-        <p:style>
-          <a:lnRef idx="2">
-            <a:schemeClr val="accent1">
-              <a:shade val="50000"/>
-            </a:schemeClr>
-          </a:lnRef>
-          <a:fillRef idx="1">
-            <a:schemeClr val="accent1"/>
-          </a:fillRef>
-          <a:effectRef idx="0">
-            <a:schemeClr val="accent1"/>
-          </a:effectRef>
-          <a:fontRef idx="minor">
-            <a:schemeClr val="lt1"/>
-          </a:fontRef>
-        </p:style>
-        <p:txBody>
-          <a:bodyPr rtlCol="0" anchor="ctr"/>
-          <a:lstStyle/>
-          <a:p>
-            <a:pPr algn="ctr"/>
-            <a:endParaRPr lang="pl-PL"/>
-          </a:p>
-        </p:txBody>
-      </p:sp>
-      <p:sp>
-        <p:nvSpPr>
-          <p:cNvPr id="19" name="Prostokąt 18">
-            <a:extLst>
-              <a:ext uri="{FF2B5EF4-FFF2-40B4-BE49-F238E27FC236}">
-                <a16:creationId xmlns:a16="http://schemas.microsoft.com/office/drawing/2014/main" id="{2553C09D-F4F4-4344-850D-1126FADC38C0}"/>
-              </a:ext>
-            </a:extLst>
-          </p:cNvPr>
-          <p:cNvSpPr/>
-          <p:nvPr/>
-        </p:nvSpPr>
-        <p:spPr>
-          <a:xfrm>
-            <a:off x="4676859" y="2958166"/>
-            <a:ext cx="1419141" cy="360727"/>
-          </a:xfrm>
-          <a:prstGeom prst="rect">
-            <a:avLst/>
-          </a:prstGeom>
-          <a:noFill/>
-          <a:ln w="38100">
-            <a:solidFill>
-              <a:srgbClr val="C00000"/>
-            </a:solidFill>
-          </a:ln>
-        </p:spPr>
-        <p:style>
-          <a:lnRef idx="2">
-            <a:schemeClr val="accent1">
-              <a:shade val="50000"/>
-            </a:schemeClr>
-          </a:lnRef>
-          <a:fillRef idx="1">
-            <a:schemeClr val="accent1"/>
-          </a:fillRef>
-          <a:effectRef idx="0">
-            <a:schemeClr val="accent1"/>
-          </a:effectRef>
-          <a:fontRef idx="minor">
-            <a:schemeClr val="lt1"/>
-          </a:fontRef>
-        </p:style>
-        <p:txBody>
-          <a:bodyPr rtlCol="0" anchor="ctr"/>
-          <a:lstStyle/>
-          <a:p>
-            <a:pPr algn="ctr"/>
-            <a:endParaRPr lang="pl-PL"/>
-          </a:p>
-        </p:txBody>
-      </p:sp>
-      <p:sp>
-        <p:nvSpPr>
-          <p:cNvPr id="14" name="Owal 13">
-            <a:extLst>
-              <a:ext uri="{FF2B5EF4-FFF2-40B4-BE49-F238E27FC236}">
-                <a16:creationId xmlns:a16="http://schemas.microsoft.com/office/drawing/2014/main" id="{C0659EC7-B116-4D0B-B473-A76E24D0CA69}"/>
-              </a:ext>
-            </a:extLst>
-          </p:cNvPr>
-          <p:cNvSpPr/>
-          <p:nvPr/>
-        </p:nvSpPr>
-        <p:spPr>
-          <a:xfrm>
-            <a:off x="4462942" y="1580969"/>
-            <a:ext cx="402671" cy="360727"/>
-          </a:xfrm>
-          <a:prstGeom prst="ellipse">
-            <a:avLst/>
-          </a:prstGeom>
-          <a:solidFill>
-            <a:srgbClr val="C00000"/>
-          </a:solidFill>
-        </p:spPr>
-        <p:style>
-          <a:lnRef idx="2">
-            <a:schemeClr val="accent2">
-              <a:shade val="50000"/>
-            </a:schemeClr>
-          </a:lnRef>
-          <a:fillRef idx="1">
-            <a:schemeClr val="accent2"/>
-          </a:fillRef>
-          <a:effectRef idx="0">
-            <a:schemeClr val="accent2"/>
-          </a:effectRef>
-          <a:fontRef idx="minor">
-            <a:schemeClr val="lt1"/>
-          </a:fontRef>
-        </p:style>
-        <p:txBody>
-          <a:bodyPr rtlCol="0" anchor="ctr"/>
-          <a:lstStyle/>
-          <a:p>
-            <a:pPr algn="ctr"/>
-            <a:r>
-              <a:rPr lang="pl-PL"/>
-              <a:t>5</a:t>
-            </a:r>
-          </a:p>
-        </p:txBody>
-      </p:sp>
-      <p:sp>
-        <p:nvSpPr>
-          <p:cNvPr id="15" name="Owal 14">
-            <a:extLst>
-              <a:ext uri="{FF2B5EF4-FFF2-40B4-BE49-F238E27FC236}">
-                <a16:creationId xmlns:a16="http://schemas.microsoft.com/office/drawing/2014/main" id="{C985A0CB-847D-4F1F-9BE6-D39F83926123}"/>
-              </a:ext>
-            </a:extLst>
-          </p:cNvPr>
-          <p:cNvSpPr/>
-          <p:nvPr/>
-        </p:nvSpPr>
-        <p:spPr>
-          <a:xfrm>
-            <a:off x="4452453" y="2716459"/>
-            <a:ext cx="402671" cy="360727"/>
-          </a:xfrm>
-          <a:prstGeom prst="ellipse">
-            <a:avLst/>
-          </a:prstGeom>
-          <a:solidFill>
-            <a:srgbClr val="C00000"/>
-          </a:solidFill>
-        </p:spPr>
-        <p:style>
-          <a:lnRef idx="2">
-            <a:schemeClr val="accent2">
-              <a:shade val="50000"/>
-            </a:schemeClr>
-          </a:lnRef>
-          <a:fillRef idx="1">
-            <a:schemeClr val="accent2"/>
-          </a:fillRef>
-          <a:effectRef idx="0">
-            <a:schemeClr val="accent2"/>
-          </a:effectRef>
-          <a:fontRef idx="minor">
-            <a:schemeClr val="lt1"/>
-          </a:fontRef>
-        </p:style>
-        <p:txBody>
-          <a:bodyPr rtlCol="0" anchor="ctr"/>
-          <a:lstStyle/>
-          <a:p>
-            <a:pPr algn="ctr"/>
-            <a:r>
-              <a:rPr lang="pl-PL"/>
-              <a:t>6</a:t>
-            </a:r>
-          </a:p>
-        </p:txBody>
-      </p:sp>
-      <p:sp>
-        <p:nvSpPr>
-          <p:cNvPr id="20" name="Prostokąt 19">
-            <a:extLst>
-              <a:ext uri="{FF2B5EF4-FFF2-40B4-BE49-F238E27FC236}">
-                <a16:creationId xmlns:a16="http://schemas.microsoft.com/office/drawing/2014/main" id="{870EA9D1-DAB9-4FD9-A588-562015EC9DD8}"/>
-              </a:ext>
-            </a:extLst>
-          </p:cNvPr>
-          <p:cNvSpPr/>
-          <p:nvPr/>
-        </p:nvSpPr>
-        <p:spPr>
-          <a:xfrm>
-            <a:off x="10577119" y="752379"/>
-            <a:ext cx="1360412" cy="959492"/>
-          </a:xfrm>
-          <a:prstGeom prst="rect">
-            <a:avLst/>
-          </a:prstGeom>
-          <a:noFill/>
-          <a:ln w="38100">
-            <a:solidFill>
-              <a:srgbClr val="C00000"/>
-            </a:solidFill>
-          </a:ln>
-        </p:spPr>
-        <p:style>
-          <a:lnRef idx="2">
-            <a:schemeClr val="accent1">
-              <a:shade val="50000"/>
-            </a:schemeClr>
-          </a:lnRef>
-          <a:fillRef idx="1">
-            <a:schemeClr val="accent1"/>
-          </a:fillRef>
-          <a:effectRef idx="0">
-            <a:schemeClr val="accent1"/>
-          </a:effectRef>
-          <a:fontRef idx="minor">
-            <a:schemeClr val="lt1"/>
-          </a:fontRef>
-        </p:style>
-        <p:txBody>
-          <a:bodyPr rtlCol="0" anchor="ctr"/>
-          <a:lstStyle/>
-          <a:p>
-            <a:pPr algn="ctr"/>
-            <a:endParaRPr lang="pl-PL"/>
-          </a:p>
-        </p:txBody>
-      </p:sp>
     </p:spTree>
     <p:extLst>
       <p:ext uri="{BB962C8B-B14F-4D97-AF65-F5344CB8AC3E}">
-        <p14:creationId xmlns:p14="http://schemas.microsoft.com/office/powerpoint/2010/main" val="2296116465"/>
+        <p14:creationId xmlns:p14="http://schemas.microsoft.com/office/powerpoint/2010/main" val="2187075163"/>
       </p:ext>
     </p:extLst>
   </p:cSld>
@@ -5241,7 +4408,7 @@
           <p:cNvPr id="4" name="Obraz 3">
             <a:extLst>
               <a:ext uri="{FF2B5EF4-FFF2-40B4-BE49-F238E27FC236}">
-                <a16:creationId xmlns:a16="http://schemas.microsoft.com/office/drawing/2014/main" id="{9602C24C-0399-4FFA-B129-231704E96FB7}"/>
+                <a16:creationId xmlns:a16="http://schemas.microsoft.com/office/drawing/2014/main" id="{E721BC4A-F3DE-43F2-B8F3-1F36CF1762D8}"/>
               </a:ext>
             </a:extLst>
           </p:cNvPr>
@@ -5258,8 +4425,8 @@
         </p:blipFill>
         <p:spPr>
           <a:xfrm>
-            <a:off x="0" y="410401"/>
-            <a:ext cx="12192000" cy="6037196"/>
+            <a:off x="0" y="361419"/>
+            <a:ext cx="12192000" cy="6135203"/>
           </a:xfrm>
           <a:prstGeom prst="rect">
             <a:avLst/>
@@ -5280,8 +4447,8 @@
         </p:nvSpPr>
         <p:spPr>
           <a:xfrm>
-            <a:off x="0" y="410401"/>
-            <a:ext cx="1971413" cy="982172"/>
+            <a:off x="0" y="361419"/>
+            <a:ext cx="1971413" cy="989209"/>
           </a:xfrm>
           <a:prstGeom prst="rect">
             <a:avLst/>
@@ -5332,8 +4499,8 @@
         </p:nvSpPr>
         <p:spPr>
           <a:xfrm>
-            <a:off x="0" y="410401"/>
-            <a:ext cx="12192000" cy="6037195"/>
+            <a:off x="0" y="361419"/>
+            <a:ext cx="12192000" cy="6135161"/>
           </a:xfrm>
           <a:prstGeom prst="rect">
             <a:avLst/>
@@ -5384,8 +4551,8 @@
         </p:nvSpPr>
         <p:spPr>
           <a:xfrm>
-            <a:off x="-1" y="410400"/>
-            <a:ext cx="1971413" cy="6037196"/>
+            <a:off x="-1" y="362818"/>
+            <a:ext cx="1971413" cy="6133762"/>
           </a:xfrm>
           <a:prstGeom prst="rect">
             <a:avLst/>
@@ -5580,20 +4747,72 @@
       </p:sp>
       <p:sp>
         <p:nvSpPr>
+          <p:cNvPr id="12" name="Owal 11">
+            <a:extLst>
+              <a:ext uri="{FF2B5EF4-FFF2-40B4-BE49-F238E27FC236}">
+                <a16:creationId xmlns:a16="http://schemas.microsoft.com/office/drawing/2014/main" id="{9279B823-E10D-4FA5-A8B5-8E156EC9D0C5}"/>
+              </a:ext>
+            </a:extLst>
+          </p:cNvPr>
+          <p:cNvSpPr/>
+          <p:nvPr/>
+        </p:nvSpPr>
+        <p:spPr>
+          <a:xfrm>
+            <a:off x="4452454" y="775280"/>
+            <a:ext cx="402671" cy="360727"/>
+          </a:xfrm>
+          <a:prstGeom prst="ellipse">
+            <a:avLst/>
+          </a:prstGeom>
+          <a:solidFill>
+            <a:srgbClr val="C00000"/>
+          </a:solidFill>
+        </p:spPr>
+        <p:style>
+          <a:lnRef idx="2">
+            <a:schemeClr val="accent2">
+              <a:shade val="50000"/>
+            </a:schemeClr>
+          </a:lnRef>
+          <a:fillRef idx="1">
+            <a:schemeClr val="accent2"/>
+          </a:fillRef>
+          <a:effectRef idx="0">
+            <a:schemeClr val="accent2"/>
+          </a:effectRef>
+          <a:fontRef idx="minor">
+            <a:schemeClr val="lt1"/>
+          </a:fontRef>
+        </p:style>
+        <p:txBody>
+          <a:bodyPr rtlCol="0" anchor="ctr"/>
+          <a:lstStyle/>
+          <a:p>
+            <a:pPr algn="ctr"/>
+            <a:r>
+              <a:rPr lang="pl-PL"/>
+              <a:t>4</a:t>
+            </a:r>
+          </a:p>
+        </p:txBody>
+      </p:sp>
+      <p:sp>
+        <p:nvSpPr>
           <p:cNvPr id="13" name="Prostokąt 12">
             <a:extLst>
               <a:ext uri="{FF2B5EF4-FFF2-40B4-BE49-F238E27FC236}">
-                <a16:creationId xmlns:a16="http://schemas.microsoft.com/office/drawing/2014/main" id="{8C8A9D5A-E849-4005-A1B5-7AD6400AAC6A}"/>
-              </a:ext>
-            </a:extLst>
-          </p:cNvPr>
-          <p:cNvSpPr/>
-          <p:nvPr/>
-        </p:nvSpPr>
-        <p:spPr>
-          <a:xfrm>
-            <a:off x="1971412" y="1695252"/>
-            <a:ext cx="10220588" cy="3329754"/>
+                <a16:creationId xmlns:a16="http://schemas.microsoft.com/office/drawing/2014/main" id="{99AD6B7C-45DA-4658-A1B9-D8315DE4CDCE}"/>
+              </a:ext>
+            </a:extLst>
+          </p:cNvPr>
+          <p:cNvSpPr/>
+          <p:nvPr/>
+        </p:nvSpPr>
+        <p:spPr>
+          <a:xfrm>
+            <a:off x="-1" y="361419"/>
+            <a:ext cx="12192001" cy="3648519"/>
           </a:xfrm>
           <a:prstGeom prst="rect">
             <a:avLst/>
@@ -5632,19 +4851,19 @@
       </p:sp>
       <p:sp>
         <p:nvSpPr>
-          <p:cNvPr id="12" name="Owal 11">
-            <a:extLst>
-              <a:ext uri="{FF2B5EF4-FFF2-40B4-BE49-F238E27FC236}">
-                <a16:creationId xmlns:a16="http://schemas.microsoft.com/office/drawing/2014/main" id="{9279B823-E10D-4FA5-A8B5-8E156EC9D0C5}"/>
-              </a:ext>
-            </a:extLst>
-          </p:cNvPr>
-          <p:cNvSpPr/>
-          <p:nvPr/>
-        </p:nvSpPr>
-        <p:spPr>
-          <a:xfrm>
-            <a:off x="2063689" y="1572936"/>
+          <p:cNvPr id="16" name="Owal 15">
+            <a:extLst>
+              <a:ext uri="{FF2B5EF4-FFF2-40B4-BE49-F238E27FC236}">
+                <a16:creationId xmlns:a16="http://schemas.microsoft.com/office/drawing/2014/main" id="{078ED556-A047-4BF7-B661-A597A30A1199}"/>
+              </a:ext>
+            </a:extLst>
+          </p:cNvPr>
+          <p:cNvSpPr/>
+          <p:nvPr/>
+        </p:nvSpPr>
+        <p:spPr>
+          <a:xfrm>
+            <a:off x="10322650" y="545284"/>
             <a:ext cx="402671" cy="360727"/>
           </a:xfrm>
           <a:prstGeom prst="ellipse">
@@ -5677,79 +4896,27 @@
             <a:pPr algn="ctr"/>
             <a:r>
               <a:rPr lang="pl-PL"/>
-              <a:t>4</a:t>
-            </a:r>
-          </a:p>
-        </p:txBody>
-      </p:sp>
-      <p:sp>
-        <p:nvSpPr>
-          <p:cNvPr id="17" name="Owal 16">
-            <a:extLst>
-              <a:ext uri="{FF2B5EF4-FFF2-40B4-BE49-F238E27FC236}">
-                <a16:creationId xmlns:a16="http://schemas.microsoft.com/office/drawing/2014/main" id="{7BC7A504-F030-4A25-A409-171C855F808A}"/>
-              </a:ext>
-            </a:extLst>
-          </p:cNvPr>
-          <p:cNvSpPr/>
-          <p:nvPr/>
-        </p:nvSpPr>
-        <p:spPr>
-          <a:xfrm>
-            <a:off x="4722292" y="3404719"/>
-            <a:ext cx="402671" cy="360727"/>
-          </a:xfrm>
-          <a:prstGeom prst="ellipse">
-            <a:avLst/>
-          </a:prstGeom>
-          <a:solidFill>
-            <a:srgbClr val="C00000"/>
-          </a:solidFill>
-        </p:spPr>
-        <p:style>
-          <a:lnRef idx="2">
-            <a:schemeClr val="accent2">
-              <a:shade val="50000"/>
-            </a:schemeClr>
-          </a:lnRef>
-          <a:fillRef idx="1">
-            <a:schemeClr val="accent2"/>
-          </a:fillRef>
-          <a:effectRef idx="0">
-            <a:schemeClr val="accent2"/>
-          </a:effectRef>
-          <a:fontRef idx="minor">
-            <a:schemeClr val="lt1"/>
-          </a:fontRef>
-        </p:style>
-        <p:txBody>
-          <a:bodyPr rtlCol="0" anchor="ctr"/>
-          <a:lstStyle/>
-          <a:p>
-            <a:pPr algn="ctr"/>
-            <a:r>
-              <a:rPr lang="pl-PL"/>
-              <a:t>8</a:t>
-            </a:r>
-          </a:p>
-        </p:txBody>
-      </p:sp>
-      <p:sp>
-        <p:nvSpPr>
-          <p:cNvPr id="18" name="Prostokąt 17">
-            <a:extLst>
-              <a:ext uri="{FF2B5EF4-FFF2-40B4-BE49-F238E27FC236}">
-                <a16:creationId xmlns:a16="http://schemas.microsoft.com/office/drawing/2014/main" id="{217D489F-2488-4A18-AEF4-65B32E242F84}"/>
-              </a:ext>
-            </a:extLst>
-          </p:cNvPr>
-          <p:cNvSpPr/>
-          <p:nvPr/>
-        </p:nvSpPr>
-        <p:spPr>
-          <a:xfrm>
-            <a:off x="5018009" y="2096258"/>
-            <a:ext cx="3521984" cy="360727"/>
+              <a:t>7</a:t>
+            </a:r>
+          </a:p>
+        </p:txBody>
+      </p:sp>
+      <p:sp>
+        <p:nvSpPr>
+          <p:cNvPr id="17" name="Prostokąt 16">
+            <a:extLst>
+              <a:ext uri="{FF2B5EF4-FFF2-40B4-BE49-F238E27FC236}">
+                <a16:creationId xmlns:a16="http://schemas.microsoft.com/office/drawing/2014/main" id="{2A4BAB5F-3595-49F8-8E5A-4CCA66695EFD}"/>
+              </a:ext>
+            </a:extLst>
+          </p:cNvPr>
+          <p:cNvSpPr/>
+          <p:nvPr/>
+        </p:nvSpPr>
+        <p:spPr>
+          <a:xfrm>
+            <a:off x="4676859" y="1078331"/>
+            <a:ext cx="4601365" cy="360727"/>
           </a:xfrm>
           <a:prstGeom prst="rect">
             <a:avLst/>
@@ -5788,20 +4955,20 @@
       </p:sp>
       <p:sp>
         <p:nvSpPr>
-          <p:cNvPr id="19" name="Prostokąt 18">
-            <a:extLst>
-              <a:ext uri="{FF2B5EF4-FFF2-40B4-BE49-F238E27FC236}">
-                <a16:creationId xmlns:a16="http://schemas.microsoft.com/office/drawing/2014/main" id="{F5E46A25-F131-4834-8F55-72854E9905E7}"/>
-              </a:ext>
-            </a:extLst>
-          </p:cNvPr>
-          <p:cNvSpPr/>
-          <p:nvPr/>
-        </p:nvSpPr>
-        <p:spPr>
-          <a:xfrm>
-            <a:off x="4908952" y="2999401"/>
-            <a:ext cx="3521984" cy="429599"/>
+          <p:cNvPr id="18" name="Prostokąt 17">
+            <a:extLst>
+              <a:ext uri="{FF2B5EF4-FFF2-40B4-BE49-F238E27FC236}">
+                <a16:creationId xmlns:a16="http://schemas.microsoft.com/office/drawing/2014/main" id="{ADE7A393-36FF-49CA-8216-F560AF991C23}"/>
+              </a:ext>
+            </a:extLst>
+          </p:cNvPr>
+          <p:cNvSpPr/>
+          <p:nvPr/>
+        </p:nvSpPr>
+        <p:spPr>
+          <a:xfrm>
+            <a:off x="4676859" y="1875987"/>
+            <a:ext cx="4601365" cy="959492"/>
           </a:xfrm>
           <a:prstGeom prst="rect">
             <a:avLst/>
@@ -5840,20 +5007,20 @@
       </p:sp>
       <p:sp>
         <p:nvSpPr>
-          <p:cNvPr id="20" name="Prostokąt 19">
-            <a:extLst>
-              <a:ext uri="{FF2B5EF4-FFF2-40B4-BE49-F238E27FC236}">
-                <a16:creationId xmlns:a16="http://schemas.microsoft.com/office/drawing/2014/main" id="{949503EB-3B83-46E3-B856-C880FD24270B}"/>
-              </a:ext>
-            </a:extLst>
-          </p:cNvPr>
-          <p:cNvSpPr/>
-          <p:nvPr/>
-        </p:nvSpPr>
-        <p:spPr>
-          <a:xfrm>
-            <a:off x="8976220" y="2039584"/>
-            <a:ext cx="3095538" cy="959817"/>
+          <p:cNvPr id="19" name="Prostokąt 18">
+            <a:extLst>
+              <a:ext uri="{FF2B5EF4-FFF2-40B4-BE49-F238E27FC236}">
+                <a16:creationId xmlns:a16="http://schemas.microsoft.com/office/drawing/2014/main" id="{2553C09D-F4F4-4344-850D-1126FADC38C0}"/>
+              </a:ext>
+            </a:extLst>
+          </p:cNvPr>
+          <p:cNvSpPr/>
+          <p:nvPr/>
+        </p:nvSpPr>
+        <p:spPr>
+          <a:xfrm>
+            <a:off x="4676859" y="2958166"/>
+            <a:ext cx="1419141" cy="360727"/>
           </a:xfrm>
           <a:prstGeom prst="rect">
             <a:avLst/>
@@ -5895,16 +5062,16 @@
           <p:cNvPr id="14" name="Owal 13">
             <a:extLst>
               <a:ext uri="{FF2B5EF4-FFF2-40B4-BE49-F238E27FC236}">
-                <a16:creationId xmlns:a16="http://schemas.microsoft.com/office/drawing/2014/main" id="{774BDCA0-C025-4322-9D8C-0C72897EC2C1}"/>
-              </a:ext>
-            </a:extLst>
-          </p:cNvPr>
-          <p:cNvSpPr/>
-          <p:nvPr/>
-        </p:nvSpPr>
-        <p:spPr>
-          <a:xfrm>
-            <a:off x="4722292" y="1785646"/>
+                <a16:creationId xmlns:a16="http://schemas.microsoft.com/office/drawing/2014/main" id="{C0659EC7-B116-4D0B-B473-A76E24D0CA69}"/>
+              </a:ext>
+            </a:extLst>
+          </p:cNvPr>
+          <p:cNvSpPr/>
+          <p:nvPr/>
+        </p:nvSpPr>
+        <p:spPr>
+          <a:xfrm>
+            <a:off x="4462942" y="1580969"/>
             <a:ext cx="402671" cy="360727"/>
           </a:xfrm>
           <a:prstGeom prst="ellipse">
@@ -5947,16 +5114,16 @@
           <p:cNvPr id="15" name="Owal 14">
             <a:extLst>
               <a:ext uri="{FF2B5EF4-FFF2-40B4-BE49-F238E27FC236}">
-                <a16:creationId xmlns:a16="http://schemas.microsoft.com/office/drawing/2014/main" id="{05CD3EEE-CA10-41F2-AF6A-ADF551A85D76}"/>
-              </a:ext>
-            </a:extLst>
-          </p:cNvPr>
-          <p:cNvSpPr/>
-          <p:nvPr/>
-        </p:nvSpPr>
-        <p:spPr>
-          <a:xfrm>
-            <a:off x="4722292" y="2690607"/>
+                <a16:creationId xmlns:a16="http://schemas.microsoft.com/office/drawing/2014/main" id="{C985A0CB-847D-4F1F-9BE6-D39F83926123}"/>
+              </a:ext>
+            </a:extLst>
+          </p:cNvPr>
+          <p:cNvSpPr/>
+          <p:nvPr/>
+        </p:nvSpPr>
+        <p:spPr>
+          <a:xfrm>
+            <a:off x="4452453" y="2716459"/>
             <a:ext cx="402671" cy="360727"/>
           </a:xfrm>
           <a:prstGeom prst="ellipse">
@@ -5996,19 +5163,101 @@
       </p:sp>
       <p:sp>
         <p:nvSpPr>
-          <p:cNvPr id="16" name="Owal 15">
-            <a:extLst>
-              <a:ext uri="{FF2B5EF4-FFF2-40B4-BE49-F238E27FC236}">
-                <a16:creationId xmlns:a16="http://schemas.microsoft.com/office/drawing/2014/main" id="{C27A5AE7-0814-43FC-97C5-B2C0789C1457}"/>
-              </a:ext>
-            </a:extLst>
-          </p:cNvPr>
-          <p:cNvSpPr/>
-          <p:nvPr/>
-        </p:nvSpPr>
-        <p:spPr>
-          <a:xfrm>
-            <a:off x="8749718" y="1786855"/>
+          <p:cNvPr id="20" name="Prostokąt 19">
+            <a:extLst>
+              <a:ext uri="{FF2B5EF4-FFF2-40B4-BE49-F238E27FC236}">
+                <a16:creationId xmlns:a16="http://schemas.microsoft.com/office/drawing/2014/main" id="{870EA9D1-DAB9-4FD9-A588-562015EC9DD8}"/>
+              </a:ext>
+            </a:extLst>
+          </p:cNvPr>
+          <p:cNvSpPr/>
+          <p:nvPr/>
+        </p:nvSpPr>
+        <p:spPr>
+          <a:xfrm>
+            <a:off x="10577119" y="752379"/>
+            <a:ext cx="1360412" cy="959492"/>
+          </a:xfrm>
+          <a:prstGeom prst="rect">
+            <a:avLst/>
+          </a:prstGeom>
+          <a:noFill/>
+          <a:ln w="38100">
+            <a:solidFill>
+              <a:srgbClr val="C00000"/>
+            </a:solidFill>
+          </a:ln>
+        </p:spPr>
+        <p:style>
+          <a:lnRef idx="2">
+            <a:schemeClr val="accent1">
+              <a:shade val="50000"/>
+            </a:schemeClr>
+          </a:lnRef>
+          <a:fillRef idx="1">
+            <a:schemeClr val="accent1"/>
+          </a:fillRef>
+          <a:effectRef idx="0">
+            <a:schemeClr val="accent1"/>
+          </a:effectRef>
+          <a:fontRef idx="minor">
+            <a:schemeClr val="lt1"/>
+          </a:fontRef>
+        </p:style>
+        <p:txBody>
+          <a:bodyPr rtlCol="0" anchor="ctr"/>
+          <a:lstStyle/>
+          <a:p>
+            <a:pPr algn="ctr"/>
+            <a:endParaRPr lang="pl-PL"/>
+          </a:p>
+        </p:txBody>
+      </p:sp>
+      <p:pic>
+        <p:nvPicPr>
+          <p:cNvPr id="3" name="Obraz 2">
+            <a:extLst>
+              <a:ext uri="{FF2B5EF4-FFF2-40B4-BE49-F238E27FC236}">
+                <a16:creationId xmlns:a16="http://schemas.microsoft.com/office/drawing/2014/main" id="{1AF864AC-6EB9-4230-8D3C-E97F6EEE157F}"/>
+              </a:ext>
+            </a:extLst>
+          </p:cNvPr>
+          <p:cNvPicPr>
+            <a:picLocks noChangeAspect="1"/>
+          </p:cNvPicPr>
+          <p:nvPr/>
+        </p:nvPicPr>
+        <p:blipFill>
+          <a:blip r:embed="rId3"/>
+          <a:stretch>
+            <a:fillRect/>
+          </a:stretch>
+        </p:blipFill>
+        <p:spPr>
+          <a:xfrm>
+            <a:off x="2736381" y="2125732"/>
+            <a:ext cx="9201150" cy="4267200"/>
+          </a:xfrm>
+          <a:prstGeom prst="rect">
+            <a:avLst/>
+          </a:prstGeom>
+        </p:spPr>
+      </p:pic>
+      <p:sp>
+        <p:nvSpPr>
+          <p:cNvPr id="21" name="Owal 20">
+            <a:extLst>
+              <a:ext uri="{FF2B5EF4-FFF2-40B4-BE49-F238E27FC236}">
+                <a16:creationId xmlns:a16="http://schemas.microsoft.com/office/drawing/2014/main" id="{253A8DFB-6D66-4459-BAD6-281927888F4E}"/>
+              </a:ext>
+            </a:extLst>
+          </p:cNvPr>
+          <p:cNvSpPr/>
+          <p:nvPr/>
+        </p:nvSpPr>
+        <p:spPr>
+          <a:xfrm>
+            <a:off x="2921464" y="3468869"/>
             <a:ext cx="402671" cy="360727"/>
           </a:xfrm>
           <a:prstGeom prst="ellipse">
@@ -6041,7 +5290,163 @@
             <a:pPr algn="ctr"/>
             <a:r>
               <a:rPr lang="pl-PL"/>
-              <a:t>7</a:t>
+              <a:t>1</a:t>
+            </a:r>
+          </a:p>
+        </p:txBody>
+      </p:sp>
+      <p:sp>
+        <p:nvSpPr>
+          <p:cNvPr id="22" name="Owal 21">
+            <a:extLst>
+              <a:ext uri="{FF2B5EF4-FFF2-40B4-BE49-F238E27FC236}">
+                <a16:creationId xmlns:a16="http://schemas.microsoft.com/office/drawing/2014/main" id="{9FF67B9D-CF51-498C-AC2D-05E4B4F6C852}"/>
+              </a:ext>
+            </a:extLst>
+          </p:cNvPr>
+          <p:cNvSpPr/>
+          <p:nvPr/>
+        </p:nvSpPr>
+        <p:spPr>
+          <a:xfrm>
+            <a:off x="7135620" y="3467386"/>
+            <a:ext cx="402671" cy="360727"/>
+          </a:xfrm>
+          <a:prstGeom prst="ellipse">
+            <a:avLst/>
+          </a:prstGeom>
+          <a:solidFill>
+            <a:srgbClr val="C00000"/>
+          </a:solidFill>
+        </p:spPr>
+        <p:style>
+          <a:lnRef idx="2">
+            <a:schemeClr val="accent2">
+              <a:shade val="50000"/>
+            </a:schemeClr>
+          </a:lnRef>
+          <a:fillRef idx="1">
+            <a:schemeClr val="accent2"/>
+          </a:fillRef>
+          <a:effectRef idx="0">
+            <a:schemeClr val="accent2"/>
+          </a:effectRef>
+          <a:fontRef idx="minor">
+            <a:schemeClr val="lt1"/>
+          </a:fontRef>
+        </p:style>
+        <p:txBody>
+          <a:bodyPr rtlCol="0" anchor="ctr"/>
+          <a:lstStyle/>
+          <a:p>
+            <a:pPr algn="ctr"/>
+            <a:r>
+              <a:rPr lang="pl-PL"/>
+              <a:t>2</a:t>
+            </a:r>
+          </a:p>
+        </p:txBody>
+      </p:sp>
+      <p:sp>
+        <p:nvSpPr>
+          <p:cNvPr id="23" name="Owal 22">
+            <a:extLst>
+              <a:ext uri="{FF2B5EF4-FFF2-40B4-BE49-F238E27FC236}">
+                <a16:creationId xmlns:a16="http://schemas.microsoft.com/office/drawing/2014/main" id="{A48298DC-C6E2-413B-B471-A33FA7FA710D}"/>
+              </a:ext>
+            </a:extLst>
+          </p:cNvPr>
+          <p:cNvSpPr/>
+          <p:nvPr/>
+        </p:nvSpPr>
+        <p:spPr>
+          <a:xfrm>
+            <a:off x="2921463" y="4217748"/>
+            <a:ext cx="402671" cy="360727"/>
+          </a:xfrm>
+          <a:prstGeom prst="ellipse">
+            <a:avLst/>
+          </a:prstGeom>
+          <a:solidFill>
+            <a:srgbClr val="C00000"/>
+          </a:solidFill>
+        </p:spPr>
+        <p:style>
+          <a:lnRef idx="2">
+            <a:schemeClr val="accent2">
+              <a:shade val="50000"/>
+            </a:schemeClr>
+          </a:lnRef>
+          <a:fillRef idx="1">
+            <a:schemeClr val="accent2"/>
+          </a:fillRef>
+          <a:effectRef idx="0">
+            <a:schemeClr val="accent2"/>
+          </a:effectRef>
+          <a:fontRef idx="minor">
+            <a:schemeClr val="lt1"/>
+          </a:fontRef>
+        </p:style>
+        <p:txBody>
+          <a:bodyPr rtlCol="0" anchor="ctr"/>
+          <a:lstStyle/>
+          <a:p>
+            <a:pPr algn="ctr"/>
+            <a:r>
+              <a:rPr lang="pl-PL"/>
+              <a:t>3</a:t>
+            </a:r>
+          </a:p>
+        </p:txBody>
+      </p:sp>
+      <p:sp>
+        <p:nvSpPr>
+          <p:cNvPr id="24" name="Owal 23">
+            <a:extLst>
+              <a:ext uri="{FF2B5EF4-FFF2-40B4-BE49-F238E27FC236}">
+                <a16:creationId xmlns:a16="http://schemas.microsoft.com/office/drawing/2014/main" id="{E71C6C0E-DE1F-4EED-8210-4B7508F3F6C6}"/>
+              </a:ext>
+            </a:extLst>
+          </p:cNvPr>
+          <p:cNvSpPr/>
+          <p:nvPr/>
+        </p:nvSpPr>
+        <p:spPr>
+          <a:xfrm>
+            <a:off x="7135620" y="4817838"/>
+            <a:ext cx="402671" cy="360727"/>
+          </a:xfrm>
+          <a:prstGeom prst="ellipse">
+            <a:avLst/>
+          </a:prstGeom>
+          <a:solidFill>
+            <a:srgbClr val="C00000"/>
+          </a:solidFill>
+        </p:spPr>
+        <p:style>
+          <a:lnRef idx="2">
+            <a:schemeClr val="accent2">
+              <a:shade val="50000"/>
+            </a:schemeClr>
+          </a:lnRef>
+          <a:fillRef idx="1">
+            <a:schemeClr val="accent2"/>
+          </a:fillRef>
+          <a:effectRef idx="0">
+            <a:schemeClr val="accent2"/>
+          </a:effectRef>
+          <a:fontRef idx="minor">
+            <a:schemeClr val="lt1"/>
+          </a:fontRef>
+        </p:style>
+        <p:txBody>
+          <a:bodyPr rtlCol="0" anchor="ctr"/>
+          <a:lstStyle/>
+          <a:p>
+            <a:pPr algn="ctr"/>
+            <a:r>
+              <a:rPr lang="pl-PL"/>
+              <a:t>4</a:t>
             </a:r>
           </a:p>
         </p:txBody>
@@ -6049,7 +5454,7 @@
     </p:spTree>
     <p:extLst>
       <p:ext uri="{BB962C8B-B14F-4D97-AF65-F5344CB8AC3E}">
-        <p14:creationId xmlns:p14="http://schemas.microsoft.com/office/powerpoint/2010/main" val="1430500107"/>
+        <p14:creationId xmlns:p14="http://schemas.microsoft.com/office/powerpoint/2010/main" val="2296116465"/>
       </p:ext>
     </p:extLst>
   </p:cSld>
@@ -6081,7 +5486,7 @@
           <p:cNvPr id="3" name="Obraz 2">
             <a:extLst>
               <a:ext uri="{FF2B5EF4-FFF2-40B4-BE49-F238E27FC236}">
-                <a16:creationId xmlns:a16="http://schemas.microsoft.com/office/drawing/2014/main" id="{945E9DEA-9DCA-40F5-BB8E-D74FE87E07CC}"/>
+                <a16:creationId xmlns:a16="http://schemas.microsoft.com/office/drawing/2014/main" id="{687C57A7-02E5-4400-86DC-5ABBE4E73F0C}"/>
               </a:ext>
             </a:extLst>
           </p:cNvPr>
@@ -6098,8 +5503,8 @@
         </p:blipFill>
         <p:spPr>
           <a:xfrm>
-            <a:off x="0" y="356511"/>
-            <a:ext cx="12192000" cy="6144977"/>
+            <a:off x="0" y="410402"/>
+            <a:ext cx="12192000" cy="6037196"/>
           </a:xfrm>
           <a:prstGeom prst="rect">
             <a:avLst/>
@@ -6108,175 +5513,19 @@
       </p:pic>
       <p:sp>
         <p:nvSpPr>
-          <p:cNvPr id="6" name="Prostokąt 5">
-            <a:extLst>
-              <a:ext uri="{FF2B5EF4-FFF2-40B4-BE49-F238E27FC236}">
-                <a16:creationId xmlns:a16="http://schemas.microsoft.com/office/drawing/2014/main" id="{16F0A95E-C46C-4106-8609-493577FD511F}"/>
-              </a:ext>
-            </a:extLst>
-          </p:cNvPr>
-          <p:cNvSpPr/>
-          <p:nvPr/>
-        </p:nvSpPr>
-        <p:spPr>
-          <a:xfrm>
-            <a:off x="0" y="361419"/>
-            <a:ext cx="1971413" cy="989209"/>
-          </a:xfrm>
-          <a:prstGeom prst="rect">
-            <a:avLst/>
-          </a:prstGeom>
-          <a:noFill/>
-          <a:ln w="38100">
-            <a:solidFill>
-              <a:srgbClr val="C00000"/>
-            </a:solidFill>
-          </a:ln>
-        </p:spPr>
-        <p:style>
-          <a:lnRef idx="2">
-            <a:schemeClr val="accent1">
-              <a:shade val="50000"/>
-            </a:schemeClr>
-          </a:lnRef>
-          <a:fillRef idx="1">
-            <a:schemeClr val="accent1"/>
-          </a:fillRef>
-          <a:effectRef idx="0">
-            <a:schemeClr val="accent1"/>
-          </a:effectRef>
-          <a:fontRef idx="minor">
-            <a:schemeClr val="lt1"/>
-          </a:fontRef>
-        </p:style>
-        <p:txBody>
-          <a:bodyPr rtlCol="0" anchor="ctr"/>
-          <a:lstStyle/>
-          <a:p>
-            <a:pPr algn="ctr"/>
-            <a:endParaRPr lang="pl-PL"/>
-          </a:p>
-        </p:txBody>
-      </p:sp>
-      <p:sp>
-        <p:nvSpPr>
-          <p:cNvPr id="7" name="Prostokąt 6">
-            <a:extLst>
-              <a:ext uri="{FF2B5EF4-FFF2-40B4-BE49-F238E27FC236}">
-                <a16:creationId xmlns:a16="http://schemas.microsoft.com/office/drawing/2014/main" id="{D024C788-6B8C-4925-A384-D8953E6A7AED}"/>
-              </a:ext>
-            </a:extLst>
-          </p:cNvPr>
-          <p:cNvSpPr/>
-          <p:nvPr/>
-        </p:nvSpPr>
-        <p:spPr>
-          <a:xfrm>
-            <a:off x="0" y="361419"/>
-            <a:ext cx="12192000" cy="6135161"/>
-          </a:xfrm>
-          <a:prstGeom prst="rect">
-            <a:avLst/>
-          </a:prstGeom>
-          <a:noFill/>
-          <a:ln w="38100">
-            <a:solidFill>
-              <a:srgbClr val="C00000"/>
-            </a:solidFill>
-          </a:ln>
-        </p:spPr>
-        <p:style>
-          <a:lnRef idx="2">
-            <a:schemeClr val="accent1">
-              <a:shade val="50000"/>
-            </a:schemeClr>
-          </a:lnRef>
-          <a:fillRef idx="1">
-            <a:schemeClr val="accent1"/>
-          </a:fillRef>
-          <a:effectRef idx="0">
-            <a:schemeClr val="accent1"/>
-          </a:effectRef>
-          <a:fontRef idx="minor">
-            <a:schemeClr val="lt1"/>
-          </a:fontRef>
-        </p:style>
-        <p:txBody>
-          <a:bodyPr rtlCol="0" anchor="ctr"/>
-          <a:lstStyle/>
-          <a:p>
-            <a:pPr algn="ctr"/>
-            <a:endParaRPr lang="pl-PL"/>
-          </a:p>
-        </p:txBody>
-      </p:sp>
-      <p:sp>
-        <p:nvSpPr>
-          <p:cNvPr id="8" name="Prostokąt 7">
-            <a:extLst>
-              <a:ext uri="{FF2B5EF4-FFF2-40B4-BE49-F238E27FC236}">
-                <a16:creationId xmlns:a16="http://schemas.microsoft.com/office/drawing/2014/main" id="{16FB46F9-F620-4AD8-A26F-EA222D2A29FD}"/>
-              </a:ext>
-            </a:extLst>
-          </p:cNvPr>
-          <p:cNvSpPr/>
-          <p:nvPr/>
-        </p:nvSpPr>
-        <p:spPr>
-          <a:xfrm>
-            <a:off x="-1" y="362818"/>
-            <a:ext cx="1971413" cy="6133762"/>
-          </a:xfrm>
-          <a:prstGeom prst="rect">
-            <a:avLst/>
-          </a:prstGeom>
-          <a:noFill/>
-          <a:ln w="38100">
-            <a:solidFill>
-              <a:srgbClr val="C00000"/>
-            </a:solidFill>
-          </a:ln>
-        </p:spPr>
-        <p:style>
-          <a:lnRef idx="2">
-            <a:schemeClr val="accent1">
-              <a:shade val="50000"/>
-            </a:schemeClr>
-          </a:lnRef>
-          <a:fillRef idx="1">
-            <a:schemeClr val="accent1"/>
-          </a:fillRef>
-          <a:effectRef idx="0">
-            <a:schemeClr val="accent1"/>
-          </a:effectRef>
-          <a:fontRef idx="minor">
-            <a:schemeClr val="lt1"/>
-          </a:fontRef>
-        </p:style>
-        <p:txBody>
-          <a:bodyPr rtlCol="0" anchor="ctr"/>
-          <a:lstStyle/>
-          <a:p>
-            <a:pPr algn="ctr"/>
-            <a:endParaRPr lang="pl-PL"/>
-          </a:p>
-        </p:txBody>
-      </p:sp>
-      <p:sp>
-        <p:nvSpPr>
-          <p:cNvPr id="11" name="Owal 10">
-            <a:extLst>
-              <a:ext uri="{FF2B5EF4-FFF2-40B4-BE49-F238E27FC236}">
-                <a16:creationId xmlns:a16="http://schemas.microsoft.com/office/drawing/2014/main" id="{0E7B7507-53E9-4688-94E1-ED40EF460D70}"/>
-              </a:ext>
-            </a:extLst>
-          </p:cNvPr>
-          <p:cNvSpPr/>
-          <p:nvPr/>
-        </p:nvSpPr>
-        <p:spPr>
-          <a:xfrm>
-            <a:off x="2063690" y="675659"/>
+          <p:cNvPr id="9" name="Owal 8">
+            <a:extLst>
+              <a:ext uri="{FF2B5EF4-FFF2-40B4-BE49-F238E27FC236}">
+                <a16:creationId xmlns:a16="http://schemas.microsoft.com/office/drawing/2014/main" id="{BE4091C0-D10F-4949-B109-0A4051D674E0}"/>
+              </a:ext>
+            </a:extLst>
+          </p:cNvPr>
+          <p:cNvSpPr/>
+          <p:nvPr/>
+        </p:nvSpPr>
+        <p:spPr>
+          <a:xfrm>
+            <a:off x="1935463" y="1031846"/>
             <a:ext cx="402671" cy="360727"/>
           </a:xfrm>
           <a:prstGeom prst="ellipse">
@@ -6316,19 +5565,19 @@
       </p:sp>
       <p:sp>
         <p:nvSpPr>
-          <p:cNvPr id="12" name="Owal 11">
-            <a:extLst>
-              <a:ext uri="{FF2B5EF4-FFF2-40B4-BE49-F238E27FC236}">
-                <a16:creationId xmlns:a16="http://schemas.microsoft.com/office/drawing/2014/main" id="{9279B823-E10D-4FA5-A8B5-8E156EC9D0C5}"/>
-              </a:ext>
-            </a:extLst>
-          </p:cNvPr>
-          <p:cNvSpPr/>
-          <p:nvPr/>
-        </p:nvSpPr>
-        <p:spPr>
-          <a:xfrm>
-            <a:off x="10489035" y="675658"/>
+          <p:cNvPr id="10" name="Owal 9">
+            <a:extLst>
+              <a:ext uri="{FF2B5EF4-FFF2-40B4-BE49-F238E27FC236}">
+                <a16:creationId xmlns:a16="http://schemas.microsoft.com/office/drawing/2014/main" id="{D8DEDFBA-0286-48C5-AD73-5E1C21954FC6}"/>
+              </a:ext>
+            </a:extLst>
+          </p:cNvPr>
+          <p:cNvSpPr/>
+          <p:nvPr/>
+        </p:nvSpPr>
+        <p:spPr>
+          <a:xfrm>
+            <a:off x="4782413" y="2339128"/>
             <a:ext cx="402671" cy="360727"/>
           </a:xfrm>
           <a:prstGeom prst="ellipse">
@@ -6368,19 +5617,19 @@
       </p:sp>
       <p:sp>
         <p:nvSpPr>
-          <p:cNvPr id="13" name="Owal 12">
-            <a:extLst>
-              <a:ext uri="{FF2B5EF4-FFF2-40B4-BE49-F238E27FC236}">
-                <a16:creationId xmlns:a16="http://schemas.microsoft.com/office/drawing/2014/main" id="{D45DF03F-F915-4A56-A693-33B93226676C}"/>
-              </a:ext>
-            </a:extLst>
-          </p:cNvPr>
-          <p:cNvSpPr/>
-          <p:nvPr/>
-        </p:nvSpPr>
-        <p:spPr>
-          <a:xfrm>
-            <a:off x="2041319" y="2480689"/>
+          <p:cNvPr id="11" name="Owal 10">
+            <a:extLst>
+              <a:ext uri="{FF2B5EF4-FFF2-40B4-BE49-F238E27FC236}">
+                <a16:creationId xmlns:a16="http://schemas.microsoft.com/office/drawing/2014/main" id="{0E7B7507-53E9-4688-94E1-ED40EF460D70}"/>
+              </a:ext>
+            </a:extLst>
+          </p:cNvPr>
+          <p:cNvSpPr/>
+          <p:nvPr/>
+        </p:nvSpPr>
+        <p:spPr>
+          <a:xfrm>
+            <a:off x="8791063" y="2239658"/>
             <a:ext cx="402671" cy="360727"/>
           </a:xfrm>
           <a:prstGeom prst="ellipse">
@@ -6420,19 +5669,19 @@
       </p:sp>
       <p:sp>
         <p:nvSpPr>
-          <p:cNvPr id="14" name="Owal 13">
-            <a:extLst>
-              <a:ext uri="{FF2B5EF4-FFF2-40B4-BE49-F238E27FC236}">
-                <a16:creationId xmlns:a16="http://schemas.microsoft.com/office/drawing/2014/main" id="{A6C0C84E-1BF8-40B7-8601-1592B2F2F0BF}"/>
-              </a:ext>
-            </a:extLst>
-          </p:cNvPr>
-          <p:cNvSpPr/>
-          <p:nvPr/>
-        </p:nvSpPr>
-        <p:spPr>
-          <a:xfrm>
-            <a:off x="5557705" y="2480689"/>
+          <p:cNvPr id="17" name="Owal 16">
+            <a:extLst>
+              <a:ext uri="{FF2B5EF4-FFF2-40B4-BE49-F238E27FC236}">
+                <a16:creationId xmlns:a16="http://schemas.microsoft.com/office/drawing/2014/main" id="{7BC7A504-F030-4A25-A409-171C855F808A}"/>
+              </a:ext>
+            </a:extLst>
+          </p:cNvPr>
+          <p:cNvSpPr/>
+          <p:nvPr/>
+        </p:nvSpPr>
+        <p:spPr>
+          <a:xfrm>
+            <a:off x="5795312" y="3429000"/>
             <a:ext cx="402671" cy="360727"/>
           </a:xfrm>
           <a:prstGeom prst="ellipse">
@@ -6472,19 +5721,19 @@
       </p:sp>
       <p:sp>
         <p:nvSpPr>
-          <p:cNvPr id="15" name="Owal 14">
-            <a:extLst>
-              <a:ext uri="{FF2B5EF4-FFF2-40B4-BE49-F238E27FC236}">
-                <a16:creationId xmlns:a16="http://schemas.microsoft.com/office/drawing/2014/main" id="{89BA9539-1396-49DD-ADE7-4C3DF3384028}"/>
-              </a:ext>
-            </a:extLst>
-          </p:cNvPr>
-          <p:cNvSpPr/>
-          <p:nvPr/>
-        </p:nvSpPr>
-        <p:spPr>
-          <a:xfrm>
-            <a:off x="10489034" y="5569236"/>
+          <p:cNvPr id="22" name="Owal 21">
+            <a:extLst>
+              <a:ext uri="{FF2B5EF4-FFF2-40B4-BE49-F238E27FC236}">
+                <a16:creationId xmlns:a16="http://schemas.microsoft.com/office/drawing/2014/main" id="{39AC1AF7-E2AD-4BB2-BD7F-F2645EC37086}"/>
+              </a:ext>
+            </a:extLst>
+          </p:cNvPr>
+          <p:cNvSpPr/>
+          <p:nvPr/>
+        </p:nvSpPr>
+        <p:spPr>
+          <a:xfrm>
+            <a:off x="4699866" y="5019221"/>
             <a:ext cx="402671" cy="360727"/>
           </a:xfrm>
           <a:prstGeom prst="ellipse">
@@ -6525,7 +5774,7 @@
     </p:spTree>
     <p:extLst>
       <p:ext uri="{BB962C8B-B14F-4D97-AF65-F5344CB8AC3E}">
-        <p14:creationId xmlns:p14="http://schemas.microsoft.com/office/powerpoint/2010/main" val="4250905165"/>
+        <p14:creationId xmlns:p14="http://schemas.microsoft.com/office/powerpoint/2010/main" val="1430500107"/>
       </p:ext>
     </p:extLst>
   </p:cSld>
@@ -6554,10 +5803,10 @@
       </p:grpSpPr>
       <p:pic>
         <p:nvPicPr>
-          <p:cNvPr id="4" name="Obraz 3">
-            <a:extLst>
-              <a:ext uri="{FF2B5EF4-FFF2-40B4-BE49-F238E27FC236}">
-                <a16:creationId xmlns:a16="http://schemas.microsoft.com/office/drawing/2014/main" id="{1AECE878-B7DB-4017-A93D-CB9D834AB9CB}"/>
+          <p:cNvPr id="3" name="Obraz 2">
+            <a:extLst>
+              <a:ext uri="{FF2B5EF4-FFF2-40B4-BE49-F238E27FC236}">
+                <a16:creationId xmlns:a16="http://schemas.microsoft.com/office/drawing/2014/main" id="{945E9DEA-9DCA-40F5-BB8E-D74FE87E07CC}"/>
               </a:ext>
             </a:extLst>
           </p:cNvPr>
@@ -6574,8 +5823,8 @@
         </p:blipFill>
         <p:spPr>
           <a:xfrm>
-            <a:off x="0" y="356485"/>
-            <a:ext cx="12192000" cy="6145029"/>
+            <a:off x="0" y="356511"/>
+            <a:ext cx="12192000" cy="6144977"/>
           </a:xfrm>
           <a:prstGeom prst="rect">
             <a:avLst/>
@@ -6584,175 +5833,19 @@
       </p:pic>
       <p:sp>
         <p:nvSpPr>
-          <p:cNvPr id="6" name="Prostokąt 5">
-            <a:extLst>
-              <a:ext uri="{FF2B5EF4-FFF2-40B4-BE49-F238E27FC236}">
-                <a16:creationId xmlns:a16="http://schemas.microsoft.com/office/drawing/2014/main" id="{16F0A95E-C46C-4106-8609-493577FD511F}"/>
-              </a:ext>
-            </a:extLst>
-          </p:cNvPr>
-          <p:cNvSpPr/>
-          <p:nvPr/>
-        </p:nvSpPr>
-        <p:spPr>
-          <a:xfrm>
-            <a:off x="0" y="361419"/>
-            <a:ext cx="1971413" cy="989209"/>
-          </a:xfrm>
-          <a:prstGeom prst="rect">
-            <a:avLst/>
-          </a:prstGeom>
-          <a:noFill/>
-          <a:ln w="38100">
-            <a:solidFill>
-              <a:srgbClr val="C00000"/>
-            </a:solidFill>
-          </a:ln>
-        </p:spPr>
-        <p:style>
-          <a:lnRef idx="2">
-            <a:schemeClr val="accent1">
-              <a:shade val="50000"/>
-            </a:schemeClr>
-          </a:lnRef>
-          <a:fillRef idx="1">
-            <a:schemeClr val="accent1"/>
-          </a:fillRef>
-          <a:effectRef idx="0">
-            <a:schemeClr val="accent1"/>
-          </a:effectRef>
-          <a:fontRef idx="minor">
-            <a:schemeClr val="lt1"/>
-          </a:fontRef>
-        </p:style>
-        <p:txBody>
-          <a:bodyPr rtlCol="0" anchor="ctr"/>
-          <a:lstStyle/>
-          <a:p>
-            <a:pPr algn="ctr"/>
-            <a:endParaRPr lang="pl-PL"/>
-          </a:p>
-        </p:txBody>
-      </p:sp>
-      <p:sp>
-        <p:nvSpPr>
-          <p:cNvPr id="7" name="Prostokąt 6">
-            <a:extLst>
-              <a:ext uri="{FF2B5EF4-FFF2-40B4-BE49-F238E27FC236}">
-                <a16:creationId xmlns:a16="http://schemas.microsoft.com/office/drawing/2014/main" id="{D024C788-6B8C-4925-A384-D8953E6A7AED}"/>
-              </a:ext>
-            </a:extLst>
-          </p:cNvPr>
-          <p:cNvSpPr/>
-          <p:nvPr/>
-        </p:nvSpPr>
-        <p:spPr>
-          <a:xfrm>
-            <a:off x="0" y="361419"/>
-            <a:ext cx="12192000" cy="6135161"/>
-          </a:xfrm>
-          <a:prstGeom prst="rect">
-            <a:avLst/>
-          </a:prstGeom>
-          <a:noFill/>
-          <a:ln w="38100">
-            <a:solidFill>
-              <a:srgbClr val="C00000"/>
-            </a:solidFill>
-          </a:ln>
-        </p:spPr>
-        <p:style>
-          <a:lnRef idx="2">
-            <a:schemeClr val="accent1">
-              <a:shade val="50000"/>
-            </a:schemeClr>
-          </a:lnRef>
-          <a:fillRef idx="1">
-            <a:schemeClr val="accent1"/>
-          </a:fillRef>
-          <a:effectRef idx="0">
-            <a:schemeClr val="accent1"/>
-          </a:effectRef>
-          <a:fontRef idx="minor">
-            <a:schemeClr val="lt1"/>
-          </a:fontRef>
-        </p:style>
-        <p:txBody>
-          <a:bodyPr rtlCol="0" anchor="ctr"/>
-          <a:lstStyle/>
-          <a:p>
-            <a:pPr algn="ctr"/>
-            <a:endParaRPr lang="pl-PL"/>
-          </a:p>
-        </p:txBody>
-      </p:sp>
-      <p:sp>
-        <p:nvSpPr>
-          <p:cNvPr id="8" name="Prostokąt 7">
-            <a:extLst>
-              <a:ext uri="{FF2B5EF4-FFF2-40B4-BE49-F238E27FC236}">
-                <a16:creationId xmlns:a16="http://schemas.microsoft.com/office/drawing/2014/main" id="{16FB46F9-F620-4AD8-A26F-EA222D2A29FD}"/>
-              </a:ext>
-            </a:extLst>
-          </p:cNvPr>
-          <p:cNvSpPr/>
-          <p:nvPr/>
-        </p:nvSpPr>
-        <p:spPr>
-          <a:xfrm>
-            <a:off x="-1" y="362818"/>
-            <a:ext cx="1971413" cy="6133762"/>
-          </a:xfrm>
-          <a:prstGeom prst="rect">
-            <a:avLst/>
-          </a:prstGeom>
-          <a:noFill/>
-          <a:ln w="38100">
-            <a:solidFill>
-              <a:srgbClr val="C00000"/>
-            </a:solidFill>
-          </a:ln>
-        </p:spPr>
-        <p:style>
-          <a:lnRef idx="2">
-            <a:schemeClr val="accent1">
-              <a:shade val="50000"/>
-            </a:schemeClr>
-          </a:lnRef>
-          <a:fillRef idx="1">
-            <a:schemeClr val="accent1"/>
-          </a:fillRef>
-          <a:effectRef idx="0">
-            <a:schemeClr val="accent1"/>
-          </a:effectRef>
-          <a:fontRef idx="minor">
-            <a:schemeClr val="lt1"/>
-          </a:fontRef>
-        </p:style>
-        <p:txBody>
-          <a:bodyPr rtlCol="0" anchor="ctr"/>
-          <a:lstStyle/>
-          <a:p>
-            <a:pPr algn="ctr"/>
-            <a:endParaRPr lang="pl-PL"/>
-          </a:p>
-        </p:txBody>
-      </p:sp>
-      <p:sp>
-        <p:nvSpPr>
-          <p:cNvPr id="9" name="Owal 8">
-            <a:extLst>
-              <a:ext uri="{FF2B5EF4-FFF2-40B4-BE49-F238E27FC236}">
-                <a16:creationId xmlns:a16="http://schemas.microsoft.com/office/drawing/2014/main" id="{BE4091C0-D10F-4949-B109-0A4051D674E0}"/>
-              </a:ext>
-            </a:extLst>
-          </p:cNvPr>
-          <p:cNvSpPr/>
-          <p:nvPr/>
-        </p:nvSpPr>
-        <p:spPr>
-          <a:xfrm>
-            <a:off x="1300294" y="545284"/>
+          <p:cNvPr id="11" name="Owal 10">
+            <a:extLst>
+              <a:ext uri="{FF2B5EF4-FFF2-40B4-BE49-F238E27FC236}">
+                <a16:creationId xmlns:a16="http://schemas.microsoft.com/office/drawing/2014/main" id="{0E7B7507-53E9-4688-94E1-ED40EF460D70}"/>
+              </a:ext>
+            </a:extLst>
+          </p:cNvPr>
+          <p:cNvSpPr/>
+          <p:nvPr/>
+        </p:nvSpPr>
+        <p:spPr>
+          <a:xfrm>
+            <a:off x="2063690" y="675659"/>
             <a:ext cx="402671" cy="360727"/>
           </a:xfrm>
           <a:prstGeom prst="ellipse">
@@ -6792,19 +5885,19 @@
       </p:sp>
       <p:sp>
         <p:nvSpPr>
-          <p:cNvPr id="10" name="Owal 9">
-            <a:extLst>
-              <a:ext uri="{FF2B5EF4-FFF2-40B4-BE49-F238E27FC236}">
-                <a16:creationId xmlns:a16="http://schemas.microsoft.com/office/drawing/2014/main" id="{D8DEDFBA-0286-48C5-AD73-5E1C21954FC6}"/>
-              </a:ext>
-            </a:extLst>
-          </p:cNvPr>
-          <p:cNvSpPr/>
-          <p:nvPr/>
-        </p:nvSpPr>
-        <p:spPr>
-          <a:xfrm>
-            <a:off x="1501629" y="1392573"/>
+          <p:cNvPr id="12" name="Owal 11">
+            <a:extLst>
+              <a:ext uri="{FF2B5EF4-FFF2-40B4-BE49-F238E27FC236}">
+                <a16:creationId xmlns:a16="http://schemas.microsoft.com/office/drawing/2014/main" id="{9279B823-E10D-4FA5-A8B5-8E156EC9D0C5}"/>
+              </a:ext>
+            </a:extLst>
+          </p:cNvPr>
+          <p:cNvSpPr/>
+          <p:nvPr/>
+        </p:nvSpPr>
+        <p:spPr>
+          <a:xfrm>
+            <a:off x="10489035" y="675658"/>
             <a:ext cx="402671" cy="360727"/>
           </a:xfrm>
           <a:prstGeom prst="ellipse">
@@ -6844,19 +5937,19 @@
       </p:sp>
       <p:sp>
         <p:nvSpPr>
-          <p:cNvPr id="11" name="Owal 10">
-            <a:extLst>
-              <a:ext uri="{FF2B5EF4-FFF2-40B4-BE49-F238E27FC236}">
-                <a16:creationId xmlns:a16="http://schemas.microsoft.com/office/drawing/2014/main" id="{0E7B7507-53E9-4688-94E1-ED40EF460D70}"/>
-              </a:ext>
-            </a:extLst>
-          </p:cNvPr>
-          <p:cNvSpPr/>
-          <p:nvPr/>
-        </p:nvSpPr>
-        <p:spPr>
-          <a:xfrm>
-            <a:off x="2063690" y="675659"/>
+          <p:cNvPr id="13" name="Owal 12">
+            <a:extLst>
+              <a:ext uri="{FF2B5EF4-FFF2-40B4-BE49-F238E27FC236}">
+                <a16:creationId xmlns:a16="http://schemas.microsoft.com/office/drawing/2014/main" id="{D45DF03F-F915-4A56-A693-33B93226676C}"/>
+              </a:ext>
+            </a:extLst>
+          </p:cNvPr>
+          <p:cNvSpPr/>
+          <p:nvPr/>
+        </p:nvSpPr>
+        <p:spPr>
+          <a:xfrm>
+            <a:off x="2041319" y="2480689"/>
             <a:ext cx="402671" cy="360727"/>
           </a:xfrm>
           <a:prstGeom prst="ellipse">
@@ -6896,19 +5989,19 @@
       </p:sp>
       <p:sp>
         <p:nvSpPr>
-          <p:cNvPr id="12" name="Owal 11">
-            <a:extLst>
-              <a:ext uri="{FF2B5EF4-FFF2-40B4-BE49-F238E27FC236}">
-                <a16:creationId xmlns:a16="http://schemas.microsoft.com/office/drawing/2014/main" id="{9279B823-E10D-4FA5-A8B5-8E156EC9D0C5}"/>
-              </a:ext>
-            </a:extLst>
-          </p:cNvPr>
-          <p:cNvSpPr/>
-          <p:nvPr/>
-        </p:nvSpPr>
-        <p:spPr>
-          <a:xfrm>
-            <a:off x="10489035" y="675658"/>
+          <p:cNvPr id="14" name="Owal 13">
+            <a:extLst>
+              <a:ext uri="{FF2B5EF4-FFF2-40B4-BE49-F238E27FC236}">
+                <a16:creationId xmlns:a16="http://schemas.microsoft.com/office/drawing/2014/main" id="{A6C0C84E-1BF8-40B7-8601-1592B2F2F0BF}"/>
+              </a:ext>
+            </a:extLst>
+          </p:cNvPr>
+          <p:cNvSpPr/>
+          <p:nvPr/>
+        </p:nvSpPr>
+        <p:spPr>
+          <a:xfrm>
+            <a:off x="5557705" y="2480689"/>
             <a:ext cx="402671" cy="360727"/>
           </a:xfrm>
           <a:prstGeom prst="ellipse">
@@ -6948,19 +6041,19 @@
       </p:sp>
       <p:sp>
         <p:nvSpPr>
-          <p:cNvPr id="13" name="Owal 12">
-            <a:extLst>
-              <a:ext uri="{FF2B5EF4-FFF2-40B4-BE49-F238E27FC236}">
-                <a16:creationId xmlns:a16="http://schemas.microsoft.com/office/drawing/2014/main" id="{D45DF03F-F915-4A56-A693-33B93226676C}"/>
-              </a:ext>
-            </a:extLst>
-          </p:cNvPr>
-          <p:cNvSpPr/>
-          <p:nvPr/>
-        </p:nvSpPr>
-        <p:spPr>
-          <a:xfrm>
-            <a:off x="2041319" y="2480689"/>
+          <p:cNvPr id="15" name="Owal 14">
+            <a:extLst>
+              <a:ext uri="{FF2B5EF4-FFF2-40B4-BE49-F238E27FC236}">
+                <a16:creationId xmlns:a16="http://schemas.microsoft.com/office/drawing/2014/main" id="{89BA9539-1396-49DD-ADE7-4C3DF3384028}"/>
+              </a:ext>
+            </a:extLst>
+          </p:cNvPr>
+          <p:cNvSpPr/>
+          <p:nvPr/>
+        </p:nvSpPr>
+        <p:spPr>
+          <a:xfrm>
+            <a:off x="10489034" y="5569236"/>
             <a:ext cx="402671" cy="360727"/>
           </a:xfrm>
           <a:prstGeom prst="ellipse">
@@ -6998,114 +6091,10 @@
           </a:p>
         </p:txBody>
       </p:sp>
-      <p:sp>
-        <p:nvSpPr>
-          <p:cNvPr id="14" name="Owal 13">
-            <a:extLst>
-              <a:ext uri="{FF2B5EF4-FFF2-40B4-BE49-F238E27FC236}">
-                <a16:creationId xmlns:a16="http://schemas.microsoft.com/office/drawing/2014/main" id="{A6C0C84E-1BF8-40B7-8601-1592B2F2F0BF}"/>
-              </a:ext>
-            </a:extLst>
-          </p:cNvPr>
-          <p:cNvSpPr/>
-          <p:nvPr/>
-        </p:nvSpPr>
-        <p:spPr>
-          <a:xfrm>
-            <a:off x="5557705" y="2480689"/>
-            <a:ext cx="402671" cy="360727"/>
-          </a:xfrm>
-          <a:prstGeom prst="ellipse">
-            <a:avLst/>
-          </a:prstGeom>
-          <a:solidFill>
-            <a:srgbClr val="C00000"/>
-          </a:solidFill>
-        </p:spPr>
-        <p:style>
-          <a:lnRef idx="2">
-            <a:schemeClr val="accent2">
-              <a:shade val="50000"/>
-            </a:schemeClr>
-          </a:lnRef>
-          <a:fillRef idx="1">
-            <a:schemeClr val="accent2"/>
-          </a:fillRef>
-          <a:effectRef idx="0">
-            <a:schemeClr val="accent2"/>
-          </a:effectRef>
-          <a:fontRef idx="minor">
-            <a:schemeClr val="lt1"/>
-          </a:fontRef>
-        </p:style>
-        <p:txBody>
-          <a:bodyPr rtlCol="0" anchor="ctr"/>
-          <a:lstStyle/>
-          <a:p>
-            <a:pPr algn="ctr"/>
-            <a:r>
-              <a:rPr lang="pl-PL"/>
-              <a:t>6</a:t>
-            </a:r>
-          </a:p>
-        </p:txBody>
-      </p:sp>
-      <p:sp>
-        <p:nvSpPr>
-          <p:cNvPr id="15" name="Owal 14">
-            <a:extLst>
-              <a:ext uri="{FF2B5EF4-FFF2-40B4-BE49-F238E27FC236}">
-                <a16:creationId xmlns:a16="http://schemas.microsoft.com/office/drawing/2014/main" id="{89BA9539-1396-49DD-ADE7-4C3DF3384028}"/>
-              </a:ext>
-            </a:extLst>
-          </p:cNvPr>
-          <p:cNvSpPr/>
-          <p:nvPr/>
-        </p:nvSpPr>
-        <p:spPr>
-          <a:xfrm>
-            <a:off x="10489034" y="4663225"/>
-            <a:ext cx="402671" cy="360727"/>
-          </a:xfrm>
-          <a:prstGeom prst="ellipse">
-            <a:avLst/>
-          </a:prstGeom>
-          <a:solidFill>
-            <a:srgbClr val="C00000"/>
-          </a:solidFill>
-        </p:spPr>
-        <p:style>
-          <a:lnRef idx="2">
-            <a:schemeClr val="accent2">
-              <a:shade val="50000"/>
-            </a:schemeClr>
-          </a:lnRef>
-          <a:fillRef idx="1">
-            <a:schemeClr val="accent2"/>
-          </a:fillRef>
-          <a:effectRef idx="0">
-            <a:schemeClr val="accent2"/>
-          </a:effectRef>
-          <a:fontRef idx="minor">
-            <a:schemeClr val="lt1"/>
-          </a:fontRef>
-        </p:style>
-        <p:txBody>
-          <a:bodyPr rtlCol="0" anchor="ctr"/>
-          <a:lstStyle/>
-          <a:p>
-            <a:pPr algn="ctr"/>
-            <a:r>
-              <a:rPr lang="pl-PL"/>
-              <a:t>7</a:t>
-            </a:r>
-          </a:p>
-        </p:txBody>
-      </p:sp>
     </p:spTree>
     <p:extLst>
       <p:ext uri="{BB962C8B-B14F-4D97-AF65-F5344CB8AC3E}">
-        <p14:creationId xmlns:p14="http://schemas.microsoft.com/office/powerpoint/2010/main" val="3512685534"/>
+        <p14:creationId xmlns:p14="http://schemas.microsoft.com/office/powerpoint/2010/main" val="4250905165"/>
       </p:ext>
     </p:extLst>
   </p:cSld>
@@ -7134,10 +6123,10 @@
       </p:grpSpPr>
       <p:pic>
         <p:nvPicPr>
-          <p:cNvPr id="3" name="Obraz 2">
-            <a:extLst>
-              <a:ext uri="{FF2B5EF4-FFF2-40B4-BE49-F238E27FC236}">
-                <a16:creationId xmlns:a16="http://schemas.microsoft.com/office/drawing/2014/main" id="{84CC77AE-7241-4C7F-B400-1955A8F9EA76}"/>
+          <p:cNvPr id="4" name="Obraz 3">
+            <a:extLst>
+              <a:ext uri="{FF2B5EF4-FFF2-40B4-BE49-F238E27FC236}">
+                <a16:creationId xmlns:a16="http://schemas.microsoft.com/office/drawing/2014/main" id="{1AECE878-B7DB-4017-A93D-CB9D834AB9CB}"/>
               </a:ext>
             </a:extLst>
           </p:cNvPr>
@@ -7154,8 +6143,8 @@
         </p:blipFill>
         <p:spPr>
           <a:xfrm>
-            <a:off x="0" y="364648"/>
-            <a:ext cx="12192000" cy="6128704"/>
+            <a:off x="0" y="356485"/>
+            <a:ext cx="12192000" cy="6145029"/>
           </a:xfrm>
           <a:prstGeom prst="rect">
             <a:avLst/>
@@ -7228,8 +6217,8 @@
         </p:nvSpPr>
         <p:spPr>
           <a:xfrm>
-            <a:off x="0" y="361420"/>
-            <a:ext cx="12192000" cy="5519264"/>
+            <a:off x="0" y="361419"/>
+            <a:ext cx="12192000" cy="6135161"/>
           </a:xfrm>
           <a:prstGeom prst="rect">
             <a:avLst/>
@@ -7626,6 +6615,274 @@
             <a:r>
               <a:rPr lang="pl-PL"/>
               <a:t>6</a:t>
+            </a:r>
+          </a:p>
+        </p:txBody>
+      </p:sp>
+      <p:sp>
+        <p:nvSpPr>
+          <p:cNvPr id="15" name="Owal 14">
+            <a:extLst>
+              <a:ext uri="{FF2B5EF4-FFF2-40B4-BE49-F238E27FC236}">
+                <a16:creationId xmlns:a16="http://schemas.microsoft.com/office/drawing/2014/main" id="{89BA9539-1396-49DD-ADE7-4C3DF3384028}"/>
+              </a:ext>
+            </a:extLst>
+          </p:cNvPr>
+          <p:cNvSpPr/>
+          <p:nvPr/>
+        </p:nvSpPr>
+        <p:spPr>
+          <a:xfrm>
+            <a:off x="10489034" y="4663225"/>
+            <a:ext cx="402671" cy="360727"/>
+          </a:xfrm>
+          <a:prstGeom prst="ellipse">
+            <a:avLst/>
+          </a:prstGeom>
+          <a:solidFill>
+            <a:srgbClr val="C00000"/>
+          </a:solidFill>
+        </p:spPr>
+        <p:style>
+          <a:lnRef idx="2">
+            <a:schemeClr val="accent2">
+              <a:shade val="50000"/>
+            </a:schemeClr>
+          </a:lnRef>
+          <a:fillRef idx="1">
+            <a:schemeClr val="accent2"/>
+          </a:fillRef>
+          <a:effectRef idx="0">
+            <a:schemeClr val="accent2"/>
+          </a:effectRef>
+          <a:fontRef idx="minor">
+            <a:schemeClr val="lt1"/>
+          </a:fontRef>
+        </p:style>
+        <p:txBody>
+          <a:bodyPr rtlCol="0" anchor="ctr"/>
+          <a:lstStyle/>
+          <a:p>
+            <a:pPr algn="ctr"/>
+            <a:r>
+              <a:rPr lang="pl-PL"/>
+              <a:t>7</a:t>
+            </a:r>
+          </a:p>
+        </p:txBody>
+      </p:sp>
+    </p:spTree>
+    <p:extLst>
+      <p:ext uri="{BB962C8B-B14F-4D97-AF65-F5344CB8AC3E}">
+        <p14:creationId xmlns:p14="http://schemas.microsoft.com/office/powerpoint/2010/main" val="3512685534"/>
+      </p:ext>
+    </p:extLst>
+  </p:cSld>
+  <p:clrMapOvr>
+    <a:masterClrMapping/>
+  </p:clrMapOvr>
+</p:sld>
+</file>
+
+<file path=ppt/slides/slide16.xml><?xml version="1.0" encoding="utf-8"?>
+<p:sld xmlns:a="http://schemas.openxmlformats.org/drawingml/2006/main" xmlns:r="http://schemas.openxmlformats.org/officeDocument/2006/relationships" xmlns:p="http://schemas.openxmlformats.org/presentationml/2006/main">
+  <p:cSld>
+    <p:spTree>
+      <p:nvGrpSpPr>
+        <p:cNvPr id="1" name=""/>
+        <p:cNvGrpSpPr/>
+        <p:nvPr/>
+      </p:nvGrpSpPr>
+      <p:grpSpPr>
+        <a:xfrm>
+          <a:off x="0" y="0"/>
+          <a:ext cx="0" cy="0"/>
+          <a:chOff x="0" y="0"/>
+          <a:chExt cx="0" cy="0"/>
+        </a:xfrm>
+      </p:grpSpPr>
+      <p:pic>
+        <p:nvPicPr>
+          <p:cNvPr id="3" name="Obraz 2">
+            <a:extLst>
+              <a:ext uri="{FF2B5EF4-FFF2-40B4-BE49-F238E27FC236}">
+                <a16:creationId xmlns:a16="http://schemas.microsoft.com/office/drawing/2014/main" id="{84CC77AE-7241-4C7F-B400-1955A8F9EA76}"/>
+              </a:ext>
+            </a:extLst>
+          </p:cNvPr>
+          <p:cNvPicPr>
+            <a:picLocks noChangeAspect="1"/>
+          </p:cNvPicPr>
+          <p:nvPr/>
+        </p:nvPicPr>
+        <p:blipFill>
+          <a:blip r:embed="rId2"/>
+          <a:stretch>
+            <a:fillRect/>
+          </a:stretch>
+        </p:blipFill>
+        <p:spPr>
+          <a:xfrm>
+            <a:off x="0" y="364648"/>
+            <a:ext cx="12192000" cy="6128704"/>
+          </a:xfrm>
+          <a:prstGeom prst="rect">
+            <a:avLst/>
+          </a:prstGeom>
+        </p:spPr>
+      </p:pic>
+      <p:sp>
+        <p:nvSpPr>
+          <p:cNvPr id="11" name="Owal 10">
+            <a:extLst>
+              <a:ext uri="{FF2B5EF4-FFF2-40B4-BE49-F238E27FC236}">
+                <a16:creationId xmlns:a16="http://schemas.microsoft.com/office/drawing/2014/main" id="{0E7B7507-53E9-4688-94E1-ED40EF460D70}"/>
+              </a:ext>
+            </a:extLst>
+          </p:cNvPr>
+          <p:cNvSpPr/>
+          <p:nvPr/>
+        </p:nvSpPr>
+        <p:spPr>
+          <a:xfrm>
+            <a:off x="2063690" y="675659"/>
+            <a:ext cx="402671" cy="360727"/>
+          </a:xfrm>
+          <a:prstGeom prst="ellipse">
+            <a:avLst/>
+          </a:prstGeom>
+          <a:solidFill>
+            <a:srgbClr val="C00000"/>
+          </a:solidFill>
+        </p:spPr>
+        <p:style>
+          <a:lnRef idx="2">
+            <a:schemeClr val="accent2">
+              <a:shade val="50000"/>
+            </a:schemeClr>
+          </a:lnRef>
+          <a:fillRef idx="1">
+            <a:schemeClr val="accent2"/>
+          </a:fillRef>
+          <a:effectRef idx="0">
+            <a:schemeClr val="accent2"/>
+          </a:effectRef>
+          <a:fontRef idx="minor">
+            <a:schemeClr val="lt1"/>
+          </a:fontRef>
+        </p:style>
+        <p:txBody>
+          <a:bodyPr rtlCol="0" anchor="ctr"/>
+          <a:lstStyle/>
+          <a:p>
+            <a:pPr algn="ctr"/>
+            <a:r>
+              <a:rPr lang="pl-PL"/>
+              <a:t>1</a:t>
+            </a:r>
+          </a:p>
+        </p:txBody>
+      </p:sp>
+      <p:sp>
+        <p:nvSpPr>
+          <p:cNvPr id="12" name="Owal 11">
+            <a:extLst>
+              <a:ext uri="{FF2B5EF4-FFF2-40B4-BE49-F238E27FC236}">
+                <a16:creationId xmlns:a16="http://schemas.microsoft.com/office/drawing/2014/main" id="{9279B823-E10D-4FA5-A8B5-8E156EC9D0C5}"/>
+              </a:ext>
+            </a:extLst>
+          </p:cNvPr>
+          <p:cNvSpPr/>
+          <p:nvPr/>
+        </p:nvSpPr>
+        <p:spPr>
+          <a:xfrm>
+            <a:off x="10489035" y="675658"/>
+            <a:ext cx="402671" cy="360727"/>
+          </a:xfrm>
+          <a:prstGeom prst="ellipse">
+            <a:avLst/>
+          </a:prstGeom>
+          <a:solidFill>
+            <a:srgbClr val="C00000"/>
+          </a:solidFill>
+        </p:spPr>
+        <p:style>
+          <a:lnRef idx="2">
+            <a:schemeClr val="accent2">
+              <a:shade val="50000"/>
+            </a:schemeClr>
+          </a:lnRef>
+          <a:fillRef idx="1">
+            <a:schemeClr val="accent2"/>
+          </a:fillRef>
+          <a:effectRef idx="0">
+            <a:schemeClr val="accent2"/>
+          </a:effectRef>
+          <a:fontRef idx="minor">
+            <a:schemeClr val="lt1"/>
+          </a:fontRef>
+        </p:style>
+        <p:txBody>
+          <a:bodyPr rtlCol="0" anchor="ctr"/>
+          <a:lstStyle/>
+          <a:p>
+            <a:pPr algn="ctr"/>
+            <a:r>
+              <a:rPr lang="pl-PL"/>
+              <a:t>2</a:t>
+            </a:r>
+          </a:p>
+        </p:txBody>
+      </p:sp>
+      <p:sp>
+        <p:nvSpPr>
+          <p:cNvPr id="13" name="Owal 12">
+            <a:extLst>
+              <a:ext uri="{FF2B5EF4-FFF2-40B4-BE49-F238E27FC236}">
+                <a16:creationId xmlns:a16="http://schemas.microsoft.com/office/drawing/2014/main" id="{D45DF03F-F915-4A56-A693-33B93226676C}"/>
+              </a:ext>
+            </a:extLst>
+          </p:cNvPr>
+          <p:cNvSpPr/>
+          <p:nvPr/>
+        </p:nvSpPr>
+        <p:spPr>
+          <a:xfrm>
+            <a:off x="2041319" y="2480689"/>
+            <a:ext cx="402671" cy="360727"/>
+          </a:xfrm>
+          <a:prstGeom prst="ellipse">
+            <a:avLst/>
+          </a:prstGeom>
+          <a:solidFill>
+            <a:srgbClr val="C00000"/>
+          </a:solidFill>
+        </p:spPr>
+        <p:style>
+          <a:lnRef idx="2">
+            <a:schemeClr val="accent2">
+              <a:shade val="50000"/>
+            </a:schemeClr>
+          </a:lnRef>
+          <a:fillRef idx="1">
+            <a:schemeClr val="accent2"/>
+          </a:fillRef>
+          <a:effectRef idx="0">
+            <a:schemeClr val="accent2"/>
+          </a:effectRef>
+          <a:fontRef idx="minor">
+            <a:schemeClr val="lt1"/>
+          </a:fontRef>
+        </p:style>
+        <p:txBody>
+          <a:bodyPr rtlCol="0" anchor="ctr"/>
+          <a:lstStyle/>
+          <a:p>
+            <a:pPr algn="ctr"/>
+            <a:r>
+              <a:rPr lang="pl-PL"/>
+              <a:t>3</a:t>
             </a:r>
           </a:p>
         </p:txBody>
@@ -9448,10 +8705,10 @@
       </p:grpSpPr>
       <p:pic>
         <p:nvPicPr>
-          <p:cNvPr id="3" name="Obraz 2">
-            <a:extLst>
-              <a:ext uri="{FF2B5EF4-FFF2-40B4-BE49-F238E27FC236}">
-                <a16:creationId xmlns:a16="http://schemas.microsoft.com/office/drawing/2014/main" id="{8ABF1410-6092-48EB-9641-DC865FA06878}"/>
+          <p:cNvPr id="4" name="Obraz 3">
+            <a:extLst>
+              <a:ext uri="{FF2B5EF4-FFF2-40B4-BE49-F238E27FC236}">
+                <a16:creationId xmlns:a16="http://schemas.microsoft.com/office/drawing/2014/main" id="{E77A2EF2-52FE-40DA-A557-1CB1F132D299}"/>
               </a:ext>
             </a:extLst>
           </p:cNvPr>
@@ -9468,8 +8725,8 @@
         </p:blipFill>
         <p:spPr>
           <a:xfrm>
-            <a:off x="0" y="395599"/>
-            <a:ext cx="12192000" cy="6066801"/>
+            <a:off x="0" y="366307"/>
+            <a:ext cx="12192000" cy="6125386"/>
           </a:xfrm>
           <a:prstGeom prst="rect">
             <a:avLst/>
@@ -9478,175 +8735,19 @@
       </p:pic>
       <p:sp>
         <p:nvSpPr>
-          <p:cNvPr id="6" name="Prostokąt 5">
-            <a:extLst>
-              <a:ext uri="{FF2B5EF4-FFF2-40B4-BE49-F238E27FC236}">
-                <a16:creationId xmlns:a16="http://schemas.microsoft.com/office/drawing/2014/main" id="{16F0A95E-C46C-4106-8609-493577FD511F}"/>
-              </a:ext>
-            </a:extLst>
-          </p:cNvPr>
-          <p:cNvSpPr/>
-          <p:nvPr/>
-        </p:nvSpPr>
-        <p:spPr>
-          <a:xfrm>
-            <a:off x="0" y="361419"/>
-            <a:ext cx="1971413" cy="989209"/>
-          </a:xfrm>
-          <a:prstGeom prst="rect">
-            <a:avLst/>
-          </a:prstGeom>
-          <a:noFill/>
-          <a:ln w="38100">
-            <a:solidFill>
-              <a:srgbClr val="C00000"/>
-            </a:solidFill>
-          </a:ln>
-        </p:spPr>
-        <p:style>
-          <a:lnRef idx="2">
-            <a:schemeClr val="accent1">
-              <a:shade val="50000"/>
-            </a:schemeClr>
-          </a:lnRef>
-          <a:fillRef idx="1">
-            <a:schemeClr val="accent1"/>
-          </a:fillRef>
-          <a:effectRef idx="0">
-            <a:schemeClr val="accent1"/>
-          </a:effectRef>
-          <a:fontRef idx="minor">
-            <a:schemeClr val="lt1"/>
-          </a:fontRef>
-        </p:style>
-        <p:txBody>
-          <a:bodyPr rtlCol="0" anchor="ctr"/>
-          <a:lstStyle/>
-          <a:p>
-            <a:pPr algn="ctr"/>
-            <a:endParaRPr lang="pl-PL"/>
-          </a:p>
-        </p:txBody>
-      </p:sp>
-      <p:sp>
-        <p:nvSpPr>
-          <p:cNvPr id="7" name="Prostokąt 6">
-            <a:extLst>
-              <a:ext uri="{FF2B5EF4-FFF2-40B4-BE49-F238E27FC236}">
-                <a16:creationId xmlns:a16="http://schemas.microsoft.com/office/drawing/2014/main" id="{D024C788-6B8C-4925-A384-D8953E6A7AED}"/>
-              </a:ext>
-            </a:extLst>
-          </p:cNvPr>
-          <p:cNvSpPr/>
-          <p:nvPr/>
-        </p:nvSpPr>
-        <p:spPr>
-          <a:xfrm>
-            <a:off x="0" y="361419"/>
-            <a:ext cx="12192000" cy="6135161"/>
-          </a:xfrm>
-          <a:prstGeom prst="rect">
-            <a:avLst/>
-          </a:prstGeom>
-          <a:noFill/>
-          <a:ln w="38100">
-            <a:solidFill>
-              <a:srgbClr val="C00000"/>
-            </a:solidFill>
-          </a:ln>
-        </p:spPr>
-        <p:style>
-          <a:lnRef idx="2">
-            <a:schemeClr val="accent1">
-              <a:shade val="50000"/>
-            </a:schemeClr>
-          </a:lnRef>
-          <a:fillRef idx="1">
-            <a:schemeClr val="accent1"/>
-          </a:fillRef>
-          <a:effectRef idx="0">
-            <a:schemeClr val="accent1"/>
-          </a:effectRef>
-          <a:fontRef idx="minor">
-            <a:schemeClr val="lt1"/>
-          </a:fontRef>
-        </p:style>
-        <p:txBody>
-          <a:bodyPr rtlCol="0" anchor="ctr"/>
-          <a:lstStyle/>
-          <a:p>
-            <a:pPr algn="ctr"/>
-            <a:endParaRPr lang="pl-PL"/>
-          </a:p>
-        </p:txBody>
-      </p:sp>
-      <p:sp>
-        <p:nvSpPr>
-          <p:cNvPr id="8" name="Prostokąt 7">
-            <a:extLst>
-              <a:ext uri="{FF2B5EF4-FFF2-40B4-BE49-F238E27FC236}">
-                <a16:creationId xmlns:a16="http://schemas.microsoft.com/office/drawing/2014/main" id="{16FB46F9-F620-4AD8-A26F-EA222D2A29FD}"/>
-              </a:ext>
-            </a:extLst>
-          </p:cNvPr>
-          <p:cNvSpPr/>
-          <p:nvPr/>
-        </p:nvSpPr>
-        <p:spPr>
-          <a:xfrm>
-            <a:off x="-1" y="362818"/>
-            <a:ext cx="1971413" cy="6133762"/>
-          </a:xfrm>
-          <a:prstGeom prst="rect">
-            <a:avLst/>
-          </a:prstGeom>
-          <a:noFill/>
-          <a:ln w="38100">
-            <a:solidFill>
-              <a:srgbClr val="C00000"/>
-            </a:solidFill>
-          </a:ln>
-        </p:spPr>
-        <p:style>
-          <a:lnRef idx="2">
-            <a:schemeClr val="accent1">
-              <a:shade val="50000"/>
-            </a:schemeClr>
-          </a:lnRef>
-          <a:fillRef idx="1">
-            <a:schemeClr val="accent1"/>
-          </a:fillRef>
-          <a:effectRef idx="0">
-            <a:schemeClr val="accent1"/>
-          </a:effectRef>
-          <a:fontRef idx="minor">
-            <a:schemeClr val="lt1"/>
-          </a:fontRef>
-        </p:style>
-        <p:txBody>
-          <a:bodyPr rtlCol="0" anchor="ctr"/>
-          <a:lstStyle/>
-          <a:p>
-            <a:pPr algn="ctr"/>
-            <a:endParaRPr lang="pl-PL"/>
-          </a:p>
-        </p:txBody>
-      </p:sp>
-      <p:sp>
-        <p:nvSpPr>
-          <p:cNvPr id="9" name="Owal 8">
-            <a:extLst>
-              <a:ext uri="{FF2B5EF4-FFF2-40B4-BE49-F238E27FC236}">
-                <a16:creationId xmlns:a16="http://schemas.microsoft.com/office/drawing/2014/main" id="{BE4091C0-D10F-4949-B109-0A4051D674E0}"/>
-              </a:ext>
-            </a:extLst>
-          </p:cNvPr>
-          <p:cNvSpPr/>
-          <p:nvPr/>
-        </p:nvSpPr>
-        <p:spPr>
-          <a:xfrm>
-            <a:off x="1300294" y="545284"/>
+          <p:cNvPr id="11" name="Owal 10">
+            <a:extLst>
+              <a:ext uri="{FF2B5EF4-FFF2-40B4-BE49-F238E27FC236}">
+                <a16:creationId xmlns:a16="http://schemas.microsoft.com/office/drawing/2014/main" id="{0E7B7507-53E9-4688-94E1-ED40EF460D70}"/>
+              </a:ext>
+            </a:extLst>
+          </p:cNvPr>
+          <p:cNvSpPr/>
+          <p:nvPr/>
+        </p:nvSpPr>
+        <p:spPr>
+          <a:xfrm>
+            <a:off x="2659309" y="989901"/>
             <a:ext cx="402671" cy="360727"/>
           </a:xfrm>
           <a:prstGeom prst="ellipse">
@@ -9686,19 +8787,19 @@
       </p:sp>
       <p:sp>
         <p:nvSpPr>
-          <p:cNvPr id="10" name="Owal 9">
-            <a:extLst>
-              <a:ext uri="{FF2B5EF4-FFF2-40B4-BE49-F238E27FC236}">
-                <a16:creationId xmlns:a16="http://schemas.microsoft.com/office/drawing/2014/main" id="{D8DEDFBA-0286-48C5-AD73-5E1C21954FC6}"/>
-              </a:ext>
-            </a:extLst>
-          </p:cNvPr>
-          <p:cNvSpPr/>
-          <p:nvPr/>
-        </p:nvSpPr>
-        <p:spPr>
-          <a:xfrm>
-            <a:off x="1501629" y="1392573"/>
+          <p:cNvPr id="12" name="Owal 11">
+            <a:extLst>
+              <a:ext uri="{FF2B5EF4-FFF2-40B4-BE49-F238E27FC236}">
+                <a16:creationId xmlns:a16="http://schemas.microsoft.com/office/drawing/2014/main" id="{9279B823-E10D-4FA5-A8B5-8E156EC9D0C5}"/>
+              </a:ext>
+            </a:extLst>
+          </p:cNvPr>
+          <p:cNvSpPr/>
+          <p:nvPr/>
+        </p:nvSpPr>
+        <p:spPr>
+          <a:xfrm>
+            <a:off x="2785144" y="4084951"/>
             <a:ext cx="402671" cy="360727"/>
           </a:xfrm>
           <a:prstGeom prst="ellipse">
@@ -9731,26 +8832,26 @@
             <a:pPr algn="ctr"/>
             <a:r>
               <a:rPr lang="pl-PL"/>
-              <a:t>2</a:t>
-            </a:r>
-          </a:p>
-        </p:txBody>
-      </p:sp>
-      <p:sp>
-        <p:nvSpPr>
-          <p:cNvPr id="11" name="Owal 10">
-            <a:extLst>
-              <a:ext uri="{FF2B5EF4-FFF2-40B4-BE49-F238E27FC236}">
-                <a16:creationId xmlns:a16="http://schemas.microsoft.com/office/drawing/2014/main" id="{0E7B7507-53E9-4688-94E1-ED40EF460D70}"/>
-              </a:ext>
-            </a:extLst>
-          </p:cNvPr>
-          <p:cNvSpPr/>
-          <p:nvPr/>
-        </p:nvSpPr>
-        <p:spPr>
-          <a:xfrm>
-            <a:off x="2063690" y="675659"/>
+              <a:t>6</a:t>
+            </a:r>
+          </a:p>
+        </p:txBody>
+      </p:sp>
+      <p:sp>
+        <p:nvSpPr>
+          <p:cNvPr id="13" name="Owal 12">
+            <a:extLst>
+              <a:ext uri="{FF2B5EF4-FFF2-40B4-BE49-F238E27FC236}">
+                <a16:creationId xmlns:a16="http://schemas.microsoft.com/office/drawing/2014/main" id="{FFEB2C3C-D717-464F-BAD4-A683C157E933}"/>
+              </a:ext>
+            </a:extLst>
+          </p:cNvPr>
+          <p:cNvSpPr/>
+          <p:nvPr/>
+        </p:nvSpPr>
+        <p:spPr>
+          <a:xfrm>
+            <a:off x="2659309" y="1858572"/>
             <a:ext cx="402671" cy="360727"/>
           </a:xfrm>
           <a:prstGeom prst="ellipse">
@@ -9783,26 +8884,26 @@
             <a:pPr algn="ctr"/>
             <a:r>
               <a:rPr lang="pl-PL"/>
-              <a:t>3</a:t>
-            </a:r>
-          </a:p>
-        </p:txBody>
-      </p:sp>
-      <p:sp>
-        <p:nvSpPr>
-          <p:cNvPr id="12" name="Owal 11">
-            <a:extLst>
-              <a:ext uri="{FF2B5EF4-FFF2-40B4-BE49-F238E27FC236}">
-                <a16:creationId xmlns:a16="http://schemas.microsoft.com/office/drawing/2014/main" id="{9279B823-E10D-4FA5-A8B5-8E156EC9D0C5}"/>
-              </a:ext>
-            </a:extLst>
-          </p:cNvPr>
-          <p:cNvSpPr/>
-          <p:nvPr/>
-        </p:nvSpPr>
-        <p:spPr>
-          <a:xfrm>
-            <a:off x="2063690" y="3321553"/>
+              <a:t>4</a:t>
+            </a:r>
+          </a:p>
+        </p:txBody>
+      </p:sp>
+      <p:sp>
+        <p:nvSpPr>
+          <p:cNvPr id="14" name="Owal 13">
+            <a:extLst>
+              <a:ext uri="{FF2B5EF4-FFF2-40B4-BE49-F238E27FC236}">
+                <a16:creationId xmlns:a16="http://schemas.microsoft.com/office/drawing/2014/main" id="{871B6094-6FFD-45B4-8FB3-29831C2C80EC}"/>
+              </a:ext>
+            </a:extLst>
+          </p:cNvPr>
+          <p:cNvSpPr/>
+          <p:nvPr/>
+        </p:nvSpPr>
+        <p:spPr>
+          <a:xfrm>
+            <a:off x="7643395" y="1041416"/>
             <a:ext cx="402671" cy="360727"/>
           </a:xfrm>
           <a:prstGeom prst="ellipse">
@@ -9835,7 +8936,111 @@
             <a:pPr algn="ctr"/>
             <a:r>
               <a:rPr lang="pl-PL"/>
-              <a:t>4</a:t>
+              <a:t>2</a:t>
+            </a:r>
+          </a:p>
+        </p:txBody>
+      </p:sp>
+      <p:sp>
+        <p:nvSpPr>
+          <p:cNvPr id="15" name="Owal 14">
+            <a:extLst>
+              <a:ext uri="{FF2B5EF4-FFF2-40B4-BE49-F238E27FC236}">
+                <a16:creationId xmlns:a16="http://schemas.microsoft.com/office/drawing/2014/main" id="{BB6D45D4-E7C0-43E7-8D85-24C9749E1CEC}"/>
+              </a:ext>
+            </a:extLst>
+          </p:cNvPr>
+          <p:cNvSpPr/>
+          <p:nvPr/>
+        </p:nvSpPr>
+        <p:spPr>
+          <a:xfrm>
+            <a:off x="5648215" y="1858571"/>
+            <a:ext cx="402671" cy="360727"/>
+          </a:xfrm>
+          <a:prstGeom prst="ellipse">
+            <a:avLst/>
+          </a:prstGeom>
+          <a:solidFill>
+            <a:srgbClr val="C00000"/>
+          </a:solidFill>
+        </p:spPr>
+        <p:style>
+          <a:lnRef idx="2">
+            <a:schemeClr val="accent2">
+              <a:shade val="50000"/>
+            </a:schemeClr>
+          </a:lnRef>
+          <a:fillRef idx="1">
+            <a:schemeClr val="accent2"/>
+          </a:fillRef>
+          <a:effectRef idx="0">
+            <a:schemeClr val="accent2"/>
+          </a:effectRef>
+          <a:fontRef idx="minor">
+            <a:schemeClr val="lt1"/>
+          </a:fontRef>
+        </p:style>
+        <p:txBody>
+          <a:bodyPr rtlCol="0" anchor="ctr"/>
+          <a:lstStyle/>
+          <a:p>
+            <a:pPr algn="ctr"/>
+            <a:r>
+              <a:rPr lang="pl-PL"/>
+              <a:t>5</a:t>
+            </a:r>
+          </a:p>
+        </p:txBody>
+      </p:sp>
+      <p:sp>
+        <p:nvSpPr>
+          <p:cNvPr id="16" name="Owal 15">
+            <a:extLst>
+              <a:ext uri="{FF2B5EF4-FFF2-40B4-BE49-F238E27FC236}">
+                <a16:creationId xmlns:a16="http://schemas.microsoft.com/office/drawing/2014/main" id="{D1F97D1E-E8F9-4C96-9258-869FB9DEBC8E}"/>
+              </a:ext>
+            </a:extLst>
+          </p:cNvPr>
+          <p:cNvSpPr/>
+          <p:nvPr/>
+        </p:nvSpPr>
+        <p:spPr>
+          <a:xfrm>
+            <a:off x="9532691" y="1041416"/>
+            <a:ext cx="402671" cy="360727"/>
+          </a:xfrm>
+          <a:prstGeom prst="ellipse">
+            <a:avLst/>
+          </a:prstGeom>
+          <a:solidFill>
+            <a:srgbClr val="C00000"/>
+          </a:solidFill>
+        </p:spPr>
+        <p:style>
+          <a:lnRef idx="2">
+            <a:schemeClr val="accent2">
+              <a:shade val="50000"/>
+            </a:schemeClr>
+          </a:lnRef>
+          <a:fillRef idx="1">
+            <a:schemeClr val="accent2"/>
+          </a:fillRef>
+          <a:effectRef idx="0">
+            <a:schemeClr val="accent2"/>
+          </a:effectRef>
+          <a:fontRef idx="minor">
+            <a:schemeClr val="lt1"/>
+          </a:fontRef>
+        </p:style>
+        <p:txBody>
+          <a:bodyPr rtlCol="0" anchor="ctr"/>
+          <a:lstStyle/>
+          <a:p>
+            <a:pPr algn="ctr"/>
+            <a:r>
+              <a:rPr lang="pl-PL"/>
+              <a:t>3</a:t>
             </a:r>
           </a:p>
         </p:txBody>
@@ -10264,6 +9469,66 @@
           </a:p>
         </p:txBody>
       </p:sp>
+      <p:pic>
+        <p:nvPicPr>
+          <p:cNvPr id="3" name="Obraz 2">
+            <a:extLst>
+              <a:ext uri="{FF2B5EF4-FFF2-40B4-BE49-F238E27FC236}">
+                <a16:creationId xmlns:a16="http://schemas.microsoft.com/office/drawing/2014/main" id="{99F395FB-3DA0-4AD8-BBE7-10DC461EEA4F}"/>
+              </a:ext>
+            </a:extLst>
+          </p:cNvPr>
+          <p:cNvPicPr>
+            <a:picLocks noChangeAspect="1"/>
+          </p:cNvPicPr>
+          <p:nvPr/>
+        </p:nvPicPr>
+        <p:blipFill>
+          <a:blip r:embed="rId3"/>
+          <a:stretch>
+            <a:fillRect/>
+          </a:stretch>
+        </p:blipFill>
+        <p:spPr>
+          <a:xfrm>
+            <a:off x="2904818" y="675659"/>
+            <a:ext cx="8848725" cy="2914650"/>
+          </a:xfrm>
+          <a:prstGeom prst="rect">
+            <a:avLst/>
+          </a:prstGeom>
+        </p:spPr>
+      </p:pic>
+      <p:pic>
+        <p:nvPicPr>
+          <p:cNvPr id="13" name="Obraz 12">
+            <a:extLst>
+              <a:ext uri="{FF2B5EF4-FFF2-40B4-BE49-F238E27FC236}">
+                <a16:creationId xmlns:a16="http://schemas.microsoft.com/office/drawing/2014/main" id="{A471C1EB-9DE9-4A16-8302-0A71002E4191}"/>
+              </a:ext>
+            </a:extLst>
+          </p:cNvPr>
+          <p:cNvPicPr>
+            <a:picLocks noChangeAspect="1"/>
+          </p:cNvPicPr>
+          <p:nvPr/>
+        </p:nvPicPr>
+        <p:blipFill>
+          <a:blip r:embed="rId4"/>
+          <a:stretch>
+            <a:fillRect/>
+          </a:stretch>
+        </p:blipFill>
+        <p:spPr>
+          <a:xfrm>
+            <a:off x="2928630" y="3583925"/>
+            <a:ext cx="8801100" cy="2886075"/>
+          </a:xfrm>
+          <a:prstGeom prst="rect">
+            <a:avLst/>
+          </a:prstGeom>
+        </p:spPr>
+      </p:pic>
     </p:spTree>
     <p:extLst>
       <p:ext uri="{BB962C8B-B14F-4D97-AF65-F5344CB8AC3E}">
@@ -10296,10 +9561,10 @@
       </p:grpSpPr>
       <p:pic>
         <p:nvPicPr>
-          <p:cNvPr id="4" name="Obraz 3">
-            <a:extLst>
-              <a:ext uri="{FF2B5EF4-FFF2-40B4-BE49-F238E27FC236}">
-                <a16:creationId xmlns:a16="http://schemas.microsoft.com/office/drawing/2014/main" id="{9C370A7C-5151-4973-A7F4-10EF0B8D3AA2}"/>
+          <p:cNvPr id="7" name="Obraz 6">
+            <a:extLst>
+              <a:ext uri="{FF2B5EF4-FFF2-40B4-BE49-F238E27FC236}">
+                <a16:creationId xmlns:a16="http://schemas.microsoft.com/office/drawing/2014/main" id="{411C1937-6102-4771-A85C-429C058F8BB2}"/>
               </a:ext>
             </a:extLst>
           </p:cNvPr>
@@ -10308,16 +9573,45 @@
           </p:cNvPicPr>
           <p:nvPr/>
         </p:nvPicPr>
+        <p:blipFill rotWithShape="1">
+          <a:blip r:embed="rId2"/>
+          <a:srcRect l="73175" t="46078" r="435" b="37900"/>
+          <a:stretch/>
+        </p:blipFill>
+        <p:spPr>
+          <a:xfrm>
+            <a:off x="8512141" y="2935616"/>
+            <a:ext cx="2780522" cy="838526"/>
+          </a:xfrm>
+          <a:prstGeom prst="rect">
+            <a:avLst/>
+          </a:prstGeom>
+        </p:spPr>
+      </p:pic>
+      <p:pic>
+        <p:nvPicPr>
+          <p:cNvPr id="9" name="Obraz 8">
+            <a:extLst>
+              <a:ext uri="{FF2B5EF4-FFF2-40B4-BE49-F238E27FC236}">
+                <a16:creationId xmlns:a16="http://schemas.microsoft.com/office/drawing/2014/main" id="{7E804B8E-6666-46DE-8FAA-B495B15D0CE3}"/>
+              </a:ext>
+            </a:extLst>
+          </p:cNvPr>
+          <p:cNvPicPr>
+            <a:picLocks noChangeAspect="1"/>
+          </p:cNvPicPr>
+          <p:nvPr/>
+        </p:nvPicPr>
         <p:blipFill>
-          <a:blip r:embed="rId2"/>
+          <a:blip r:embed="rId3"/>
           <a:stretch>
             <a:fillRect/>
           </a:stretch>
         </p:blipFill>
         <p:spPr>
           <a:xfrm>
-            <a:off x="0" y="382622"/>
-            <a:ext cx="12192000" cy="6092756"/>
+            <a:off x="8277225" y="1154767"/>
+            <a:ext cx="3505200" cy="4838700"/>
           </a:xfrm>
           <a:prstGeom prst="rect">
             <a:avLst/>
@@ -10326,175 +9620,19 @@
       </p:pic>
       <p:sp>
         <p:nvSpPr>
-          <p:cNvPr id="6" name="Prostokąt 5">
-            <a:extLst>
-              <a:ext uri="{FF2B5EF4-FFF2-40B4-BE49-F238E27FC236}">
-                <a16:creationId xmlns:a16="http://schemas.microsoft.com/office/drawing/2014/main" id="{16F0A95E-C46C-4106-8609-493577FD511F}"/>
-              </a:ext>
-            </a:extLst>
-          </p:cNvPr>
-          <p:cNvSpPr/>
-          <p:nvPr/>
-        </p:nvSpPr>
-        <p:spPr>
-          <a:xfrm>
-            <a:off x="0" y="361419"/>
-            <a:ext cx="1971413" cy="989209"/>
-          </a:xfrm>
-          <a:prstGeom prst="rect">
-            <a:avLst/>
-          </a:prstGeom>
-          <a:noFill/>
-          <a:ln w="38100">
-            <a:solidFill>
-              <a:srgbClr val="C00000"/>
-            </a:solidFill>
-          </a:ln>
-        </p:spPr>
-        <p:style>
-          <a:lnRef idx="2">
-            <a:schemeClr val="accent1">
-              <a:shade val="50000"/>
-            </a:schemeClr>
-          </a:lnRef>
-          <a:fillRef idx="1">
-            <a:schemeClr val="accent1"/>
-          </a:fillRef>
-          <a:effectRef idx="0">
-            <a:schemeClr val="accent1"/>
-          </a:effectRef>
-          <a:fontRef idx="minor">
-            <a:schemeClr val="lt1"/>
-          </a:fontRef>
-        </p:style>
-        <p:txBody>
-          <a:bodyPr rtlCol="0" anchor="ctr"/>
-          <a:lstStyle/>
-          <a:p>
-            <a:pPr algn="ctr"/>
-            <a:endParaRPr lang="pl-PL"/>
-          </a:p>
-        </p:txBody>
-      </p:sp>
-      <p:sp>
-        <p:nvSpPr>
-          <p:cNvPr id="7" name="Prostokąt 6">
-            <a:extLst>
-              <a:ext uri="{FF2B5EF4-FFF2-40B4-BE49-F238E27FC236}">
-                <a16:creationId xmlns:a16="http://schemas.microsoft.com/office/drawing/2014/main" id="{D024C788-6B8C-4925-A384-D8953E6A7AED}"/>
-              </a:ext>
-            </a:extLst>
-          </p:cNvPr>
-          <p:cNvSpPr/>
-          <p:nvPr/>
-        </p:nvSpPr>
-        <p:spPr>
-          <a:xfrm>
-            <a:off x="0" y="361419"/>
-            <a:ext cx="12192000" cy="6135161"/>
-          </a:xfrm>
-          <a:prstGeom prst="rect">
-            <a:avLst/>
-          </a:prstGeom>
-          <a:noFill/>
-          <a:ln w="38100">
-            <a:solidFill>
-              <a:srgbClr val="C00000"/>
-            </a:solidFill>
-          </a:ln>
-        </p:spPr>
-        <p:style>
-          <a:lnRef idx="2">
-            <a:schemeClr val="accent1">
-              <a:shade val="50000"/>
-            </a:schemeClr>
-          </a:lnRef>
-          <a:fillRef idx="1">
-            <a:schemeClr val="accent1"/>
-          </a:fillRef>
-          <a:effectRef idx="0">
-            <a:schemeClr val="accent1"/>
-          </a:effectRef>
-          <a:fontRef idx="minor">
-            <a:schemeClr val="lt1"/>
-          </a:fontRef>
-        </p:style>
-        <p:txBody>
-          <a:bodyPr rtlCol="0" anchor="ctr"/>
-          <a:lstStyle/>
-          <a:p>
-            <a:pPr algn="ctr"/>
-            <a:endParaRPr lang="pl-PL"/>
-          </a:p>
-        </p:txBody>
-      </p:sp>
-      <p:sp>
-        <p:nvSpPr>
-          <p:cNvPr id="8" name="Prostokąt 7">
-            <a:extLst>
-              <a:ext uri="{FF2B5EF4-FFF2-40B4-BE49-F238E27FC236}">
-                <a16:creationId xmlns:a16="http://schemas.microsoft.com/office/drawing/2014/main" id="{16FB46F9-F620-4AD8-A26F-EA222D2A29FD}"/>
-              </a:ext>
-            </a:extLst>
-          </p:cNvPr>
-          <p:cNvSpPr/>
-          <p:nvPr/>
-        </p:nvSpPr>
-        <p:spPr>
-          <a:xfrm>
-            <a:off x="-1" y="362818"/>
-            <a:ext cx="1971413" cy="6133762"/>
-          </a:xfrm>
-          <a:prstGeom prst="rect">
-            <a:avLst/>
-          </a:prstGeom>
-          <a:noFill/>
-          <a:ln w="38100">
-            <a:solidFill>
-              <a:srgbClr val="C00000"/>
-            </a:solidFill>
-          </a:ln>
-        </p:spPr>
-        <p:style>
-          <a:lnRef idx="2">
-            <a:schemeClr val="accent1">
-              <a:shade val="50000"/>
-            </a:schemeClr>
-          </a:lnRef>
-          <a:fillRef idx="1">
-            <a:schemeClr val="accent1"/>
-          </a:fillRef>
-          <a:effectRef idx="0">
-            <a:schemeClr val="accent1"/>
-          </a:effectRef>
-          <a:fontRef idx="minor">
-            <a:schemeClr val="lt1"/>
-          </a:fontRef>
-        </p:style>
-        <p:txBody>
-          <a:bodyPr rtlCol="0" anchor="ctr"/>
-          <a:lstStyle/>
-          <a:p>
-            <a:pPr algn="ctr"/>
-            <a:endParaRPr lang="pl-PL"/>
-          </a:p>
-        </p:txBody>
-      </p:sp>
-      <p:sp>
-        <p:nvSpPr>
-          <p:cNvPr id="9" name="Owal 8">
-            <a:extLst>
-              <a:ext uri="{FF2B5EF4-FFF2-40B4-BE49-F238E27FC236}">
-                <a16:creationId xmlns:a16="http://schemas.microsoft.com/office/drawing/2014/main" id="{BE4091C0-D10F-4949-B109-0A4051D674E0}"/>
-              </a:ext>
-            </a:extLst>
-          </p:cNvPr>
-          <p:cNvSpPr/>
-          <p:nvPr/>
-        </p:nvSpPr>
-        <p:spPr>
-          <a:xfrm>
-            <a:off x="1300294" y="545284"/>
+          <p:cNvPr id="10" name="Owal 9">
+            <a:extLst>
+              <a:ext uri="{FF2B5EF4-FFF2-40B4-BE49-F238E27FC236}">
+                <a16:creationId xmlns:a16="http://schemas.microsoft.com/office/drawing/2014/main" id="{26C9B7E8-973C-4A41-BF6D-7B69D9DB737B}"/>
+              </a:ext>
+            </a:extLst>
+          </p:cNvPr>
+          <p:cNvSpPr/>
+          <p:nvPr/>
+        </p:nvSpPr>
+        <p:spPr>
+          <a:xfrm>
+            <a:off x="8075889" y="1047051"/>
             <a:ext cx="402671" cy="360727"/>
           </a:xfrm>
           <a:prstGeom prst="ellipse">
@@ -10534,19 +9672,19 @@
       </p:sp>
       <p:sp>
         <p:nvSpPr>
-          <p:cNvPr id="10" name="Owal 9">
-            <a:extLst>
-              <a:ext uri="{FF2B5EF4-FFF2-40B4-BE49-F238E27FC236}">
-                <a16:creationId xmlns:a16="http://schemas.microsoft.com/office/drawing/2014/main" id="{D8DEDFBA-0286-48C5-AD73-5E1C21954FC6}"/>
-              </a:ext>
-            </a:extLst>
-          </p:cNvPr>
-          <p:cNvSpPr/>
-          <p:nvPr/>
-        </p:nvSpPr>
-        <p:spPr>
-          <a:xfrm>
-            <a:off x="1501629" y="1392573"/>
+          <p:cNvPr id="11" name="Owal 10">
+            <a:extLst>
+              <a:ext uri="{FF2B5EF4-FFF2-40B4-BE49-F238E27FC236}">
+                <a16:creationId xmlns:a16="http://schemas.microsoft.com/office/drawing/2014/main" id="{815DC8B8-F6CC-4ABF-88C5-B1C963B5F521}"/>
+              </a:ext>
+            </a:extLst>
+          </p:cNvPr>
+          <p:cNvSpPr/>
+          <p:nvPr/>
+        </p:nvSpPr>
+        <p:spPr>
+          <a:xfrm>
+            <a:off x="8075889" y="3476175"/>
             <a:ext cx="402671" cy="360727"/>
           </a:xfrm>
           <a:prstGeom prst="ellipse">
@@ -10584,21 +9722,51 @@
           </a:p>
         </p:txBody>
       </p:sp>
-      <p:sp>
-        <p:nvSpPr>
-          <p:cNvPr id="11" name="Owal 10">
-            <a:extLst>
-              <a:ext uri="{FF2B5EF4-FFF2-40B4-BE49-F238E27FC236}">
-                <a16:creationId xmlns:a16="http://schemas.microsoft.com/office/drawing/2014/main" id="{0E7B7507-53E9-4688-94E1-ED40EF460D70}"/>
-              </a:ext>
-            </a:extLst>
-          </p:cNvPr>
-          <p:cNvSpPr/>
-          <p:nvPr/>
-        </p:nvSpPr>
-        <p:spPr>
-          <a:xfrm>
-            <a:off x="2063690" y="675659"/>
+      <p:pic>
+        <p:nvPicPr>
+          <p:cNvPr id="15" name="Obraz 14">
+            <a:extLst>
+              <a:ext uri="{FF2B5EF4-FFF2-40B4-BE49-F238E27FC236}">
+                <a16:creationId xmlns:a16="http://schemas.microsoft.com/office/drawing/2014/main" id="{C7FAD2CA-90D6-4730-A32E-D3CD88F262F9}"/>
+              </a:ext>
+            </a:extLst>
+          </p:cNvPr>
+          <p:cNvPicPr>
+            <a:picLocks noChangeAspect="1"/>
+          </p:cNvPicPr>
+          <p:nvPr/>
+        </p:nvPicPr>
+        <p:blipFill>
+          <a:blip r:embed="rId4"/>
+          <a:stretch>
+            <a:fillRect/>
+          </a:stretch>
+        </p:blipFill>
+        <p:spPr>
+          <a:xfrm>
+            <a:off x="1946309" y="1718812"/>
+            <a:ext cx="4667250" cy="3514725"/>
+          </a:xfrm>
+          <a:prstGeom prst="rect">
+            <a:avLst/>
+          </a:prstGeom>
+        </p:spPr>
+      </p:pic>
+      <p:sp>
+        <p:nvSpPr>
+          <p:cNvPr id="16" name="Owal 15">
+            <a:extLst>
+              <a:ext uri="{FF2B5EF4-FFF2-40B4-BE49-F238E27FC236}">
+                <a16:creationId xmlns:a16="http://schemas.microsoft.com/office/drawing/2014/main" id="{440E4FDB-AD33-4CF3-87AA-562F932858BD}"/>
+              </a:ext>
+            </a:extLst>
+          </p:cNvPr>
+          <p:cNvSpPr/>
+          <p:nvPr/>
+        </p:nvSpPr>
+        <p:spPr>
+          <a:xfrm>
+            <a:off x="1924050" y="2399601"/>
             <a:ext cx="402671" cy="360727"/>
           </a:xfrm>
           <a:prstGeom prst="ellipse">
@@ -10631,26 +9799,26 @@
             <a:pPr algn="ctr"/>
             <a:r>
               <a:rPr lang="pl-PL"/>
-              <a:t>3</a:t>
-            </a:r>
-          </a:p>
-        </p:txBody>
-      </p:sp>
-      <p:sp>
-        <p:nvSpPr>
-          <p:cNvPr id="12" name="Owal 11">
-            <a:extLst>
-              <a:ext uri="{FF2B5EF4-FFF2-40B4-BE49-F238E27FC236}">
-                <a16:creationId xmlns:a16="http://schemas.microsoft.com/office/drawing/2014/main" id="{9279B823-E10D-4FA5-A8B5-8E156EC9D0C5}"/>
-              </a:ext>
-            </a:extLst>
-          </p:cNvPr>
-          <p:cNvSpPr/>
-          <p:nvPr/>
-        </p:nvSpPr>
-        <p:spPr>
-          <a:xfrm>
-            <a:off x="2063690" y="3477236"/>
+              <a:t>1</a:t>
+            </a:r>
+          </a:p>
+        </p:txBody>
+      </p:sp>
+      <p:sp>
+        <p:nvSpPr>
+          <p:cNvPr id="17" name="Owal 16">
+            <a:extLst>
+              <a:ext uri="{FF2B5EF4-FFF2-40B4-BE49-F238E27FC236}">
+                <a16:creationId xmlns:a16="http://schemas.microsoft.com/office/drawing/2014/main" id="{2D3AAA1D-7307-4A35-BA27-6D30E16F93AB}"/>
+              </a:ext>
+            </a:extLst>
+          </p:cNvPr>
+          <p:cNvSpPr/>
+          <p:nvPr/>
+        </p:nvSpPr>
+        <p:spPr>
+          <a:xfrm>
+            <a:off x="1946309" y="3816569"/>
             <a:ext cx="402671" cy="360727"/>
           </a:xfrm>
           <a:prstGeom prst="ellipse">
@@ -10683,7 +9851,59 @@
             <a:pPr algn="ctr"/>
             <a:r>
               <a:rPr lang="pl-PL"/>
-              <a:t>4</a:t>
+              <a:t>2</a:t>
+            </a:r>
+          </a:p>
+        </p:txBody>
+      </p:sp>
+      <p:sp>
+        <p:nvSpPr>
+          <p:cNvPr id="18" name="Owal 17">
+            <a:extLst>
+              <a:ext uri="{FF2B5EF4-FFF2-40B4-BE49-F238E27FC236}">
+                <a16:creationId xmlns:a16="http://schemas.microsoft.com/office/drawing/2014/main" id="{FC818240-8E90-4102-93D3-9BD64E0D72AF}"/>
+              </a:ext>
+            </a:extLst>
+          </p:cNvPr>
+          <p:cNvSpPr/>
+          <p:nvPr/>
+        </p:nvSpPr>
+        <p:spPr>
+          <a:xfrm>
+            <a:off x="5137184" y="4540469"/>
+            <a:ext cx="402671" cy="360727"/>
+          </a:xfrm>
+          <a:prstGeom prst="ellipse">
+            <a:avLst/>
+          </a:prstGeom>
+          <a:solidFill>
+            <a:srgbClr val="C00000"/>
+          </a:solidFill>
+        </p:spPr>
+        <p:style>
+          <a:lnRef idx="2">
+            <a:schemeClr val="accent2">
+              <a:shade val="50000"/>
+            </a:schemeClr>
+          </a:lnRef>
+          <a:fillRef idx="1">
+            <a:schemeClr val="accent2"/>
+          </a:fillRef>
+          <a:effectRef idx="0">
+            <a:schemeClr val="accent2"/>
+          </a:effectRef>
+          <a:fontRef idx="minor">
+            <a:schemeClr val="lt1"/>
+          </a:fontRef>
+        </p:style>
+        <p:txBody>
+          <a:bodyPr rtlCol="0" anchor="ctr"/>
+          <a:lstStyle/>
+          <a:p>
+            <a:pPr algn="ctr"/>
+            <a:r>
+              <a:rPr lang="pl-PL"/>
+              <a:t>3</a:t>
             </a:r>
           </a:p>
         </p:txBody>
@@ -10691,7 +9911,7 @@
     </p:spTree>
     <p:extLst>
       <p:ext uri="{BB962C8B-B14F-4D97-AF65-F5344CB8AC3E}">
-        <p14:creationId xmlns:p14="http://schemas.microsoft.com/office/powerpoint/2010/main" val="2124321504"/>
+        <p14:creationId xmlns:p14="http://schemas.microsoft.com/office/powerpoint/2010/main" val="1287045289"/>
       </p:ext>
     </p:extLst>
   </p:cSld>
